--- a/psh on the river 2019/warner-github-2019.pptx
+++ b/psh on the river 2019/warner-github-2019.pptx
@@ -9,13 +9,23 @@
     <p:sldId id="258" r:id="rId3"/>
     <p:sldId id="265" r:id="rId4"/>
     <p:sldId id="266" r:id="rId5"/>
-    <p:sldId id="259" r:id="rId6"/>
-    <p:sldId id="267" r:id="rId7"/>
-    <p:sldId id="257" r:id="rId8"/>
-    <p:sldId id="262" r:id="rId9"/>
-    <p:sldId id="263" r:id="rId10"/>
-    <p:sldId id="264" r:id="rId11"/>
-    <p:sldId id="261" r:id="rId12"/>
+    <p:sldId id="268" r:id="rId6"/>
+    <p:sldId id="269" r:id="rId7"/>
+    <p:sldId id="270" r:id="rId8"/>
+    <p:sldId id="284" r:id="rId9"/>
+    <p:sldId id="282" r:id="rId10"/>
+    <p:sldId id="271" r:id="rId11"/>
+    <p:sldId id="277" r:id="rId12"/>
+    <p:sldId id="278" r:id="rId13"/>
+    <p:sldId id="280" r:id="rId14"/>
+    <p:sldId id="279" r:id="rId15"/>
+    <p:sldId id="281" r:id="rId16"/>
+    <p:sldId id="267" r:id="rId17"/>
+    <p:sldId id="257" r:id="rId18"/>
+    <p:sldId id="275" r:id="rId19"/>
+    <p:sldId id="274" r:id="rId20"/>
+    <p:sldId id="283" r:id="rId21"/>
+    <p:sldId id="260" r:id="rId22"/>
   </p:sldIdLst>
   <p:sldSz cx="12192000" cy="6858000"/>
   <p:notesSz cx="6858000" cy="9144000"/>
@@ -368,7 +378,7 @@
             <a:fld id="{B61BEF0D-F0BB-DE4B-95CE-6DB70DBA9567}" type="datetimeFigureOut">
               <a:rPr lang="en-US" smtClean="0"/>
               <a:pPr/>
-              <a:t>8/5/2019</a:t>
+              <a:t>8/9/2019</a:t>
             </a:fld>
             <a:endParaRPr lang="en-US" dirty="0"/>
           </a:p>
@@ -664,7 +674,7 @@
             <a:fld id="{B61BEF0D-F0BB-DE4B-95CE-6DB70DBA9567}" type="datetimeFigureOut">
               <a:rPr lang="en-US" smtClean="0"/>
               <a:pPr/>
-              <a:t>8/5/2019</a:t>
+              <a:t>8/9/2019</a:t>
             </a:fld>
             <a:endParaRPr lang="en-US" dirty="0"/>
           </a:p>
@@ -904,7 +914,7 @@
             <a:fld id="{B61BEF0D-F0BB-DE4B-95CE-6DB70DBA9567}" type="datetimeFigureOut">
               <a:rPr lang="en-US" smtClean="0"/>
               <a:pPr/>
-              <a:t>8/5/2019</a:t>
+              <a:t>8/9/2019</a:t>
             </a:fld>
             <a:endParaRPr lang="en-US" dirty="0"/>
           </a:p>
@@ -1234,7 +1244,7 @@
             <a:fld id="{B61BEF0D-F0BB-DE4B-95CE-6DB70DBA9567}" type="datetimeFigureOut">
               <a:rPr lang="en-US" smtClean="0"/>
               <a:pPr/>
-              <a:t>8/5/2019</a:t>
+              <a:t>8/9/2019</a:t>
             </a:fld>
             <a:endParaRPr lang="en-US" dirty="0"/>
           </a:p>
@@ -1524,7 +1534,7 @@
             <a:fld id="{B61BEF0D-F0BB-DE4B-95CE-6DB70DBA9567}" type="datetimeFigureOut">
               <a:rPr lang="en-US" smtClean="0"/>
               <a:pPr/>
-              <a:t>8/5/2019</a:t>
+              <a:t>8/9/2019</a:t>
             </a:fld>
             <a:endParaRPr lang="en-US" dirty="0"/>
           </a:p>
@@ -1835,7 +1845,7 @@
             <a:fld id="{B61BEF0D-F0BB-DE4B-95CE-6DB70DBA9567}" type="datetimeFigureOut">
               <a:rPr lang="en-US" smtClean="0"/>
               <a:pPr/>
-              <a:t>8/5/2019</a:t>
+              <a:t>8/9/2019</a:t>
             </a:fld>
             <a:endParaRPr lang="en-US" dirty="0"/>
           </a:p>
@@ -2142,7 +2152,7 @@
             <a:fld id="{B61BEF0D-F0BB-DE4B-95CE-6DB70DBA9567}" type="datetimeFigureOut">
               <a:rPr lang="en-US" smtClean="0"/>
               <a:pPr/>
-              <a:t>8/5/2019</a:t>
+              <a:t>8/9/2019</a:t>
             </a:fld>
             <a:endParaRPr lang="en-US" dirty="0"/>
           </a:p>
@@ -2569,7 +2579,7 @@
             <a:fld id="{B61BEF0D-F0BB-DE4B-95CE-6DB70DBA9567}" type="datetimeFigureOut">
               <a:rPr lang="en-US" smtClean="0"/>
               <a:pPr/>
-              <a:t>8/5/2019</a:t>
+              <a:t>8/9/2019</a:t>
             </a:fld>
             <a:endParaRPr lang="en-US" dirty="0"/>
           </a:p>
@@ -2669,7 +2679,7 @@
             <a:fld id="{B61BEF0D-F0BB-DE4B-95CE-6DB70DBA9567}" type="datetimeFigureOut">
               <a:rPr lang="en-US" smtClean="0"/>
               <a:pPr/>
-              <a:t>8/5/2019</a:t>
+              <a:t>8/9/2019</a:t>
             </a:fld>
             <a:endParaRPr lang="en-US" dirty="0"/>
           </a:p>
@@ -2836,7 +2846,7 @@
             <a:fld id="{B61BEF0D-F0BB-DE4B-95CE-6DB70DBA9567}" type="datetimeFigureOut">
               <a:rPr lang="en-US" smtClean="0"/>
               <a:pPr/>
-              <a:t>8/5/2019</a:t>
+              <a:t>8/9/2019</a:t>
             </a:fld>
             <a:endParaRPr lang="en-US" dirty="0"/>
           </a:p>
@@ -3219,7 +3229,7 @@
             <a:fld id="{B61BEF0D-F0BB-DE4B-95CE-6DB70DBA9567}" type="datetimeFigureOut">
               <a:rPr lang="en-US" smtClean="0"/>
               <a:pPr/>
-              <a:t>8/5/2019</a:t>
+              <a:t>8/9/2019</a:t>
             </a:fld>
             <a:endParaRPr lang="en-US" dirty="0"/>
           </a:p>
@@ -3465,7 +3475,7 @@
             <a:fld id="{B61BEF0D-F0BB-DE4B-95CE-6DB70DBA9567}" type="datetimeFigureOut">
               <a:rPr lang="en-US" smtClean="0"/>
               <a:pPr/>
-              <a:t>8/5/2019</a:t>
+              <a:t>8/9/2019</a:t>
             </a:fld>
             <a:endParaRPr lang="en-US" dirty="0"/>
           </a:p>
@@ -3742,7 +3752,7 @@
             <a:fld id="{B61BEF0D-F0BB-DE4B-95CE-6DB70DBA9567}" type="datetimeFigureOut">
               <a:rPr lang="en-US" smtClean="0"/>
               <a:pPr/>
-              <a:t>8/5/2019</a:t>
+              <a:t>8/9/2019</a:t>
             </a:fld>
             <a:endParaRPr lang="en-US" dirty="0"/>
           </a:p>
@@ -3977,7 +3987,7 @@
             <a:fld id="{B61BEF0D-F0BB-DE4B-95CE-6DB70DBA9567}" type="datetimeFigureOut">
               <a:rPr lang="en-US" smtClean="0"/>
               <a:pPr/>
-              <a:t>8/5/2019</a:t>
+              <a:t>8/9/2019</a:t>
             </a:fld>
             <a:endParaRPr lang="en-US" dirty="0"/>
           </a:p>
@@ -4217,7 +4227,7 @@
             <a:fld id="{B61BEF0D-F0BB-DE4B-95CE-6DB70DBA9567}" type="datetimeFigureOut">
               <a:rPr lang="en-US" smtClean="0"/>
               <a:pPr/>
-              <a:t>8/5/2019</a:t>
+              <a:t>8/9/2019</a:t>
             </a:fld>
             <a:endParaRPr lang="en-US" dirty="0"/>
           </a:p>
@@ -4545,7 +4555,7 @@
             <a:fld id="{B61BEF0D-F0BB-DE4B-95CE-6DB70DBA9567}" type="datetimeFigureOut">
               <a:rPr lang="en-US" smtClean="0"/>
               <a:pPr/>
-              <a:t>8/5/2019</a:t>
+              <a:t>8/9/2019</a:t>
             </a:fld>
             <a:endParaRPr lang="en-US" dirty="0"/>
           </a:p>
@@ -4852,7 +4862,7 @@
             <a:fld id="{B61BEF0D-F0BB-DE4B-95CE-6DB70DBA9567}" type="datetimeFigureOut">
               <a:rPr lang="en-US" smtClean="0"/>
               <a:pPr/>
-              <a:t>8/5/2019</a:t>
+              <a:t>8/9/2019</a:t>
             </a:fld>
             <a:endParaRPr lang="en-US" dirty="0"/>
           </a:p>
@@ -5279,7 +5289,7 @@
             <a:fld id="{B61BEF0D-F0BB-DE4B-95CE-6DB70DBA9567}" type="datetimeFigureOut">
               <a:rPr lang="en-US" smtClean="0"/>
               <a:pPr/>
-              <a:t>8/5/2019</a:t>
+              <a:t>8/9/2019</a:t>
             </a:fld>
             <a:endParaRPr lang="en-US" dirty="0"/>
           </a:p>
@@ -5379,7 +5389,7 @@
             <a:fld id="{B61BEF0D-F0BB-DE4B-95CE-6DB70DBA9567}" type="datetimeFigureOut">
               <a:rPr lang="en-US" smtClean="0"/>
               <a:pPr/>
-              <a:t>8/5/2019</a:t>
+              <a:t>8/9/2019</a:t>
             </a:fld>
             <a:endParaRPr lang="en-US" dirty="0"/>
           </a:p>
@@ -5546,7 +5556,7 @@
             <a:fld id="{B61BEF0D-F0BB-DE4B-95CE-6DB70DBA9567}" type="datetimeFigureOut">
               <a:rPr lang="en-US" smtClean="0"/>
               <a:pPr/>
-              <a:t>8/5/2019</a:t>
+              <a:t>8/9/2019</a:t>
             </a:fld>
             <a:endParaRPr lang="en-US" dirty="0"/>
           </a:p>
@@ -5929,7 +5939,7 @@
             <a:fld id="{B61BEF0D-F0BB-DE4B-95CE-6DB70DBA9567}" type="datetimeFigureOut">
               <a:rPr lang="en-US" smtClean="0"/>
               <a:pPr/>
-              <a:t>8/5/2019</a:t>
+              <a:t>8/9/2019</a:t>
             </a:fld>
             <a:endParaRPr lang="en-US" dirty="0"/>
           </a:p>
@@ -6223,7 +6233,7 @@
             <a:fld id="{B61BEF0D-F0BB-DE4B-95CE-6DB70DBA9567}" type="datetimeFigureOut">
               <a:rPr lang="en-US" smtClean="0"/>
               <a:pPr/>
-              <a:t>8/5/2019</a:t>
+              <a:t>8/9/2019</a:t>
             </a:fld>
             <a:endParaRPr lang="en-US" dirty="0"/>
           </a:p>
@@ -6439,7 +6449,7 @@
             <a:fld id="{B61BEF0D-F0BB-DE4B-95CE-6DB70DBA9567}" type="datetimeFigureOut">
               <a:rPr lang="en-US" smtClean="0"/>
               <a:pPr/>
-              <a:t>8/5/2019</a:t>
+              <a:t>8/9/2019</a:t>
             </a:fld>
             <a:endParaRPr lang="en-US" dirty="0"/>
           </a:p>
@@ -7207,7 +7217,7 @@
             <a:fld id="{B61BEF0D-F0BB-DE4B-95CE-6DB70DBA9567}" type="datetimeFigureOut">
               <a:rPr lang="en-US" smtClean="0"/>
               <a:pPr/>
-              <a:t>8/5/2019</a:t>
+              <a:t>8/9/2019</a:t>
             </a:fld>
             <a:endParaRPr lang="en-US" dirty="0"/>
           </a:p>
@@ -7985,6 +7995,36 @@
           <a:chExt cx="0" cy="0"/>
         </a:xfrm>
       </p:grpSpPr>
+      <p:pic>
+        <p:nvPicPr>
+          <p:cNvPr id="8" name="Picture 7">
+            <a:extLst>
+              <a:ext uri="{FF2B5EF4-FFF2-40B4-BE49-F238E27FC236}">
+                <a16:creationId xmlns:a16="http://schemas.microsoft.com/office/drawing/2014/main" id="{A0D60FD7-7C29-4E08-957F-FE95B2D81351}"/>
+              </a:ext>
+            </a:extLst>
+          </p:cNvPr>
+          <p:cNvPicPr>
+            <a:picLocks noChangeAspect="1"/>
+          </p:cNvPicPr>
+          <p:nvPr/>
+        </p:nvPicPr>
+        <p:blipFill>
+          <a:blip r:embed="rId2"/>
+          <a:stretch>
+            <a:fillRect/>
+          </a:stretch>
+        </p:blipFill>
+        <p:spPr>
+          <a:xfrm>
+            <a:off x="381000" y="5387369"/>
+            <a:ext cx="3157847" cy="942857"/>
+          </a:xfrm>
+          <a:prstGeom prst="rect">
+            <a:avLst/>
+          </a:prstGeom>
+        </p:spPr>
+      </p:pic>
       <p:sp>
         <p:nvSpPr>
           <p:cNvPr id="2" name="Title 1">
@@ -8010,7 +8050,2185 @@
           <a:p>
             <a:r>
               <a:rPr lang="en-US" sz="4000" dirty="0"/>
-              <a:t>Thank you!</a:t>
+              <a:t>Fork and clone</a:t>
+            </a:r>
+          </a:p>
+        </p:txBody>
+      </p:sp>
+      <p:pic>
+        <p:nvPicPr>
+          <p:cNvPr id="7" name="Picture 6">
+            <a:extLst>
+              <a:ext uri="{FF2B5EF4-FFF2-40B4-BE49-F238E27FC236}">
+                <a16:creationId xmlns:a16="http://schemas.microsoft.com/office/drawing/2014/main" id="{65CAA47D-15E9-9140-900B-E253CEB6E999}"/>
+              </a:ext>
+            </a:extLst>
+          </p:cNvPr>
+          <p:cNvPicPr>
+            <a:picLocks noChangeAspect="1"/>
+          </p:cNvPicPr>
+          <p:nvPr/>
+        </p:nvPicPr>
+        <p:blipFill>
+          <a:blip r:embed="rId3"/>
+          <a:stretch>
+            <a:fillRect/>
+          </a:stretch>
+        </p:blipFill>
+        <p:spPr>
+          <a:xfrm>
+            <a:off x="381000" y="5197369"/>
+            <a:ext cx="2976433" cy="1322859"/>
+          </a:xfrm>
+          <a:prstGeom prst="rect">
+            <a:avLst/>
+          </a:prstGeom>
+        </p:spPr>
+      </p:pic>
+      <p:pic>
+        <p:nvPicPr>
+          <p:cNvPr id="9" name="Picture 8">
+            <a:extLst>
+              <a:ext uri="{FF2B5EF4-FFF2-40B4-BE49-F238E27FC236}">
+                <a16:creationId xmlns:a16="http://schemas.microsoft.com/office/drawing/2014/main" id="{0EBA783B-0CCB-4A3A-AB69-2A223676718B}"/>
+              </a:ext>
+            </a:extLst>
+          </p:cNvPr>
+          <p:cNvPicPr>
+            <a:picLocks noChangeAspect="1"/>
+          </p:cNvPicPr>
+          <p:nvPr/>
+        </p:nvPicPr>
+        <p:blipFill>
+          <a:blip r:embed="rId2"/>
+          <a:stretch>
+            <a:fillRect/>
+          </a:stretch>
+        </p:blipFill>
+        <p:spPr>
+          <a:xfrm>
+            <a:off x="10248405" y="4577423"/>
+            <a:ext cx="1562597" cy="1578421"/>
+          </a:xfrm>
+          <a:prstGeom prst="rect">
+            <a:avLst/>
+          </a:prstGeom>
+        </p:spPr>
+      </p:pic>
+      <p:pic>
+        <p:nvPicPr>
+          <p:cNvPr id="1026" name="Picture 2">
+            <a:extLst>
+              <a:ext uri="{FF2B5EF4-FFF2-40B4-BE49-F238E27FC236}">
+                <a16:creationId xmlns:a16="http://schemas.microsoft.com/office/drawing/2014/main" id="{6747DF65-C023-4E3D-95CE-B1B23D4B445C}"/>
+              </a:ext>
+            </a:extLst>
+          </p:cNvPr>
+          <p:cNvPicPr>
+            <a:picLocks noChangeAspect="1" noChangeArrowheads="1"/>
+          </p:cNvPicPr>
+          <p:nvPr/>
+        </p:nvPicPr>
+        <p:blipFill>
+          <a:blip r:embed="rId4">
+            <a:extLst>
+              <a:ext uri="{28A0092B-C50C-407E-A947-70E740481C1C}">
+                <a14:useLocalDpi xmlns:a14="http://schemas.microsoft.com/office/drawing/2010/main" val="0"/>
+              </a:ext>
+            </a:extLst>
+          </a:blip>
+          <a:srcRect/>
+          <a:stretch>
+            <a:fillRect/>
+          </a:stretch>
+        </p:blipFill>
+        <p:spPr bwMode="auto">
+          <a:xfrm>
+            <a:off x="1252846" y="1914825"/>
+            <a:ext cx="8546275" cy="4807280"/>
+          </a:xfrm>
+          <a:prstGeom prst="rect">
+            <a:avLst/>
+          </a:prstGeom>
+          <a:noFill/>
+          <a:extLst>
+            <a:ext uri="{909E8E84-426E-40DD-AFC4-6F175D3DCCD1}">
+              <a14:hiddenFill xmlns:a14="http://schemas.microsoft.com/office/drawing/2010/main">
+                <a:solidFill>
+                  <a:srgbClr val="FFFFFF"/>
+                </a:solidFill>
+              </a14:hiddenFill>
+            </a:ext>
+          </a:extLst>
+        </p:spPr>
+      </p:pic>
+      <p:sp>
+        <p:nvSpPr>
+          <p:cNvPr id="3" name="TextBox 2">
+            <a:extLst>
+              <a:ext uri="{FF2B5EF4-FFF2-40B4-BE49-F238E27FC236}">
+                <a16:creationId xmlns:a16="http://schemas.microsoft.com/office/drawing/2014/main" id="{4ECA3681-B84F-4C6A-B902-C1A30FBAAFEE}"/>
+              </a:ext>
+            </a:extLst>
+          </p:cNvPr>
+          <p:cNvSpPr txBox="1"/>
+          <p:nvPr/>
+        </p:nvSpPr>
+        <p:spPr>
+          <a:xfrm>
+            <a:off x="9215566" y="6427048"/>
+            <a:ext cx="2976434" cy="400110"/>
+          </a:xfrm>
+          <a:prstGeom prst="rect">
+            <a:avLst/>
+          </a:prstGeom>
+          <a:noFill/>
+        </p:spPr>
+        <p:txBody>
+          <a:bodyPr wrap="square" rtlCol="0">
+            <a:spAutoFit/>
+          </a:bodyPr>
+          <a:lstStyle/>
+          <a:p>
+            <a:r>
+              <a:rPr lang="en-US" sz="2000" b="1" dirty="0">
+                <a:solidFill>
+                  <a:srgbClr val="0070C0"/>
+                </a:solidFill>
+              </a:rPr>
+              <a:t>https://timw.info/3afb2</a:t>
+            </a:r>
+          </a:p>
+        </p:txBody>
+      </p:sp>
+      <p:pic>
+        <p:nvPicPr>
+          <p:cNvPr id="10" name="Picture 9">
+            <a:extLst>
+              <a:ext uri="{FF2B5EF4-FFF2-40B4-BE49-F238E27FC236}">
+                <a16:creationId xmlns:a16="http://schemas.microsoft.com/office/drawing/2014/main" id="{EF2313FC-646A-4682-8C93-036875E2C0F4}"/>
+              </a:ext>
+            </a:extLst>
+          </p:cNvPr>
+          <p:cNvPicPr>
+            <a:picLocks noChangeAspect="1"/>
+          </p:cNvPicPr>
+          <p:nvPr/>
+        </p:nvPicPr>
+        <p:blipFill>
+          <a:blip r:embed="rId2"/>
+          <a:stretch>
+            <a:fillRect/>
+          </a:stretch>
+        </p:blipFill>
+        <p:spPr>
+          <a:xfrm>
+            <a:off x="246906" y="5069586"/>
+            <a:ext cx="1562597" cy="1578421"/>
+          </a:xfrm>
+          <a:prstGeom prst="rect">
+            <a:avLst/>
+          </a:prstGeom>
+        </p:spPr>
+      </p:pic>
+      <p:pic>
+        <p:nvPicPr>
+          <p:cNvPr id="11" name="Picture 10">
+            <a:extLst>
+              <a:ext uri="{FF2B5EF4-FFF2-40B4-BE49-F238E27FC236}">
+                <a16:creationId xmlns:a16="http://schemas.microsoft.com/office/drawing/2014/main" id="{5E100E8E-C43B-42BC-AA01-59266C8C7247}"/>
+              </a:ext>
+            </a:extLst>
+          </p:cNvPr>
+          <p:cNvPicPr>
+            <a:picLocks noChangeAspect="1"/>
+          </p:cNvPicPr>
+          <p:nvPr/>
+        </p:nvPicPr>
+        <p:blipFill>
+          <a:blip r:embed="rId2"/>
+          <a:stretch>
+            <a:fillRect/>
+          </a:stretch>
+        </p:blipFill>
+        <p:spPr>
+          <a:xfrm>
+            <a:off x="3208224" y="4308724"/>
+            <a:ext cx="1562597" cy="1578421"/>
+          </a:xfrm>
+          <a:prstGeom prst="rect">
+            <a:avLst/>
+          </a:prstGeom>
+        </p:spPr>
+      </p:pic>
+    </p:spTree>
+    <p:extLst>
+      <p:ext uri="{BB962C8B-B14F-4D97-AF65-F5344CB8AC3E}">
+        <p14:creationId xmlns:p14="http://schemas.microsoft.com/office/powerpoint/2010/main" val="208123030"/>
+      </p:ext>
+    </p:extLst>
+  </p:cSld>
+  <p:clrMapOvr>
+    <a:masterClrMapping/>
+  </p:clrMapOvr>
+</p:sld>
+</file>
+
+<file path=ppt/slides/slide11.xml><?xml version="1.0" encoding="utf-8"?>
+<p:sld xmlns:a="http://schemas.openxmlformats.org/drawingml/2006/main" xmlns:r="http://schemas.openxmlformats.org/officeDocument/2006/relationships" xmlns:p="http://schemas.openxmlformats.org/presentationml/2006/main">
+  <p:cSld>
+    <p:spTree>
+      <p:nvGrpSpPr>
+        <p:cNvPr id="1" name=""/>
+        <p:cNvGrpSpPr/>
+        <p:nvPr/>
+      </p:nvGrpSpPr>
+      <p:grpSpPr>
+        <a:xfrm>
+          <a:off x="0" y="0"/>
+          <a:ext cx="0" cy="0"/>
+          <a:chOff x="0" y="0"/>
+          <a:chExt cx="0" cy="0"/>
+        </a:xfrm>
+      </p:grpSpPr>
+      <p:pic>
+        <p:nvPicPr>
+          <p:cNvPr id="8" name="Picture 7">
+            <a:extLst>
+              <a:ext uri="{FF2B5EF4-FFF2-40B4-BE49-F238E27FC236}">
+                <a16:creationId xmlns:a16="http://schemas.microsoft.com/office/drawing/2014/main" id="{A0D60FD7-7C29-4E08-957F-FE95B2D81351}"/>
+              </a:ext>
+            </a:extLst>
+          </p:cNvPr>
+          <p:cNvPicPr>
+            <a:picLocks noChangeAspect="1"/>
+          </p:cNvPicPr>
+          <p:nvPr/>
+        </p:nvPicPr>
+        <p:blipFill>
+          <a:blip r:embed="rId2"/>
+          <a:stretch>
+            <a:fillRect/>
+          </a:stretch>
+        </p:blipFill>
+        <p:spPr>
+          <a:xfrm>
+            <a:off x="381000" y="5387369"/>
+            <a:ext cx="3157847" cy="942857"/>
+          </a:xfrm>
+          <a:prstGeom prst="rect">
+            <a:avLst/>
+          </a:prstGeom>
+        </p:spPr>
+      </p:pic>
+      <p:sp>
+        <p:nvSpPr>
+          <p:cNvPr id="2" name="Title 1">
+            <a:extLst>
+              <a:ext uri="{FF2B5EF4-FFF2-40B4-BE49-F238E27FC236}">
+                <a16:creationId xmlns:a16="http://schemas.microsoft.com/office/drawing/2014/main" id="{2DCC4400-C451-C048-8821-012A5DC51FC3}"/>
+              </a:ext>
+            </a:extLst>
+          </p:cNvPr>
+          <p:cNvSpPr>
+            <a:spLocks noGrp="1"/>
+          </p:cNvSpPr>
+          <p:nvPr>
+            <p:ph type="title"/>
+          </p:nvPr>
+        </p:nvSpPr>
+        <p:spPr/>
+        <p:txBody>
+          <a:bodyPr>
+            <a:normAutofit/>
+          </a:bodyPr>
+          <a:lstStyle/>
+          <a:p>
+            <a:r>
+              <a:rPr lang="en-US" sz="4000" dirty="0"/>
+              <a:t>Feature branches</a:t>
+            </a:r>
+          </a:p>
+        </p:txBody>
+      </p:sp>
+      <p:pic>
+        <p:nvPicPr>
+          <p:cNvPr id="7" name="Picture 6">
+            <a:extLst>
+              <a:ext uri="{FF2B5EF4-FFF2-40B4-BE49-F238E27FC236}">
+                <a16:creationId xmlns:a16="http://schemas.microsoft.com/office/drawing/2014/main" id="{65CAA47D-15E9-9140-900B-E253CEB6E999}"/>
+              </a:ext>
+            </a:extLst>
+          </p:cNvPr>
+          <p:cNvPicPr>
+            <a:picLocks noChangeAspect="1"/>
+          </p:cNvPicPr>
+          <p:nvPr/>
+        </p:nvPicPr>
+        <p:blipFill>
+          <a:blip r:embed="rId3"/>
+          <a:stretch>
+            <a:fillRect/>
+          </a:stretch>
+        </p:blipFill>
+        <p:spPr>
+          <a:xfrm>
+            <a:off x="381000" y="5197369"/>
+            <a:ext cx="2976433" cy="1322859"/>
+          </a:xfrm>
+          <a:prstGeom prst="rect">
+            <a:avLst/>
+          </a:prstGeom>
+        </p:spPr>
+      </p:pic>
+      <p:pic>
+        <p:nvPicPr>
+          <p:cNvPr id="9" name="Picture 8">
+            <a:extLst>
+              <a:ext uri="{FF2B5EF4-FFF2-40B4-BE49-F238E27FC236}">
+                <a16:creationId xmlns:a16="http://schemas.microsoft.com/office/drawing/2014/main" id="{0EBA783B-0CCB-4A3A-AB69-2A223676718B}"/>
+              </a:ext>
+            </a:extLst>
+          </p:cNvPr>
+          <p:cNvPicPr>
+            <a:picLocks noChangeAspect="1"/>
+          </p:cNvPicPr>
+          <p:nvPr/>
+        </p:nvPicPr>
+        <p:blipFill>
+          <a:blip r:embed="rId2"/>
+          <a:stretch>
+            <a:fillRect/>
+          </a:stretch>
+        </p:blipFill>
+        <p:spPr>
+          <a:xfrm>
+            <a:off x="10248405" y="4577423"/>
+            <a:ext cx="1562597" cy="1578421"/>
+          </a:xfrm>
+          <a:prstGeom prst="rect">
+            <a:avLst/>
+          </a:prstGeom>
+        </p:spPr>
+      </p:pic>
+      <p:pic>
+        <p:nvPicPr>
+          <p:cNvPr id="10" name="Picture 9">
+            <a:extLst>
+              <a:ext uri="{FF2B5EF4-FFF2-40B4-BE49-F238E27FC236}">
+                <a16:creationId xmlns:a16="http://schemas.microsoft.com/office/drawing/2014/main" id="{EF2313FC-646A-4682-8C93-036875E2C0F4}"/>
+              </a:ext>
+            </a:extLst>
+          </p:cNvPr>
+          <p:cNvPicPr>
+            <a:picLocks noChangeAspect="1"/>
+          </p:cNvPicPr>
+          <p:nvPr/>
+        </p:nvPicPr>
+        <p:blipFill>
+          <a:blip r:embed="rId2"/>
+          <a:stretch>
+            <a:fillRect/>
+          </a:stretch>
+        </p:blipFill>
+        <p:spPr>
+          <a:xfrm>
+            <a:off x="246906" y="5069586"/>
+            <a:ext cx="1562597" cy="1578421"/>
+          </a:xfrm>
+          <a:prstGeom prst="rect">
+            <a:avLst/>
+          </a:prstGeom>
+        </p:spPr>
+      </p:pic>
+      <p:pic>
+        <p:nvPicPr>
+          <p:cNvPr id="11" name="Picture 10">
+            <a:extLst>
+              <a:ext uri="{FF2B5EF4-FFF2-40B4-BE49-F238E27FC236}">
+                <a16:creationId xmlns:a16="http://schemas.microsoft.com/office/drawing/2014/main" id="{5E100E8E-C43B-42BC-AA01-59266C8C7247}"/>
+              </a:ext>
+            </a:extLst>
+          </p:cNvPr>
+          <p:cNvPicPr>
+            <a:picLocks noChangeAspect="1"/>
+          </p:cNvPicPr>
+          <p:nvPr/>
+        </p:nvPicPr>
+        <p:blipFill>
+          <a:blip r:embed="rId2"/>
+          <a:stretch>
+            <a:fillRect/>
+          </a:stretch>
+        </p:blipFill>
+        <p:spPr>
+          <a:xfrm>
+            <a:off x="3208224" y="4308724"/>
+            <a:ext cx="1562597" cy="1578421"/>
+          </a:xfrm>
+          <a:prstGeom prst="rect">
+            <a:avLst/>
+          </a:prstGeom>
+        </p:spPr>
+      </p:pic>
+      <p:pic>
+        <p:nvPicPr>
+          <p:cNvPr id="2050" name="Picture 2" descr="Image result for git feature branch workflow">
+            <a:extLst>
+              <a:ext uri="{FF2B5EF4-FFF2-40B4-BE49-F238E27FC236}">
+                <a16:creationId xmlns:a16="http://schemas.microsoft.com/office/drawing/2014/main" id="{CA32D0DF-B374-4D39-B494-698713B2736D}"/>
+              </a:ext>
+            </a:extLst>
+          </p:cNvPr>
+          <p:cNvPicPr>
+            <a:picLocks noChangeAspect="1" noChangeArrowheads="1"/>
+          </p:cNvPicPr>
+          <p:nvPr/>
+        </p:nvPicPr>
+        <p:blipFill>
+          <a:blip r:embed="rId4">
+            <a:extLst>
+              <a:ext uri="{28A0092B-C50C-407E-A947-70E740481C1C}">
+                <a14:useLocalDpi xmlns:a14="http://schemas.microsoft.com/office/drawing/2010/main" val="0"/>
+              </a:ext>
+            </a:extLst>
+          </a:blip>
+          <a:srcRect/>
+          <a:stretch>
+            <a:fillRect/>
+          </a:stretch>
+        </p:blipFill>
+        <p:spPr bwMode="auto">
+          <a:xfrm>
+            <a:off x="1638795" y="1952037"/>
+            <a:ext cx="8729598" cy="4747103"/>
+          </a:xfrm>
+          <a:prstGeom prst="rect">
+            <a:avLst/>
+          </a:prstGeom>
+          <a:noFill/>
+          <a:extLst>
+            <a:ext uri="{909E8E84-426E-40DD-AFC4-6F175D3DCCD1}">
+              <a14:hiddenFill xmlns:a14="http://schemas.microsoft.com/office/drawing/2010/main">
+                <a:solidFill>
+                  <a:srgbClr val="FFFFFF"/>
+                </a:solidFill>
+              </a14:hiddenFill>
+            </a:ext>
+          </a:extLst>
+        </p:spPr>
+      </p:pic>
+      <p:sp>
+        <p:nvSpPr>
+          <p:cNvPr id="3" name="TextBox 2">
+            <a:extLst>
+              <a:ext uri="{FF2B5EF4-FFF2-40B4-BE49-F238E27FC236}">
+                <a16:creationId xmlns:a16="http://schemas.microsoft.com/office/drawing/2014/main" id="{4ECA3681-B84F-4C6A-B902-C1A30FBAAFEE}"/>
+              </a:ext>
+            </a:extLst>
+          </p:cNvPr>
+          <p:cNvSpPr txBox="1"/>
+          <p:nvPr/>
+        </p:nvSpPr>
+        <p:spPr>
+          <a:xfrm>
+            <a:off x="9215566" y="6427048"/>
+            <a:ext cx="2976434" cy="400110"/>
+          </a:xfrm>
+          <a:prstGeom prst="rect">
+            <a:avLst/>
+          </a:prstGeom>
+          <a:noFill/>
+        </p:spPr>
+        <p:txBody>
+          <a:bodyPr wrap="square" rtlCol="0">
+            <a:spAutoFit/>
+          </a:bodyPr>
+          <a:lstStyle/>
+          <a:p>
+            <a:r>
+              <a:rPr lang="en-US" sz="2000" b="1" dirty="0">
+                <a:solidFill>
+                  <a:srgbClr val="0070C0"/>
+                </a:solidFill>
+              </a:rPr>
+              <a:t>https://timw.info/9a9ae</a:t>
+            </a:r>
+          </a:p>
+        </p:txBody>
+      </p:sp>
+    </p:spTree>
+    <p:extLst>
+      <p:ext uri="{BB962C8B-B14F-4D97-AF65-F5344CB8AC3E}">
+        <p14:creationId xmlns:p14="http://schemas.microsoft.com/office/powerpoint/2010/main" val="3889684021"/>
+      </p:ext>
+    </p:extLst>
+  </p:cSld>
+  <p:clrMapOvr>
+    <a:masterClrMapping/>
+  </p:clrMapOvr>
+</p:sld>
+</file>
+
+<file path=ppt/slides/slide12.xml><?xml version="1.0" encoding="utf-8"?>
+<p:sld xmlns:a="http://schemas.openxmlformats.org/drawingml/2006/main" xmlns:r="http://schemas.openxmlformats.org/officeDocument/2006/relationships" xmlns:p="http://schemas.openxmlformats.org/presentationml/2006/main">
+  <p:cSld>
+    <p:spTree>
+      <p:nvGrpSpPr>
+        <p:cNvPr id="1" name=""/>
+        <p:cNvGrpSpPr/>
+        <p:nvPr/>
+      </p:nvGrpSpPr>
+      <p:grpSpPr>
+        <a:xfrm>
+          <a:off x="0" y="0"/>
+          <a:ext cx="0" cy="0"/>
+          <a:chOff x="0" y="0"/>
+          <a:chExt cx="0" cy="0"/>
+        </a:xfrm>
+      </p:grpSpPr>
+      <p:pic>
+        <p:nvPicPr>
+          <p:cNvPr id="8" name="Picture 7">
+            <a:extLst>
+              <a:ext uri="{FF2B5EF4-FFF2-40B4-BE49-F238E27FC236}">
+                <a16:creationId xmlns:a16="http://schemas.microsoft.com/office/drawing/2014/main" id="{A0D60FD7-7C29-4E08-957F-FE95B2D81351}"/>
+              </a:ext>
+            </a:extLst>
+          </p:cNvPr>
+          <p:cNvPicPr>
+            <a:picLocks noChangeAspect="1"/>
+          </p:cNvPicPr>
+          <p:nvPr/>
+        </p:nvPicPr>
+        <p:blipFill>
+          <a:blip r:embed="rId2"/>
+          <a:stretch>
+            <a:fillRect/>
+          </a:stretch>
+        </p:blipFill>
+        <p:spPr>
+          <a:xfrm>
+            <a:off x="381000" y="5387369"/>
+            <a:ext cx="3157847" cy="942857"/>
+          </a:xfrm>
+          <a:prstGeom prst="rect">
+            <a:avLst/>
+          </a:prstGeom>
+        </p:spPr>
+      </p:pic>
+      <p:sp>
+        <p:nvSpPr>
+          <p:cNvPr id="2" name="Title 1">
+            <a:extLst>
+              <a:ext uri="{FF2B5EF4-FFF2-40B4-BE49-F238E27FC236}">
+                <a16:creationId xmlns:a16="http://schemas.microsoft.com/office/drawing/2014/main" id="{2DCC4400-C451-C048-8821-012A5DC51FC3}"/>
+              </a:ext>
+            </a:extLst>
+          </p:cNvPr>
+          <p:cNvSpPr>
+            <a:spLocks noGrp="1"/>
+          </p:cNvSpPr>
+          <p:nvPr>
+            <p:ph type="title"/>
+          </p:nvPr>
+        </p:nvSpPr>
+        <p:spPr/>
+        <p:txBody>
+          <a:bodyPr>
+            <a:normAutofit/>
+          </a:bodyPr>
+          <a:lstStyle/>
+          <a:p>
+            <a:r>
+              <a:rPr lang="en-US" sz="4000" dirty="0"/>
+              <a:t>Push changes to remote</a:t>
+            </a:r>
+          </a:p>
+        </p:txBody>
+      </p:sp>
+      <p:pic>
+        <p:nvPicPr>
+          <p:cNvPr id="7" name="Picture 6">
+            <a:extLst>
+              <a:ext uri="{FF2B5EF4-FFF2-40B4-BE49-F238E27FC236}">
+                <a16:creationId xmlns:a16="http://schemas.microsoft.com/office/drawing/2014/main" id="{65CAA47D-15E9-9140-900B-E253CEB6E999}"/>
+              </a:ext>
+            </a:extLst>
+          </p:cNvPr>
+          <p:cNvPicPr>
+            <a:picLocks noChangeAspect="1"/>
+          </p:cNvPicPr>
+          <p:nvPr/>
+        </p:nvPicPr>
+        <p:blipFill>
+          <a:blip r:embed="rId3"/>
+          <a:stretch>
+            <a:fillRect/>
+          </a:stretch>
+        </p:blipFill>
+        <p:spPr>
+          <a:xfrm>
+            <a:off x="381001" y="5197369"/>
+            <a:ext cx="1685554" cy="1322859"/>
+          </a:xfrm>
+          <a:prstGeom prst="rect">
+            <a:avLst/>
+          </a:prstGeom>
+        </p:spPr>
+      </p:pic>
+      <p:pic>
+        <p:nvPicPr>
+          <p:cNvPr id="9" name="Picture 8">
+            <a:extLst>
+              <a:ext uri="{FF2B5EF4-FFF2-40B4-BE49-F238E27FC236}">
+                <a16:creationId xmlns:a16="http://schemas.microsoft.com/office/drawing/2014/main" id="{0EBA783B-0CCB-4A3A-AB69-2A223676718B}"/>
+              </a:ext>
+            </a:extLst>
+          </p:cNvPr>
+          <p:cNvPicPr>
+            <a:picLocks noChangeAspect="1"/>
+          </p:cNvPicPr>
+          <p:nvPr/>
+        </p:nvPicPr>
+        <p:blipFill>
+          <a:blip r:embed="rId2"/>
+          <a:stretch>
+            <a:fillRect/>
+          </a:stretch>
+        </p:blipFill>
+        <p:spPr>
+          <a:xfrm>
+            <a:off x="10248405" y="4577423"/>
+            <a:ext cx="1562597" cy="1578421"/>
+          </a:xfrm>
+          <a:prstGeom prst="rect">
+            <a:avLst/>
+          </a:prstGeom>
+        </p:spPr>
+      </p:pic>
+      <p:pic>
+        <p:nvPicPr>
+          <p:cNvPr id="10" name="Picture 9">
+            <a:extLst>
+              <a:ext uri="{FF2B5EF4-FFF2-40B4-BE49-F238E27FC236}">
+                <a16:creationId xmlns:a16="http://schemas.microsoft.com/office/drawing/2014/main" id="{EF2313FC-646A-4682-8C93-036875E2C0F4}"/>
+              </a:ext>
+            </a:extLst>
+          </p:cNvPr>
+          <p:cNvPicPr>
+            <a:picLocks noChangeAspect="1"/>
+          </p:cNvPicPr>
+          <p:nvPr/>
+        </p:nvPicPr>
+        <p:blipFill>
+          <a:blip r:embed="rId2"/>
+          <a:stretch>
+            <a:fillRect/>
+          </a:stretch>
+        </p:blipFill>
+        <p:spPr>
+          <a:xfrm>
+            <a:off x="246906" y="5069586"/>
+            <a:ext cx="1819647" cy="1578421"/>
+          </a:xfrm>
+          <a:prstGeom prst="rect">
+            <a:avLst/>
+          </a:prstGeom>
+        </p:spPr>
+      </p:pic>
+      <p:pic>
+        <p:nvPicPr>
+          <p:cNvPr id="11" name="Picture 10">
+            <a:extLst>
+              <a:ext uri="{FF2B5EF4-FFF2-40B4-BE49-F238E27FC236}">
+                <a16:creationId xmlns:a16="http://schemas.microsoft.com/office/drawing/2014/main" id="{5E100E8E-C43B-42BC-AA01-59266C8C7247}"/>
+              </a:ext>
+            </a:extLst>
+          </p:cNvPr>
+          <p:cNvPicPr>
+            <a:picLocks noChangeAspect="1"/>
+          </p:cNvPicPr>
+          <p:nvPr/>
+        </p:nvPicPr>
+        <p:blipFill>
+          <a:blip r:embed="rId2"/>
+          <a:stretch>
+            <a:fillRect/>
+          </a:stretch>
+        </p:blipFill>
+        <p:spPr>
+          <a:xfrm>
+            <a:off x="3208224" y="4308724"/>
+            <a:ext cx="1562597" cy="1578421"/>
+          </a:xfrm>
+          <a:prstGeom prst="rect">
+            <a:avLst/>
+          </a:prstGeom>
+        </p:spPr>
+      </p:pic>
+      <p:pic>
+        <p:nvPicPr>
+          <p:cNvPr id="4100" name="Picture 4">
+            <a:extLst>
+              <a:ext uri="{FF2B5EF4-FFF2-40B4-BE49-F238E27FC236}">
+                <a16:creationId xmlns:a16="http://schemas.microsoft.com/office/drawing/2014/main" id="{518DF9BE-4838-4B06-A520-372B1ED8E1A7}"/>
+              </a:ext>
+            </a:extLst>
+          </p:cNvPr>
+          <p:cNvPicPr>
+            <a:picLocks noChangeAspect="1" noChangeArrowheads="1"/>
+          </p:cNvPicPr>
+          <p:nvPr/>
+        </p:nvPicPr>
+        <p:blipFill>
+          <a:blip r:embed="rId4">
+            <a:extLst>
+              <a:ext uri="{28A0092B-C50C-407E-A947-70E740481C1C}">
+                <a14:useLocalDpi xmlns:a14="http://schemas.microsoft.com/office/drawing/2010/main" val="0"/>
+              </a:ext>
+            </a:extLst>
+          </a:blip>
+          <a:srcRect/>
+          <a:stretch>
+            <a:fillRect/>
+          </a:stretch>
+        </p:blipFill>
+        <p:spPr bwMode="auto">
+          <a:xfrm>
+            <a:off x="2066554" y="1986373"/>
+            <a:ext cx="8058892" cy="4770864"/>
+          </a:xfrm>
+          <a:prstGeom prst="rect">
+            <a:avLst/>
+          </a:prstGeom>
+          <a:noFill/>
+          <a:extLst>
+            <a:ext uri="{909E8E84-426E-40DD-AFC4-6F175D3DCCD1}">
+              <a14:hiddenFill xmlns:a14="http://schemas.microsoft.com/office/drawing/2010/main">
+                <a:solidFill>
+                  <a:srgbClr val="FFFFFF"/>
+                </a:solidFill>
+              </a14:hiddenFill>
+            </a:ext>
+          </a:extLst>
+        </p:spPr>
+      </p:pic>
+      <p:sp>
+        <p:nvSpPr>
+          <p:cNvPr id="3" name="TextBox 2">
+            <a:extLst>
+              <a:ext uri="{FF2B5EF4-FFF2-40B4-BE49-F238E27FC236}">
+                <a16:creationId xmlns:a16="http://schemas.microsoft.com/office/drawing/2014/main" id="{4ECA3681-B84F-4C6A-B902-C1A30FBAAFEE}"/>
+              </a:ext>
+            </a:extLst>
+          </p:cNvPr>
+          <p:cNvSpPr txBox="1"/>
+          <p:nvPr/>
+        </p:nvSpPr>
+        <p:spPr>
+          <a:xfrm>
+            <a:off x="9215566" y="6427048"/>
+            <a:ext cx="2976434" cy="400110"/>
+          </a:xfrm>
+          <a:prstGeom prst="rect">
+            <a:avLst/>
+          </a:prstGeom>
+          <a:noFill/>
+        </p:spPr>
+        <p:txBody>
+          <a:bodyPr wrap="square" rtlCol="0">
+            <a:spAutoFit/>
+          </a:bodyPr>
+          <a:lstStyle/>
+          <a:p>
+            <a:r>
+              <a:rPr lang="en-US" sz="2000" b="1" dirty="0">
+                <a:solidFill>
+                  <a:srgbClr val="0070C0"/>
+                </a:solidFill>
+              </a:rPr>
+              <a:t>https://timw.info/b2ef9</a:t>
+            </a:r>
+          </a:p>
+        </p:txBody>
+      </p:sp>
+    </p:spTree>
+    <p:extLst>
+      <p:ext uri="{BB962C8B-B14F-4D97-AF65-F5344CB8AC3E}">
+        <p14:creationId xmlns:p14="http://schemas.microsoft.com/office/powerpoint/2010/main" val="2373531575"/>
+      </p:ext>
+    </p:extLst>
+  </p:cSld>
+  <p:clrMapOvr>
+    <a:masterClrMapping/>
+  </p:clrMapOvr>
+</p:sld>
+</file>
+
+<file path=ppt/slides/slide13.xml><?xml version="1.0" encoding="utf-8"?>
+<p:sld xmlns:a="http://schemas.openxmlformats.org/drawingml/2006/main" xmlns:r="http://schemas.openxmlformats.org/officeDocument/2006/relationships" xmlns:p="http://schemas.openxmlformats.org/presentationml/2006/main">
+  <p:cSld>
+    <p:spTree>
+      <p:nvGrpSpPr>
+        <p:cNvPr id="1" name=""/>
+        <p:cNvGrpSpPr/>
+        <p:nvPr/>
+      </p:nvGrpSpPr>
+      <p:grpSpPr>
+        <a:xfrm>
+          <a:off x="0" y="0"/>
+          <a:ext cx="0" cy="0"/>
+          <a:chOff x="0" y="0"/>
+          <a:chExt cx="0" cy="0"/>
+        </a:xfrm>
+      </p:grpSpPr>
+      <p:pic>
+        <p:nvPicPr>
+          <p:cNvPr id="8" name="Picture 7">
+            <a:extLst>
+              <a:ext uri="{FF2B5EF4-FFF2-40B4-BE49-F238E27FC236}">
+                <a16:creationId xmlns:a16="http://schemas.microsoft.com/office/drawing/2014/main" id="{A0D60FD7-7C29-4E08-957F-FE95B2D81351}"/>
+              </a:ext>
+            </a:extLst>
+          </p:cNvPr>
+          <p:cNvPicPr>
+            <a:picLocks noChangeAspect="1"/>
+          </p:cNvPicPr>
+          <p:nvPr/>
+        </p:nvPicPr>
+        <p:blipFill>
+          <a:blip r:embed="rId2"/>
+          <a:stretch>
+            <a:fillRect/>
+          </a:stretch>
+        </p:blipFill>
+        <p:spPr>
+          <a:xfrm>
+            <a:off x="381000" y="5387369"/>
+            <a:ext cx="3157847" cy="942857"/>
+          </a:xfrm>
+          <a:prstGeom prst="rect">
+            <a:avLst/>
+          </a:prstGeom>
+        </p:spPr>
+      </p:pic>
+      <p:sp>
+        <p:nvSpPr>
+          <p:cNvPr id="2" name="Title 1">
+            <a:extLst>
+              <a:ext uri="{FF2B5EF4-FFF2-40B4-BE49-F238E27FC236}">
+                <a16:creationId xmlns:a16="http://schemas.microsoft.com/office/drawing/2014/main" id="{2DCC4400-C451-C048-8821-012A5DC51FC3}"/>
+              </a:ext>
+            </a:extLst>
+          </p:cNvPr>
+          <p:cNvSpPr>
+            <a:spLocks noGrp="1"/>
+          </p:cNvSpPr>
+          <p:nvPr>
+            <p:ph type="title"/>
+          </p:nvPr>
+        </p:nvSpPr>
+        <p:spPr/>
+        <p:txBody>
+          <a:bodyPr>
+            <a:normAutofit/>
+          </a:bodyPr>
+          <a:lstStyle/>
+          <a:p>
+            <a:r>
+              <a:rPr lang="en-US" sz="4000" dirty="0"/>
+              <a:t>Get (git?) upstream changes</a:t>
+            </a:r>
+          </a:p>
+        </p:txBody>
+      </p:sp>
+      <p:pic>
+        <p:nvPicPr>
+          <p:cNvPr id="7" name="Picture 6">
+            <a:extLst>
+              <a:ext uri="{FF2B5EF4-FFF2-40B4-BE49-F238E27FC236}">
+                <a16:creationId xmlns:a16="http://schemas.microsoft.com/office/drawing/2014/main" id="{65CAA47D-15E9-9140-900B-E253CEB6E999}"/>
+              </a:ext>
+            </a:extLst>
+          </p:cNvPr>
+          <p:cNvPicPr>
+            <a:picLocks noChangeAspect="1"/>
+          </p:cNvPicPr>
+          <p:nvPr/>
+        </p:nvPicPr>
+        <p:blipFill>
+          <a:blip r:embed="rId3"/>
+          <a:stretch>
+            <a:fillRect/>
+          </a:stretch>
+        </p:blipFill>
+        <p:spPr>
+          <a:xfrm>
+            <a:off x="381000" y="5197369"/>
+            <a:ext cx="2976433" cy="1322859"/>
+          </a:xfrm>
+          <a:prstGeom prst="rect">
+            <a:avLst/>
+          </a:prstGeom>
+        </p:spPr>
+      </p:pic>
+      <p:pic>
+        <p:nvPicPr>
+          <p:cNvPr id="9" name="Picture 8">
+            <a:extLst>
+              <a:ext uri="{FF2B5EF4-FFF2-40B4-BE49-F238E27FC236}">
+                <a16:creationId xmlns:a16="http://schemas.microsoft.com/office/drawing/2014/main" id="{0EBA783B-0CCB-4A3A-AB69-2A223676718B}"/>
+              </a:ext>
+            </a:extLst>
+          </p:cNvPr>
+          <p:cNvPicPr>
+            <a:picLocks noChangeAspect="1"/>
+          </p:cNvPicPr>
+          <p:nvPr/>
+        </p:nvPicPr>
+        <p:blipFill>
+          <a:blip r:embed="rId2"/>
+          <a:stretch>
+            <a:fillRect/>
+          </a:stretch>
+        </p:blipFill>
+        <p:spPr>
+          <a:xfrm>
+            <a:off x="10248405" y="4577423"/>
+            <a:ext cx="1562597" cy="1578421"/>
+          </a:xfrm>
+          <a:prstGeom prst="rect">
+            <a:avLst/>
+          </a:prstGeom>
+        </p:spPr>
+      </p:pic>
+      <p:pic>
+        <p:nvPicPr>
+          <p:cNvPr id="10" name="Picture 9">
+            <a:extLst>
+              <a:ext uri="{FF2B5EF4-FFF2-40B4-BE49-F238E27FC236}">
+                <a16:creationId xmlns:a16="http://schemas.microsoft.com/office/drawing/2014/main" id="{EF2313FC-646A-4682-8C93-036875E2C0F4}"/>
+              </a:ext>
+            </a:extLst>
+          </p:cNvPr>
+          <p:cNvPicPr>
+            <a:picLocks noChangeAspect="1"/>
+          </p:cNvPicPr>
+          <p:nvPr/>
+        </p:nvPicPr>
+        <p:blipFill>
+          <a:blip r:embed="rId2"/>
+          <a:stretch>
+            <a:fillRect/>
+          </a:stretch>
+        </p:blipFill>
+        <p:spPr>
+          <a:xfrm>
+            <a:off x="246906" y="5069586"/>
+            <a:ext cx="1562597" cy="1578421"/>
+          </a:xfrm>
+          <a:prstGeom prst="rect">
+            <a:avLst/>
+          </a:prstGeom>
+        </p:spPr>
+      </p:pic>
+      <p:pic>
+        <p:nvPicPr>
+          <p:cNvPr id="11" name="Picture 10">
+            <a:extLst>
+              <a:ext uri="{FF2B5EF4-FFF2-40B4-BE49-F238E27FC236}">
+                <a16:creationId xmlns:a16="http://schemas.microsoft.com/office/drawing/2014/main" id="{5E100E8E-C43B-42BC-AA01-59266C8C7247}"/>
+              </a:ext>
+            </a:extLst>
+          </p:cNvPr>
+          <p:cNvPicPr>
+            <a:picLocks noChangeAspect="1"/>
+          </p:cNvPicPr>
+          <p:nvPr/>
+        </p:nvPicPr>
+        <p:blipFill>
+          <a:blip r:embed="rId2"/>
+          <a:stretch>
+            <a:fillRect/>
+          </a:stretch>
+        </p:blipFill>
+        <p:spPr>
+          <a:xfrm>
+            <a:off x="3208224" y="4308724"/>
+            <a:ext cx="1562597" cy="1578421"/>
+          </a:xfrm>
+          <a:prstGeom prst="rect">
+            <a:avLst/>
+          </a:prstGeom>
+        </p:spPr>
+      </p:pic>
+      <p:pic>
+        <p:nvPicPr>
+          <p:cNvPr id="4" name="Picture 3">
+            <a:extLst>
+              <a:ext uri="{FF2B5EF4-FFF2-40B4-BE49-F238E27FC236}">
+                <a16:creationId xmlns:a16="http://schemas.microsoft.com/office/drawing/2014/main" id="{D5037F12-7F6B-4637-8EA1-148F37555ADB}"/>
+              </a:ext>
+            </a:extLst>
+          </p:cNvPr>
+          <p:cNvPicPr>
+            <a:picLocks noChangeAspect="1"/>
+          </p:cNvPicPr>
+          <p:nvPr/>
+        </p:nvPicPr>
+        <p:blipFill>
+          <a:blip r:embed="rId4"/>
+          <a:stretch>
+            <a:fillRect/>
+          </a:stretch>
+        </p:blipFill>
+        <p:spPr>
+          <a:xfrm>
+            <a:off x="1700121" y="1980140"/>
+            <a:ext cx="8217828" cy="4753169"/>
+          </a:xfrm>
+          <a:prstGeom prst="rect">
+            <a:avLst/>
+          </a:prstGeom>
+        </p:spPr>
+      </p:pic>
+      <p:sp>
+        <p:nvSpPr>
+          <p:cNvPr id="3" name="TextBox 2">
+            <a:extLst>
+              <a:ext uri="{FF2B5EF4-FFF2-40B4-BE49-F238E27FC236}">
+                <a16:creationId xmlns:a16="http://schemas.microsoft.com/office/drawing/2014/main" id="{4ECA3681-B84F-4C6A-B902-C1A30FBAAFEE}"/>
+              </a:ext>
+            </a:extLst>
+          </p:cNvPr>
+          <p:cNvSpPr txBox="1"/>
+          <p:nvPr/>
+        </p:nvSpPr>
+        <p:spPr>
+          <a:xfrm>
+            <a:off x="9215566" y="6427048"/>
+            <a:ext cx="2976434" cy="400110"/>
+          </a:xfrm>
+          <a:prstGeom prst="rect">
+            <a:avLst/>
+          </a:prstGeom>
+          <a:noFill/>
+        </p:spPr>
+        <p:txBody>
+          <a:bodyPr wrap="square" rtlCol="0">
+            <a:spAutoFit/>
+          </a:bodyPr>
+          <a:lstStyle/>
+          <a:p>
+            <a:r>
+              <a:rPr lang="en-US" sz="2000" b="1" dirty="0">
+                <a:solidFill>
+                  <a:srgbClr val="0070C0"/>
+                </a:solidFill>
+              </a:rPr>
+              <a:t>https://timw.info/08531</a:t>
+            </a:r>
+          </a:p>
+        </p:txBody>
+      </p:sp>
+      <p:pic>
+        <p:nvPicPr>
+          <p:cNvPr id="5" name="Picture 4">
+            <a:extLst>
+              <a:ext uri="{FF2B5EF4-FFF2-40B4-BE49-F238E27FC236}">
+                <a16:creationId xmlns:a16="http://schemas.microsoft.com/office/drawing/2014/main" id="{24701BB6-182F-4AB8-B86E-D3A90BADF75A}"/>
+              </a:ext>
+            </a:extLst>
+          </p:cNvPr>
+          <p:cNvPicPr>
+            <a:picLocks noChangeAspect="1"/>
+          </p:cNvPicPr>
+          <p:nvPr/>
+        </p:nvPicPr>
+        <p:blipFill>
+          <a:blip r:embed="rId5"/>
+          <a:stretch>
+            <a:fillRect/>
+          </a:stretch>
+        </p:blipFill>
+        <p:spPr>
+          <a:xfrm>
+            <a:off x="1125419" y="3121359"/>
+            <a:ext cx="1957219" cy="467396"/>
+          </a:xfrm>
+          <a:prstGeom prst="rect">
+            <a:avLst/>
+          </a:prstGeom>
+        </p:spPr>
+      </p:pic>
+    </p:spTree>
+    <p:extLst>
+      <p:ext uri="{BB962C8B-B14F-4D97-AF65-F5344CB8AC3E}">
+        <p14:creationId xmlns:p14="http://schemas.microsoft.com/office/powerpoint/2010/main" val="4067754216"/>
+      </p:ext>
+    </p:extLst>
+  </p:cSld>
+  <p:clrMapOvr>
+    <a:masterClrMapping/>
+  </p:clrMapOvr>
+</p:sld>
+</file>
+
+<file path=ppt/slides/slide14.xml><?xml version="1.0" encoding="utf-8"?>
+<p:sld xmlns:a="http://schemas.openxmlformats.org/drawingml/2006/main" xmlns:r="http://schemas.openxmlformats.org/officeDocument/2006/relationships" xmlns:p="http://schemas.openxmlformats.org/presentationml/2006/main">
+  <p:cSld>
+    <p:spTree>
+      <p:nvGrpSpPr>
+        <p:cNvPr id="1" name=""/>
+        <p:cNvGrpSpPr/>
+        <p:nvPr/>
+      </p:nvGrpSpPr>
+      <p:grpSpPr>
+        <a:xfrm>
+          <a:off x="0" y="0"/>
+          <a:ext cx="0" cy="0"/>
+          <a:chOff x="0" y="0"/>
+          <a:chExt cx="0" cy="0"/>
+        </a:xfrm>
+      </p:grpSpPr>
+      <p:sp>
+        <p:nvSpPr>
+          <p:cNvPr id="4" name="Title 3">
+            <a:extLst>
+              <a:ext uri="{FF2B5EF4-FFF2-40B4-BE49-F238E27FC236}">
+                <a16:creationId xmlns:a16="http://schemas.microsoft.com/office/drawing/2014/main" id="{85B5DF9E-CB5F-4E19-A11C-2620409BC2D7}"/>
+              </a:ext>
+            </a:extLst>
+          </p:cNvPr>
+          <p:cNvSpPr>
+            <a:spLocks noGrp="1"/>
+          </p:cNvSpPr>
+          <p:nvPr>
+            <p:ph type="title"/>
+          </p:nvPr>
+        </p:nvSpPr>
+        <p:spPr>
+          <a:xfrm>
+            <a:off x="581193" y="3043910"/>
+            <a:ext cx="11029615" cy="1497507"/>
+          </a:xfrm>
+        </p:spPr>
+        <p:txBody>
+          <a:bodyPr/>
+          <a:lstStyle/>
+          <a:p>
+            <a:r>
+              <a:rPr lang="en-US" dirty="0"/>
+              <a:t>Let's put all those concepts to use!</a:t>
+            </a:r>
+          </a:p>
+        </p:txBody>
+      </p:sp>
+      <p:pic>
+        <p:nvPicPr>
+          <p:cNvPr id="6" name="Picture 5">
+            <a:extLst>
+              <a:ext uri="{FF2B5EF4-FFF2-40B4-BE49-F238E27FC236}">
+                <a16:creationId xmlns:a16="http://schemas.microsoft.com/office/drawing/2014/main" id="{2309A449-E72E-4541-9EE8-03340CE69660}"/>
+              </a:ext>
+            </a:extLst>
+          </p:cNvPr>
+          <p:cNvPicPr>
+            <a:picLocks noChangeAspect="1"/>
+          </p:cNvPicPr>
+          <p:nvPr/>
+        </p:nvPicPr>
+        <p:blipFill>
+          <a:blip r:embed="rId2"/>
+          <a:stretch>
+            <a:fillRect/>
+          </a:stretch>
+        </p:blipFill>
+        <p:spPr>
+          <a:xfrm>
+            <a:off x="10376721" y="4541417"/>
+            <a:ext cx="1234087" cy="601428"/>
+          </a:xfrm>
+          <a:prstGeom prst="rect">
+            <a:avLst/>
+          </a:prstGeom>
+        </p:spPr>
+      </p:pic>
+      <p:sp>
+        <p:nvSpPr>
+          <p:cNvPr id="7" name="TextBox 6">
+            <a:extLst>
+              <a:ext uri="{FF2B5EF4-FFF2-40B4-BE49-F238E27FC236}">
+                <a16:creationId xmlns:a16="http://schemas.microsoft.com/office/drawing/2014/main" id="{090707C9-8261-4695-B94D-7B9C29CC5EFB}"/>
+              </a:ext>
+            </a:extLst>
+          </p:cNvPr>
+          <p:cNvSpPr txBox="1"/>
+          <p:nvPr/>
+        </p:nvSpPr>
+        <p:spPr>
+          <a:xfrm>
+            <a:off x="418453" y="5553127"/>
+            <a:ext cx="11329261" cy="461665"/>
+          </a:xfrm>
+          <a:prstGeom prst="rect">
+            <a:avLst/>
+          </a:prstGeom>
+          <a:noFill/>
+        </p:spPr>
+        <p:txBody>
+          <a:bodyPr wrap="square" rtlCol="0">
+            <a:spAutoFit/>
+          </a:bodyPr>
+          <a:lstStyle/>
+          <a:p>
+            <a:pPr marL="0" marR="0" lvl="0" indent="0" algn="ctr" defTabSz="457200" rtl="0" eaLnBrk="1" fontAlgn="auto" latinLnBrk="0" hangingPunct="1">
+              <a:lnSpc>
+                <a:spcPct val="100000"/>
+              </a:lnSpc>
+              <a:spcBef>
+                <a:spcPts val="0"/>
+              </a:spcBef>
+              <a:spcAft>
+                <a:spcPts val="0"/>
+              </a:spcAft>
+              <a:buClrTx/>
+              <a:buSzTx/>
+              <a:buFontTx/>
+              <a:buNone/>
+              <a:tabLst/>
+              <a:defRPr/>
+            </a:pPr>
+            <a:r>
+              <a:rPr kumimoji="0" lang="en-US" sz="2400" b="0" i="0" u="none" strike="noStrike" kern="1200" cap="none" spc="0" normalizeH="0" baseline="0" noProof="0" dirty="0">
+                <a:ln>
+                  <a:noFill/>
+                </a:ln>
+                <a:solidFill>
+                  <a:srgbClr val="FFFF00"/>
+                </a:solidFill>
+                <a:effectLst/>
+                <a:uLnTx/>
+                <a:uFillTx/>
+                <a:latin typeface="Consolas" panose="020B0609020204030204" pitchFamily="49" charset="0"/>
+                <a:ea typeface="+mn-ea"/>
+                <a:cs typeface="+mn-cs"/>
+              </a:rPr>
+              <a:t> </a:t>
+            </a:r>
+          </a:p>
+        </p:txBody>
+      </p:sp>
+      <p:pic>
+        <p:nvPicPr>
+          <p:cNvPr id="8" name="Picture 2" descr="Image result for demonstration icon">
+            <a:extLst>
+              <a:ext uri="{FF2B5EF4-FFF2-40B4-BE49-F238E27FC236}">
+                <a16:creationId xmlns:a16="http://schemas.microsoft.com/office/drawing/2014/main" id="{FEA7F926-7532-40FE-9597-B5CA07C21EF8}"/>
+              </a:ext>
+            </a:extLst>
+          </p:cNvPr>
+          <p:cNvPicPr>
+            <a:picLocks noChangeAspect="1" noChangeArrowheads="1"/>
+          </p:cNvPicPr>
+          <p:nvPr/>
+        </p:nvPicPr>
+        <p:blipFill>
+          <a:blip r:embed="rId3">
+            <a:extLst>
+              <a:ext uri="{28A0092B-C50C-407E-A947-70E740481C1C}">
+                <a14:useLocalDpi xmlns:a14="http://schemas.microsoft.com/office/drawing/2010/main" val="0"/>
+              </a:ext>
+            </a:extLst>
+          </a:blip>
+          <a:srcRect/>
+          <a:stretch>
+            <a:fillRect/>
+          </a:stretch>
+        </p:blipFill>
+        <p:spPr bwMode="auto">
+          <a:xfrm>
+            <a:off x="4867491" y="971983"/>
+            <a:ext cx="2457017" cy="2457017"/>
+          </a:xfrm>
+          <a:prstGeom prst="rect">
+            <a:avLst/>
+          </a:prstGeom>
+          <a:noFill/>
+          <a:extLst>
+            <a:ext uri="{909E8E84-426E-40DD-AFC4-6F175D3DCCD1}">
+              <a14:hiddenFill xmlns:a14="http://schemas.microsoft.com/office/drawing/2010/main">
+                <a:solidFill>
+                  <a:srgbClr val="FFFFFF"/>
+                </a:solidFill>
+              </a14:hiddenFill>
+            </a:ext>
+          </a:extLst>
+        </p:spPr>
+      </p:pic>
+    </p:spTree>
+    <p:extLst>
+      <p:ext uri="{BB962C8B-B14F-4D97-AF65-F5344CB8AC3E}">
+        <p14:creationId xmlns:p14="http://schemas.microsoft.com/office/powerpoint/2010/main" val="3077364773"/>
+      </p:ext>
+    </p:extLst>
+  </p:cSld>
+  <p:clrMapOvr>
+    <a:masterClrMapping/>
+  </p:clrMapOvr>
+</p:sld>
+</file>
+
+<file path=ppt/slides/slide15.xml><?xml version="1.0" encoding="utf-8"?>
+<p:sld xmlns:a="http://schemas.openxmlformats.org/drawingml/2006/main" xmlns:r="http://schemas.openxmlformats.org/officeDocument/2006/relationships" xmlns:p="http://schemas.openxmlformats.org/presentationml/2006/main">
+  <p:cSld>
+    <p:spTree>
+      <p:nvGrpSpPr>
+        <p:cNvPr id="1" name=""/>
+        <p:cNvGrpSpPr/>
+        <p:nvPr/>
+      </p:nvGrpSpPr>
+      <p:grpSpPr>
+        <a:xfrm>
+          <a:off x="0" y="0"/>
+          <a:ext cx="0" cy="0"/>
+          <a:chOff x="0" y="0"/>
+          <a:chExt cx="0" cy="0"/>
+        </a:xfrm>
+      </p:grpSpPr>
+      <p:sp>
+        <p:nvSpPr>
+          <p:cNvPr id="4" name="Title 3">
+            <a:extLst>
+              <a:ext uri="{FF2B5EF4-FFF2-40B4-BE49-F238E27FC236}">
+                <a16:creationId xmlns:a16="http://schemas.microsoft.com/office/drawing/2014/main" id="{85B5DF9E-CB5F-4E19-A11C-2620409BC2D7}"/>
+              </a:ext>
+            </a:extLst>
+          </p:cNvPr>
+          <p:cNvSpPr>
+            <a:spLocks noGrp="1"/>
+          </p:cNvSpPr>
+          <p:nvPr>
+            <p:ph type="title"/>
+          </p:nvPr>
+        </p:nvSpPr>
+        <p:spPr>
+          <a:xfrm>
+            <a:off x="581193" y="3043910"/>
+            <a:ext cx="9248607" cy="1497507"/>
+          </a:xfrm>
+        </p:spPr>
+        <p:txBody>
+          <a:bodyPr/>
+          <a:lstStyle/>
+          <a:p>
+            <a:r>
+              <a:rPr lang="en-US" dirty="0"/>
+              <a:t>Git learning resources</a:t>
+            </a:r>
+          </a:p>
+        </p:txBody>
+      </p:sp>
+      <p:pic>
+        <p:nvPicPr>
+          <p:cNvPr id="6" name="Picture 5">
+            <a:extLst>
+              <a:ext uri="{FF2B5EF4-FFF2-40B4-BE49-F238E27FC236}">
+                <a16:creationId xmlns:a16="http://schemas.microsoft.com/office/drawing/2014/main" id="{2309A449-E72E-4541-9EE8-03340CE69660}"/>
+              </a:ext>
+            </a:extLst>
+          </p:cNvPr>
+          <p:cNvPicPr>
+            <a:picLocks noChangeAspect="1"/>
+          </p:cNvPicPr>
+          <p:nvPr/>
+        </p:nvPicPr>
+        <p:blipFill>
+          <a:blip r:embed="rId2"/>
+          <a:stretch>
+            <a:fillRect/>
+          </a:stretch>
+        </p:blipFill>
+        <p:spPr>
+          <a:xfrm>
+            <a:off x="10376721" y="4229819"/>
+            <a:ext cx="1234087" cy="913026"/>
+          </a:xfrm>
+          <a:prstGeom prst="rect">
+            <a:avLst/>
+          </a:prstGeom>
+        </p:spPr>
+      </p:pic>
+      <p:pic>
+        <p:nvPicPr>
+          <p:cNvPr id="1026" name="Picture 2" descr="Image result for powershell icon">
+            <a:extLst>
+              <a:ext uri="{FF2B5EF4-FFF2-40B4-BE49-F238E27FC236}">
+                <a16:creationId xmlns:a16="http://schemas.microsoft.com/office/drawing/2014/main" id="{46389B6D-AD54-47A7-871D-3EBB8E8F4F2F}"/>
+              </a:ext>
+            </a:extLst>
+          </p:cNvPr>
+          <p:cNvPicPr>
+            <a:picLocks noChangeAspect="1" noChangeArrowheads="1"/>
+          </p:cNvPicPr>
+          <p:nvPr/>
+        </p:nvPicPr>
+        <p:blipFill>
+          <a:blip r:embed="rId3">
+            <a:extLst>
+              <a:ext uri="{28A0092B-C50C-407E-A947-70E740481C1C}">
+                <a14:useLocalDpi xmlns:a14="http://schemas.microsoft.com/office/drawing/2010/main" val="0"/>
+              </a:ext>
+            </a:extLst>
+          </a:blip>
+          <a:srcRect/>
+          <a:stretch>
+            <a:fillRect/>
+          </a:stretch>
+        </p:blipFill>
+        <p:spPr bwMode="auto">
+          <a:xfrm>
+            <a:off x="1933575" y="1285875"/>
+            <a:ext cx="2143125" cy="2143125"/>
+          </a:xfrm>
+          <a:prstGeom prst="rect">
+            <a:avLst/>
+          </a:prstGeom>
+          <a:noFill/>
+          <a:extLst>
+            <a:ext uri="{909E8E84-426E-40DD-AFC4-6F175D3DCCD1}">
+              <a14:hiddenFill xmlns:a14="http://schemas.microsoft.com/office/drawing/2010/main">
+                <a:solidFill>
+                  <a:srgbClr val="FFFFFF"/>
+                </a:solidFill>
+              </a14:hiddenFill>
+            </a:ext>
+          </a:extLst>
+        </p:spPr>
+      </p:pic>
+      <p:pic>
+        <p:nvPicPr>
+          <p:cNvPr id="1028" name="Picture 4" descr="Image result for vs code icon">
+            <a:extLst>
+              <a:ext uri="{FF2B5EF4-FFF2-40B4-BE49-F238E27FC236}">
+                <a16:creationId xmlns:a16="http://schemas.microsoft.com/office/drawing/2014/main" id="{AF99523B-E141-424B-9747-C19B57BA4CE1}"/>
+              </a:ext>
+            </a:extLst>
+          </p:cNvPr>
+          <p:cNvPicPr>
+            <a:picLocks noChangeAspect="1" noChangeArrowheads="1"/>
+          </p:cNvPicPr>
+          <p:nvPr/>
+        </p:nvPicPr>
+        <p:blipFill>
+          <a:blip r:embed="rId4">
+            <a:extLst>
+              <a:ext uri="{28A0092B-C50C-407E-A947-70E740481C1C}">
+                <a14:useLocalDpi xmlns:a14="http://schemas.microsoft.com/office/drawing/2010/main" val="0"/>
+              </a:ext>
+            </a:extLst>
+          </a:blip>
+          <a:srcRect/>
+          <a:stretch>
+            <a:fillRect/>
+          </a:stretch>
+        </p:blipFill>
+        <p:spPr bwMode="auto">
+          <a:xfrm>
+            <a:off x="7780338" y="1285874"/>
+            <a:ext cx="2143125" cy="2143125"/>
+          </a:xfrm>
+          <a:prstGeom prst="rect">
+            <a:avLst/>
+          </a:prstGeom>
+          <a:noFill/>
+          <a:extLst>
+            <a:ext uri="{909E8E84-426E-40DD-AFC4-6F175D3DCCD1}">
+              <a14:hiddenFill xmlns:a14="http://schemas.microsoft.com/office/drawing/2010/main">
+                <a:solidFill>
+                  <a:srgbClr val="FFFFFF"/>
+                </a:solidFill>
+              </a14:hiddenFill>
+            </a:ext>
+          </a:extLst>
+        </p:spPr>
+      </p:pic>
+      <p:sp>
+        <p:nvSpPr>
+          <p:cNvPr id="7" name="TextBox 6">
+            <a:extLst>
+              <a:ext uri="{FF2B5EF4-FFF2-40B4-BE49-F238E27FC236}">
+                <a16:creationId xmlns:a16="http://schemas.microsoft.com/office/drawing/2014/main" id="{090707C9-8261-4695-B94D-7B9C29CC5EFB}"/>
+              </a:ext>
+            </a:extLst>
+          </p:cNvPr>
+          <p:cNvSpPr txBox="1"/>
+          <p:nvPr/>
+        </p:nvSpPr>
+        <p:spPr>
+          <a:xfrm>
+            <a:off x="418453" y="5553127"/>
+            <a:ext cx="11329261" cy="461665"/>
+          </a:xfrm>
+          <a:prstGeom prst="rect">
+            <a:avLst/>
+          </a:prstGeom>
+          <a:noFill/>
+        </p:spPr>
+        <p:txBody>
+          <a:bodyPr wrap="square" rtlCol="0">
+            <a:spAutoFit/>
+          </a:bodyPr>
+          <a:lstStyle/>
+          <a:p>
+            <a:pPr marL="0" marR="0" lvl="0" indent="0" algn="ctr" defTabSz="457200" rtl="0" eaLnBrk="1" fontAlgn="auto" latinLnBrk="0" hangingPunct="1">
+              <a:lnSpc>
+                <a:spcPct val="100000"/>
+              </a:lnSpc>
+              <a:spcBef>
+                <a:spcPts val="0"/>
+              </a:spcBef>
+              <a:spcAft>
+                <a:spcPts val="0"/>
+              </a:spcAft>
+              <a:buClrTx/>
+              <a:buSzTx/>
+              <a:buFontTx/>
+              <a:buNone/>
+              <a:tabLst/>
+              <a:defRPr/>
+            </a:pPr>
+            <a:r>
+              <a:rPr kumimoji="0" lang="en-US" sz="2400" b="0" i="0" u="none" strike="noStrike" kern="1200" cap="none" spc="0" normalizeH="0" baseline="0" noProof="0" dirty="0">
+                <a:ln>
+                  <a:noFill/>
+                </a:ln>
+                <a:solidFill>
+                  <a:srgbClr val="FFFF00"/>
+                </a:solidFill>
+                <a:effectLst/>
+                <a:uLnTx/>
+                <a:uFillTx/>
+                <a:latin typeface="Consolas" panose="020B0609020204030204" pitchFamily="49" charset="0"/>
+                <a:ea typeface="+mn-ea"/>
+                <a:cs typeface="+mn-cs"/>
+              </a:rPr>
+              <a:t> </a:t>
+            </a:r>
+          </a:p>
+        </p:txBody>
+      </p:sp>
+    </p:spTree>
+    <p:extLst>
+      <p:ext uri="{BB962C8B-B14F-4D97-AF65-F5344CB8AC3E}">
+        <p14:creationId xmlns:p14="http://schemas.microsoft.com/office/powerpoint/2010/main" val="2058152506"/>
+      </p:ext>
+    </p:extLst>
+  </p:cSld>
+  <p:clrMapOvr>
+    <a:masterClrMapping/>
+  </p:clrMapOvr>
+</p:sld>
+</file>
+
+<file path=ppt/slides/slide16.xml><?xml version="1.0" encoding="utf-8"?>
+<p:sld xmlns:a="http://schemas.openxmlformats.org/drawingml/2006/main" xmlns:r="http://schemas.openxmlformats.org/officeDocument/2006/relationships" xmlns:p="http://schemas.openxmlformats.org/presentationml/2006/main">
+  <p:cSld>
+    <p:spTree>
+      <p:nvGrpSpPr>
+        <p:cNvPr id="1" name=""/>
+        <p:cNvGrpSpPr/>
+        <p:nvPr/>
+      </p:nvGrpSpPr>
+      <p:grpSpPr>
+        <a:xfrm>
+          <a:off x="0" y="0"/>
+          <a:ext cx="0" cy="0"/>
+          <a:chOff x="0" y="0"/>
+          <a:chExt cx="0" cy="0"/>
+        </a:xfrm>
+      </p:grpSpPr>
+      <p:sp>
+        <p:nvSpPr>
+          <p:cNvPr id="2" name="Title 1">
+            <a:extLst>
+              <a:ext uri="{FF2B5EF4-FFF2-40B4-BE49-F238E27FC236}">
+                <a16:creationId xmlns:a16="http://schemas.microsoft.com/office/drawing/2014/main" id="{2DCC4400-C451-C048-8821-012A5DC51FC3}"/>
+              </a:ext>
+            </a:extLst>
+          </p:cNvPr>
+          <p:cNvSpPr>
+            <a:spLocks noGrp="1"/>
+          </p:cNvSpPr>
+          <p:nvPr>
+            <p:ph type="title"/>
+          </p:nvPr>
+        </p:nvSpPr>
+        <p:spPr/>
+        <p:txBody>
+          <a:bodyPr>
+            <a:normAutofit/>
+          </a:bodyPr>
+          <a:lstStyle/>
+          <a:p>
+            <a:r>
+              <a:rPr lang="en-US" sz="4000" dirty="0"/>
+              <a:t>book</a:t>
+            </a:r>
+          </a:p>
+        </p:txBody>
+      </p:sp>
+      <p:pic>
+        <p:nvPicPr>
+          <p:cNvPr id="5" name="Picture 4">
+            <a:extLst>
+              <a:ext uri="{FF2B5EF4-FFF2-40B4-BE49-F238E27FC236}">
+                <a16:creationId xmlns:a16="http://schemas.microsoft.com/office/drawing/2014/main" id="{D2400A0E-2981-432E-908F-12E63D0AB261}"/>
+              </a:ext>
+            </a:extLst>
+          </p:cNvPr>
+          <p:cNvPicPr>
+            <a:picLocks noChangeAspect="1"/>
+          </p:cNvPicPr>
+          <p:nvPr/>
+        </p:nvPicPr>
+        <p:blipFill>
+          <a:blip r:embed="rId2"/>
+          <a:stretch>
+            <a:fillRect/>
+          </a:stretch>
+        </p:blipFill>
+        <p:spPr>
+          <a:xfrm>
+            <a:off x="10325099" y="4560740"/>
+            <a:ext cx="1285709" cy="1353172"/>
+          </a:xfrm>
+          <a:prstGeom prst="rect">
+            <a:avLst/>
+          </a:prstGeom>
+        </p:spPr>
+      </p:pic>
+      <p:pic>
+        <p:nvPicPr>
+          <p:cNvPr id="11266" name="Picture 2" descr="book cover">
+            <a:extLst>
+              <a:ext uri="{FF2B5EF4-FFF2-40B4-BE49-F238E27FC236}">
+                <a16:creationId xmlns:a16="http://schemas.microsoft.com/office/drawing/2014/main" id="{A3085184-55E6-437A-A0D1-69FCCA5D9C08}"/>
+              </a:ext>
+            </a:extLst>
+          </p:cNvPr>
+          <p:cNvPicPr>
+            <a:picLocks noChangeAspect="1" noChangeArrowheads="1"/>
+          </p:cNvPicPr>
+          <p:nvPr/>
+        </p:nvPicPr>
+        <p:blipFill>
+          <a:blip r:embed="rId3">
+            <a:extLst>
+              <a:ext uri="{28A0092B-C50C-407E-A947-70E740481C1C}">
+                <a14:useLocalDpi xmlns:a14="http://schemas.microsoft.com/office/drawing/2010/main" val="0"/>
+              </a:ext>
+            </a:extLst>
+          </a:blip>
+          <a:srcRect/>
+          <a:stretch>
+            <a:fillRect/>
+          </a:stretch>
+        </p:blipFill>
+        <p:spPr bwMode="auto">
+          <a:xfrm>
+            <a:off x="4241495" y="1940768"/>
+            <a:ext cx="3709009" cy="4693298"/>
+          </a:xfrm>
+          <a:prstGeom prst="rect">
+            <a:avLst/>
+          </a:prstGeom>
+          <a:noFill/>
+          <a:ln w="25400">
+            <a:solidFill>
+              <a:schemeClr val="tx1"/>
+            </a:solidFill>
+          </a:ln>
+          <a:extLst>
+            <a:ext uri="{909E8E84-426E-40DD-AFC4-6F175D3DCCD1}">
+              <a14:hiddenFill xmlns:a14="http://schemas.microsoft.com/office/drawing/2010/main">
+                <a:solidFill>
+                  <a:srgbClr val="FFFFFF"/>
+                </a:solidFill>
+              </a14:hiddenFill>
+            </a:ext>
+          </a:extLst>
+        </p:spPr>
+      </p:pic>
+      <p:sp>
+        <p:nvSpPr>
+          <p:cNvPr id="8" name="Rectangle: Rounded Corners 7">
+            <a:extLst>
+              <a:ext uri="{FF2B5EF4-FFF2-40B4-BE49-F238E27FC236}">
+                <a16:creationId xmlns:a16="http://schemas.microsoft.com/office/drawing/2014/main" id="{6E0D1FCA-864E-433C-A3C0-D4230AE19BE9}"/>
+              </a:ext>
+            </a:extLst>
+          </p:cNvPr>
+          <p:cNvSpPr/>
+          <p:nvPr/>
+        </p:nvSpPr>
+        <p:spPr>
+          <a:xfrm>
+            <a:off x="7614075" y="6079079"/>
+            <a:ext cx="4342398" cy="609600"/>
+          </a:xfrm>
+          <a:prstGeom prst="roundRect">
+            <a:avLst/>
+          </a:prstGeom>
+        </p:spPr>
+        <p:style>
+          <a:lnRef idx="0">
+            <a:schemeClr val="accent1"/>
+          </a:lnRef>
+          <a:fillRef idx="3">
+            <a:schemeClr val="accent1"/>
+          </a:fillRef>
+          <a:effectRef idx="3">
+            <a:schemeClr val="accent1"/>
+          </a:effectRef>
+          <a:fontRef idx="minor">
+            <a:schemeClr val="lt1"/>
+          </a:fontRef>
+        </p:style>
+        <p:txBody>
+          <a:bodyPr rtlCol="0" anchor="ctr"/>
+          <a:lstStyle/>
+          <a:p>
+            <a:pPr algn="ctr"/>
+            <a:r>
+              <a:rPr lang="en-US" sz="2400" b="1" dirty="0"/>
+              <a:t>https://timw.info/e74d6</a:t>
+            </a:r>
+          </a:p>
+        </p:txBody>
+      </p:sp>
+    </p:spTree>
+    <p:extLst>
+      <p:ext uri="{BB962C8B-B14F-4D97-AF65-F5344CB8AC3E}">
+        <p14:creationId xmlns:p14="http://schemas.microsoft.com/office/powerpoint/2010/main" val="1308270659"/>
+      </p:ext>
+    </p:extLst>
+  </p:cSld>
+  <p:clrMapOvr>
+    <a:masterClrMapping/>
+  </p:clrMapOvr>
+</p:sld>
+</file>
+
+<file path=ppt/slides/slide17.xml><?xml version="1.0" encoding="utf-8"?>
+<p:sld xmlns:a="http://schemas.openxmlformats.org/drawingml/2006/main" xmlns:r="http://schemas.openxmlformats.org/officeDocument/2006/relationships" xmlns:p="http://schemas.openxmlformats.org/presentationml/2006/main">
+  <p:cSld>
+    <p:spTree>
+      <p:nvGrpSpPr>
+        <p:cNvPr id="1" name=""/>
+        <p:cNvGrpSpPr/>
+        <p:nvPr/>
+      </p:nvGrpSpPr>
+      <p:grpSpPr>
+        <a:xfrm>
+          <a:off x="0" y="0"/>
+          <a:ext cx="0" cy="0"/>
+          <a:chOff x="0" y="0"/>
+          <a:chExt cx="0" cy="0"/>
+        </a:xfrm>
+      </p:grpSpPr>
+      <p:sp>
+        <p:nvSpPr>
+          <p:cNvPr id="2" name="Title 1">
+            <a:extLst>
+              <a:ext uri="{FF2B5EF4-FFF2-40B4-BE49-F238E27FC236}">
+                <a16:creationId xmlns:a16="http://schemas.microsoft.com/office/drawing/2014/main" id="{2DCC4400-C451-C048-8821-012A5DC51FC3}"/>
+              </a:ext>
+            </a:extLst>
+          </p:cNvPr>
+          <p:cNvSpPr>
+            <a:spLocks noGrp="1"/>
+          </p:cNvSpPr>
+          <p:nvPr>
+            <p:ph type="title"/>
+          </p:nvPr>
+        </p:nvSpPr>
+        <p:spPr/>
+        <p:txBody>
+          <a:bodyPr>
+            <a:normAutofit/>
+          </a:bodyPr>
+          <a:lstStyle/>
+          <a:p>
+            <a:r>
+              <a:rPr lang="en-US" sz="4000" dirty="0"/>
+              <a:t>video</a:t>
+            </a:r>
+          </a:p>
+        </p:txBody>
+      </p:sp>
+      <p:pic>
+        <p:nvPicPr>
+          <p:cNvPr id="5" name="Picture 4">
+            <a:extLst>
+              <a:ext uri="{FF2B5EF4-FFF2-40B4-BE49-F238E27FC236}">
+                <a16:creationId xmlns:a16="http://schemas.microsoft.com/office/drawing/2014/main" id="{82BF0A40-A235-4F04-95FC-1552BEB3163B}"/>
+              </a:ext>
+            </a:extLst>
+          </p:cNvPr>
+          <p:cNvPicPr>
+            <a:picLocks noChangeAspect="1"/>
+          </p:cNvPicPr>
+          <p:nvPr/>
+        </p:nvPicPr>
+        <p:blipFill>
+          <a:blip r:embed="rId2"/>
+          <a:stretch>
+            <a:fillRect/>
+          </a:stretch>
+        </p:blipFill>
+        <p:spPr>
+          <a:xfrm>
+            <a:off x="10325099" y="4560740"/>
+            <a:ext cx="1285709" cy="1353172"/>
+          </a:xfrm>
+          <a:prstGeom prst="rect">
+            <a:avLst/>
+          </a:prstGeom>
+        </p:spPr>
+      </p:pic>
+      <p:pic>
+        <p:nvPicPr>
+          <p:cNvPr id="8" name="Picture 7">
+            <a:extLst>
+              <a:ext uri="{FF2B5EF4-FFF2-40B4-BE49-F238E27FC236}">
+                <a16:creationId xmlns:a16="http://schemas.microsoft.com/office/drawing/2014/main" id="{BFBF6E3F-F264-4375-9044-EE9350BCE5D1}"/>
+              </a:ext>
+            </a:extLst>
+          </p:cNvPr>
+          <p:cNvPicPr>
+            <a:picLocks noChangeAspect="1"/>
+          </p:cNvPicPr>
+          <p:nvPr/>
+        </p:nvPicPr>
+        <p:blipFill>
+          <a:blip r:embed="rId3"/>
+          <a:stretch>
+            <a:fillRect/>
+          </a:stretch>
+        </p:blipFill>
+        <p:spPr>
+          <a:xfrm>
+            <a:off x="1870871" y="2277462"/>
+            <a:ext cx="8450258" cy="1151538"/>
+          </a:xfrm>
+          <a:prstGeom prst="rect">
+            <a:avLst/>
+          </a:prstGeom>
+        </p:spPr>
+      </p:pic>
+      <p:pic>
+        <p:nvPicPr>
+          <p:cNvPr id="9" name="Picture 8">
+            <a:extLst>
+              <a:ext uri="{FF2B5EF4-FFF2-40B4-BE49-F238E27FC236}">
+                <a16:creationId xmlns:a16="http://schemas.microsoft.com/office/drawing/2014/main" id="{C24E3F1F-BDFC-407F-963D-66BA6C1491BF}"/>
+              </a:ext>
+            </a:extLst>
+          </p:cNvPr>
+          <p:cNvPicPr>
+            <a:picLocks noChangeAspect="1"/>
+          </p:cNvPicPr>
+          <p:nvPr/>
+        </p:nvPicPr>
+        <p:blipFill>
+          <a:blip r:embed="rId4"/>
+          <a:stretch>
+            <a:fillRect/>
+          </a:stretch>
+        </p:blipFill>
+        <p:spPr>
+          <a:xfrm>
+            <a:off x="1870871" y="3922645"/>
+            <a:ext cx="8421700" cy="1151538"/>
+          </a:xfrm>
+          <a:prstGeom prst="rect">
+            <a:avLst/>
+          </a:prstGeom>
+        </p:spPr>
+      </p:pic>
+      <p:sp>
+        <p:nvSpPr>
+          <p:cNvPr id="10" name="Rectangle: Rounded Corners 9">
+            <a:extLst>
+              <a:ext uri="{FF2B5EF4-FFF2-40B4-BE49-F238E27FC236}">
+                <a16:creationId xmlns:a16="http://schemas.microsoft.com/office/drawing/2014/main" id="{36086911-B047-47A7-96D8-C647613D2132}"/>
+              </a:ext>
+            </a:extLst>
+          </p:cNvPr>
+          <p:cNvSpPr/>
+          <p:nvPr/>
+        </p:nvSpPr>
+        <p:spPr>
+          <a:xfrm>
+            <a:off x="3910522" y="5851044"/>
+            <a:ext cx="4342398" cy="609600"/>
+          </a:xfrm>
+          <a:prstGeom prst="roundRect">
+            <a:avLst/>
+          </a:prstGeom>
+        </p:spPr>
+        <p:style>
+          <a:lnRef idx="0">
+            <a:schemeClr val="accent1"/>
+          </a:lnRef>
+          <a:fillRef idx="3">
+            <a:schemeClr val="accent1"/>
+          </a:fillRef>
+          <a:effectRef idx="3">
+            <a:schemeClr val="accent1"/>
+          </a:effectRef>
+          <a:fontRef idx="minor">
+            <a:schemeClr val="lt1"/>
+          </a:fontRef>
+        </p:style>
+        <p:txBody>
+          <a:bodyPr rtlCol="0" anchor="ctr"/>
+          <a:lstStyle/>
+          <a:p>
+            <a:pPr algn="ctr"/>
+            <a:r>
+              <a:rPr lang="en-US" sz="2400" b="1" dirty="0"/>
+              <a:t>https://timw.info/7f0d1</a:t>
+            </a:r>
+          </a:p>
+        </p:txBody>
+      </p:sp>
+    </p:spTree>
+    <p:extLst>
+      <p:ext uri="{BB962C8B-B14F-4D97-AF65-F5344CB8AC3E}">
+        <p14:creationId xmlns:p14="http://schemas.microsoft.com/office/powerpoint/2010/main" val="3103683261"/>
+      </p:ext>
+    </p:extLst>
+  </p:cSld>
+  <p:clrMapOvr>
+    <a:masterClrMapping/>
+  </p:clrMapOvr>
+</p:sld>
+</file>
+
+<file path=ppt/slides/slide18.xml><?xml version="1.0" encoding="utf-8"?>
+<p:sld xmlns:a="http://schemas.openxmlformats.org/drawingml/2006/main" xmlns:r="http://schemas.openxmlformats.org/officeDocument/2006/relationships" xmlns:p="http://schemas.openxmlformats.org/presentationml/2006/main">
+  <p:cSld>
+    <p:spTree>
+      <p:nvGrpSpPr>
+        <p:cNvPr id="1" name=""/>
+        <p:cNvGrpSpPr/>
+        <p:nvPr/>
+      </p:nvGrpSpPr>
+      <p:grpSpPr>
+        <a:xfrm>
+          <a:off x="0" y="0"/>
+          <a:ext cx="0" cy="0"/>
+          <a:chOff x="0" y="0"/>
+          <a:chExt cx="0" cy="0"/>
+        </a:xfrm>
+      </p:grpSpPr>
+      <p:sp>
+        <p:nvSpPr>
+          <p:cNvPr id="2" name="Title 1">
+            <a:extLst>
+              <a:ext uri="{FF2B5EF4-FFF2-40B4-BE49-F238E27FC236}">
+                <a16:creationId xmlns:a16="http://schemas.microsoft.com/office/drawing/2014/main" id="{2DCC4400-C451-C048-8821-012A5DC51FC3}"/>
+              </a:ext>
+            </a:extLst>
+          </p:cNvPr>
+          <p:cNvSpPr>
+            <a:spLocks noGrp="1"/>
+          </p:cNvSpPr>
+          <p:nvPr>
+            <p:ph type="title"/>
+          </p:nvPr>
+        </p:nvSpPr>
+        <p:spPr/>
+        <p:txBody>
+          <a:bodyPr>
+            <a:normAutofit/>
+          </a:bodyPr>
+          <a:lstStyle/>
+          <a:p>
+            <a:r>
+              <a:rPr lang="en-US" sz="4000" dirty="0"/>
+              <a:t>Online tutorial (interactive)</a:t>
+            </a:r>
+          </a:p>
+        </p:txBody>
+      </p:sp>
+      <p:pic>
+        <p:nvPicPr>
+          <p:cNvPr id="3" name="Picture 2">
+            <a:extLst>
+              <a:ext uri="{FF2B5EF4-FFF2-40B4-BE49-F238E27FC236}">
+                <a16:creationId xmlns:a16="http://schemas.microsoft.com/office/drawing/2014/main" id="{796A6FCA-DF3F-464C-AED8-FE2ADD526020}"/>
+              </a:ext>
+            </a:extLst>
+          </p:cNvPr>
+          <p:cNvPicPr>
+            <a:picLocks noChangeAspect="1"/>
+          </p:cNvPicPr>
+          <p:nvPr/>
+        </p:nvPicPr>
+        <p:blipFill>
+          <a:blip r:embed="rId2"/>
+          <a:stretch>
+            <a:fillRect/>
+          </a:stretch>
+        </p:blipFill>
+        <p:spPr>
+          <a:xfrm>
+            <a:off x="10325099" y="4560740"/>
+            <a:ext cx="1285709" cy="1353172"/>
+          </a:xfrm>
+          <a:prstGeom prst="rect">
+            <a:avLst/>
+          </a:prstGeom>
+        </p:spPr>
+      </p:pic>
+      <p:pic>
+        <p:nvPicPr>
+          <p:cNvPr id="8" name="Picture 7">
+            <a:extLst>
+              <a:ext uri="{FF2B5EF4-FFF2-40B4-BE49-F238E27FC236}">
+                <a16:creationId xmlns:a16="http://schemas.microsoft.com/office/drawing/2014/main" id="{72C0A58B-CCA0-4728-AF1F-9AA56B52E1A5}"/>
+              </a:ext>
+            </a:extLst>
+          </p:cNvPr>
+          <p:cNvPicPr>
+            <a:picLocks noChangeAspect="1"/>
+          </p:cNvPicPr>
+          <p:nvPr/>
+        </p:nvPicPr>
+        <p:blipFill>
+          <a:blip r:embed="rId3"/>
+          <a:stretch>
+            <a:fillRect/>
+          </a:stretch>
+        </p:blipFill>
+        <p:spPr>
+          <a:xfrm>
+            <a:off x="2365901" y="1947406"/>
+            <a:ext cx="7460197" cy="4716630"/>
+          </a:xfrm>
+          <a:prstGeom prst="rect">
+            <a:avLst/>
+          </a:prstGeom>
+        </p:spPr>
+      </p:pic>
+      <p:sp>
+        <p:nvSpPr>
+          <p:cNvPr id="9" name="Rectangle: Rounded Corners 8">
+            <a:extLst>
+              <a:ext uri="{FF2B5EF4-FFF2-40B4-BE49-F238E27FC236}">
+                <a16:creationId xmlns:a16="http://schemas.microsoft.com/office/drawing/2014/main" id="{48D035A8-B834-4941-A2D2-0909ADFA3D37}"/>
+              </a:ext>
+            </a:extLst>
+          </p:cNvPr>
+          <p:cNvSpPr/>
+          <p:nvPr/>
+        </p:nvSpPr>
+        <p:spPr>
+          <a:xfrm>
+            <a:off x="3910522" y="5851044"/>
+            <a:ext cx="4342398" cy="609600"/>
+          </a:xfrm>
+          <a:prstGeom prst="roundRect">
+            <a:avLst/>
+          </a:prstGeom>
+        </p:spPr>
+        <p:style>
+          <a:lnRef idx="0">
+            <a:schemeClr val="accent1"/>
+          </a:lnRef>
+          <a:fillRef idx="3">
+            <a:schemeClr val="accent1"/>
+          </a:fillRef>
+          <a:effectRef idx="3">
+            <a:schemeClr val="accent1"/>
+          </a:effectRef>
+          <a:fontRef idx="minor">
+            <a:schemeClr val="lt1"/>
+          </a:fontRef>
+        </p:style>
+        <p:txBody>
+          <a:bodyPr rtlCol="0" anchor="ctr"/>
+          <a:lstStyle/>
+          <a:p>
+            <a:pPr algn="ctr"/>
+            <a:r>
+              <a:rPr lang="en-US" sz="2400" dirty="0"/>
+              <a:t>https://learngitbranching.js.org</a:t>
+            </a:r>
+            <a:endParaRPr lang="en-US" sz="2400" b="1" dirty="0"/>
+          </a:p>
+        </p:txBody>
+      </p:sp>
+    </p:spTree>
+    <p:extLst>
+      <p:ext uri="{BB962C8B-B14F-4D97-AF65-F5344CB8AC3E}">
+        <p14:creationId xmlns:p14="http://schemas.microsoft.com/office/powerpoint/2010/main" val="1529778166"/>
+      </p:ext>
+    </p:extLst>
+  </p:cSld>
+  <p:clrMapOvr>
+    <a:masterClrMapping/>
+  </p:clrMapOvr>
+</p:sld>
+</file>
+
+<file path=ppt/slides/slide19.xml><?xml version="1.0" encoding="utf-8"?>
+<p:sld xmlns:a="http://schemas.openxmlformats.org/drawingml/2006/main" xmlns:r="http://schemas.openxmlformats.org/officeDocument/2006/relationships" xmlns:p="http://schemas.openxmlformats.org/presentationml/2006/main">
+  <p:cSld>
+    <p:spTree>
+      <p:nvGrpSpPr>
+        <p:cNvPr id="1" name=""/>
+        <p:cNvGrpSpPr/>
+        <p:nvPr/>
+      </p:nvGrpSpPr>
+      <p:grpSpPr>
+        <a:xfrm>
+          <a:off x="0" y="0"/>
+          <a:ext cx="0" cy="0"/>
+          <a:chOff x="0" y="0"/>
+          <a:chExt cx="0" cy="0"/>
+        </a:xfrm>
+      </p:grpSpPr>
+      <p:sp>
+        <p:nvSpPr>
+          <p:cNvPr id="2" name="Title 1">
+            <a:extLst>
+              <a:ext uri="{FF2B5EF4-FFF2-40B4-BE49-F238E27FC236}">
+                <a16:creationId xmlns:a16="http://schemas.microsoft.com/office/drawing/2014/main" id="{2DCC4400-C451-C048-8821-012A5DC51FC3}"/>
+              </a:ext>
+            </a:extLst>
+          </p:cNvPr>
+          <p:cNvSpPr>
+            <a:spLocks noGrp="1"/>
+          </p:cNvSpPr>
+          <p:nvPr>
+            <p:ph type="title"/>
+          </p:nvPr>
+        </p:nvSpPr>
+        <p:spPr/>
+        <p:txBody>
+          <a:bodyPr>
+            <a:normAutofit/>
+          </a:bodyPr>
+          <a:lstStyle/>
+          <a:p>
+            <a:r>
+              <a:rPr lang="en-US" sz="4000" dirty="0"/>
+              <a:t>Your marching orders</a:t>
             </a:r>
           </a:p>
         </p:txBody>
@@ -8033,79 +10251,50 @@
         </p:nvSpPr>
         <p:spPr>
           <a:xfrm>
-            <a:off x="581192" y="1206500"/>
-            <a:ext cx="11029615" cy="4652299"/>
+            <a:off x="581192" y="1565564"/>
+            <a:ext cx="11029615" cy="4293235"/>
           </a:xfrm>
         </p:spPr>
         <p:txBody>
           <a:bodyPr/>
           <a:lstStyle/>
           <a:p>
-            <a:r>
-              <a:rPr lang="en-US" u="sng" dirty="0"/>
-              <a:t>Session materials</a:t>
-            </a:r>
+            <a:pPr marL="742950" indent="-742950">
+              <a:buFont typeface="+mj-lt"/>
+              <a:buAutoNum type="arabicPeriod"/>
+            </a:pPr>
             <a:r>
               <a:rPr lang="en-US" dirty="0"/>
-              <a:t>: </a:t>
-            </a:r>
-            <a:r>
-              <a:rPr lang="en-US" b="1" dirty="0">
-                <a:solidFill>
-                  <a:srgbClr val="0070C0"/>
-                </a:solidFill>
-              </a:rPr>
-              <a:t>timw.info/chatt2019</a:t>
-            </a:r>
-          </a:p>
-          <a:p>
-            <a:r>
-              <a:rPr lang="en-US" u="sng" dirty="0"/>
-              <a:t>Personal website</a:t>
-            </a:r>
+              <a:t>Start practicing yourself with a "Hello world" PowerShell project</a:t>
+            </a:r>
+          </a:p>
+          <a:p>
+            <a:pPr marL="742950" indent="-742950">
+              <a:buFont typeface="+mj-lt"/>
+              <a:buAutoNum type="arabicPeriod"/>
+            </a:pPr>
             <a:r>
               <a:rPr lang="en-US" dirty="0"/>
-              <a:t>: </a:t>
-            </a:r>
-            <a:r>
-              <a:rPr lang="en-US" b="1" dirty="0">
-                <a:solidFill>
-                  <a:srgbClr val="0070C0"/>
-                </a:solidFill>
-              </a:rPr>
-              <a:t>timw.info</a:t>
-            </a:r>
-          </a:p>
-          <a:p>
-            <a:r>
-              <a:rPr lang="en-US" u="sng" dirty="0"/>
-              <a:t>Pluralsight courses</a:t>
-            </a:r>
+              <a:t>Contribute to someone's GitHub project</a:t>
+            </a:r>
+          </a:p>
+          <a:p>
+            <a:pPr marL="742950" indent="-742950">
+              <a:buFont typeface="+mj-lt"/>
+              <a:buAutoNum type="arabicPeriod"/>
+            </a:pPr>
             <a:r>
               <a:rPr lang="en-US" dirty="0"/>
-              <a:t>: </a:t>
-            </a:r>
-            <a:r>
-              <a:rPr lang="en-US" b="1" dirty="0">
-                <a:solidFill>
-                  <a:srgbClr val="0070C0"/>
-                </a:solidFill>
-              </a:rPr>
-              <a:t>timw.info/</a:t>
-            </a:r>
-            <a:r>
-              <a:rPr lang="en-US" b="1" dirty="0" err="1">
-                <a:solidFill>
-                  <a:srgbClr val="0070C0"/>
-                </a:solidFill>
-              </a:rPr>
-              <a:t>ps</a:t>
-            </a:r>
-            <a:endParaRPr lang="en-US" b="1" dirty="0">
-              <a:solidFill>
-                <a:srgbClr val="0070C0"/>
-              </a:solidFill>
-            </a:endParaRPr>
+              <a:t>Ask Mike Lombardi (@</a:t>
+            </a:r>
+            <a:r>
+              <a:rPr lang="en-US" dirty="0" err="1"/>
+              <a:t>TrebuchetOps</a:t>
+            </a:r>
+            <a:r>
+              <a:rPr lang="en-US" dirty="0"/>
+              <a:t>) for help</a:t>
+            </a:r>
           </a:p>
         </p:txBody>
       </p:sp>
@@ -8142,13 +10331,190 @@
     </p:spTree>
     <p:extLst>
       <p:ext uri="{BB962C8B-B14F-4D97-AF65-F5344CB8AC3E}">
-        <p14:creationId xmlns:p14="http://schemas.microsoft.com/office/powerpoint/2010/main" val="1695961432"/>
+        <p14:creationId xmlns:p14="http://schemas.microsoft.com/office/powerpoint/2010/main" val="3301570269"/>
       </p:ext>
     </p:extLst>
   </p:cSld>
   <p:clrMapOvr>
     <a:masterClrMapping/>
   </p:clrMapOvr>
+  <p:timing>
+    <p:tnLst>
+      <p:par>
+        <p:cTn id="1" dur="indefinite" restart="never" nodeType="tmRoot">
+          <p:childTnLst>
+            <p:seq concurrent="1" nextAc="seek">
+              <p:cTn id="2" dur="indefinite" nodeType="mainSeq">
+                <p:childTnLst>
+                  <p:par>
+                    <p:cTn id="3" fill="hold">
+                      <p:stCondLst>
+                        <p:cond delay="indefinite"/>
+                      </p:stCondLst>
+                      <p:childTnLst>
+                        <p:par>
+                          <p:cTn id="4" fill="hold">
+                            <p:stCondLst>
+                              <p:cond delay="0"/>
+                            </p:stCondLst>
+                            <p:childTnLst>
+                              <p:par>
+                                <p:cTn id="5" presetID="1" presetClass="entr" presetSubtype="0" fill="hold" nodeType="clickEffect">
+                                  <p:stCondLst>
+                                    <p:cond delay="0"/>
+                                  </p:stCondLst>
+                                  <p:childTnLst>
+                                    <p:set>
+                                      <p:cBhvr>
+                                        <p:cTn id="6" dur="1" fill="hold">
+                                          <p:stCondLst>
+                                            <p:cond delay="0"/>
+                                          </p:stCondLst>
+                                        </p:cTn>
+                                        <p:tgtEl>
+                                          <p:spTgt spid="6">
+                                            <p:txEl>
+                                              <p:pRg st="0" end="0"/>
+                                            </p:txEl>
+                                          </p:spTgt>
+                                        </p:tgtEl>
+                                        <p:attrNameLst>
+                                          <p:attrName>style.visibility</p:attrName>
+                                        </p:attrNameLst>
+                                      </p:cBhvr>
+                                      <p:to>
+                                        <p:strVal val="visible"/>
+                                      </p:to>
+                                    </p:set>
+                                  </p:childTnLst>
+                                </p:cTn>
+                              </p:par>
+                            </p:childTnLst>
+                          </p:cTn>
+                        </p:par>
+                      </p:childTnLst>
+                    </p:cTn>
+                  </p:par>
+                  <p:par>
+                    <p:cTn id="7" fill="hold">
+                      <p:stCondLst>
+                        <p:cond delay="indefinite"/>
+                      </p:stCondLst>
+                      <p:childTnLst>
+                        <p:par>
+                          <p:cTn id="8" fill="hold">
+                            <p:stCondLst>
+                              <p:cond delay="0"/>
+                            </p:stCondLst>
+                            <p:childTnLst>
+                              <p:par>
+                                <p:cTn id="9" presetID="1" presetClass="entr" presetSubtype="0" fill="hold" nodeType="clickEffect">
+                                  <p:stCondLst>
+                                    <p:cond delay="0"/>
+                                  </p:stCondLst>
+                                  <p:childTnLst>
+                                    <p:set>
+                                      <p:cBhvr>
+                                        <p:cTn id="10" dur="1" fill="hold">
+                                          <p:stCondLst>
+                                            <p:cond delay="0"/>
+                                          </p:stCondLst>
+                                        </p:cTn>
+                                        <p:tgtEl>
+                                          <p:spTgt spid="6">
+                                            <p:txEl>
+                                              <p:pRg st="1" end="1"/>
+                                            </p:txEl>
+                                          </p:spTgt>
+                                        </p:tgtEl>
+                                        <p:attrNameLst>
+                                          <p:attrName>style.visibility</p:attrName>
+                                        </p:attrNameLst>
+                                      </p:cBhvr>
+                                      <p:to>
+                                        <p:strVal val="visible"/>
+                                      </p:to>
+                                    </p:set>
+                                  </p:childTnLst>
+                                </p:cTn>
+                              </p:par>
+                            </p:childTnLst>
+                          </p:cTn>
+                        </p:par>
+                      </p:childTnLst>
+                    </p:cTn>
+                  </p:par>
+                  <p:par>
+                    <p:cTn id="11" fill="hold">
+                      <p:stCondLst>
+                        <p:cond delay="indefinite"/>
+                      </p:stCondLst>
+                      <p:childTnLst>
+                        <p:par>
+                          <p:cTn id="12" fill="hold">
+                            <p:stCondLst>
+                              <p:cond delay="0"/>
+                            </p:stCondLst>
+                            <p:childTnLst>
+                              <p:par>
+                                <p:cTn id="13" presetID="1" presetClass="entr" presetSubtype="0" fill="hold" nodeType="clickEffect">
+                                  <p:stCondLst>
+                                    <p:cond delay="0"/>
+                                  </p:stCondLst>
+                                  <p:childTnLst>
+                                    <p:set>
+                                      <p:cBhvr>
+                                        <p:cTn id="14" dur="1" fill="hold">
+                                          <p:stCondLst>
+                                            <p:cond delay="0"/>
+                                          </p:stCondLst>
+                                        </p:cTn>
+                                        <p:tgtEl>
+                                          <p:spTgt spid="6">
+                                            <p:txEl>
+                                              <p:pRg st="2" end="2"/>
+                                            </p:txEl>
+                                          </p:spTgt>
+                                        </p:tgtEl>
+                                        <p:attrNameLst>
+                                          <p:attrName>style.visibility</p:attrName>
+                                        </p:attrNameLst>
+                                      </p:cBhvr>
+                                      <p:to>
+                                        <p:strVal val="visible"/>
+                                      </p:to>
+                                    </p:set>
+                                  </p:childTnLst>
+                                </p:cTn>
+                              </p:par>
+                            </p:childTnLst>
+                          </p:cTn>
+                        </p:par>
+                      </p:childTnLst>
+                    </p:cTn>
+                  </p:par>
+                </p:childTnLst>
+              </p:cTn>
+              <p:prevCondLst>
+                <p:cond evt="onPrev" delay="0">
+                  <p:tgtEl>
+                    <p:sldTgt/>
+                  </p:tgtEl>
+                </p:cond>
+              </p:prevCondLst>
+              <p:nextCondLst>
+                <p:cond evt="onNext" delay="0">
+                  <p:tgtEl>
+                    <p:sldTgt/>
+                  </p:tgtEl>
+                </p:cond>
+              </p:nextCondLst>
+            </p:seq>
+          </p:childTnLst>
+        </p:cTn>
+      </p:par>
+    </p:tnLst>
+  </p:timing>
 </p:sld>
 </file>
 
@@ -8217,8 +10583,8 @@
         </p:nvSpPr>
         <p:spPr>
           <a:xfrm>
-            <a:off x="581192" y="1587500"/>
-            <a:ext cx="9743907" cy="4038600"/>
+            <a:off x="581192" y="2646218"/>
+            <a:ext cx="9743907" cy="3340100"/>
           </a:xfrm>
         </p:spPr>
         <p:txBody>
@@ -8227,20 +10593,32 @@
           <a:p>
             <a:r>
               <a:rPr lang="en-US" dirty="0"/>
-              <a:t>Describe the past, present, and future of Azure PowerShell</a:t>
+              <a:t>Understand Git and GitHub</a:t>
             </a:r>
           </a:p>
           <a:p>
             <a:r>
               <a:rPr lang="en-US" dirty="0"/>
-              <a:t>Build your Azure PowerShell development environment</a:t>
+              <a:t>Introduce the Git/GitHub collaboration workflow</a:t>
             </a:r>
           </a:p>
           <a:p>
             <a:r>
               <a:rPr lang="en-US" dirty="0"/>
-              <a:t>Get competent with Az PS and (gasp) CLI?!</a:t>
-            </a:r>
+              <a:t>Share Git/GitHub learning resources</a:t>
+            </a:r>
+          </a:p>
+          <a:p>
+            <a:r>
+              <a:rPr lang="en-US" dirty="0"/>
+              <a:t>Receive your takeaway "marching orders"</a:t>
+            </a:r>
+          </a:p>
+          <a:p>
+            <a:endParaRPr lang="en-US" dirty="0"/>
+          </a:p>
+          <a:p>
+            <a:endParaRPr lang="en-US" dirty="0"/>
           </a:p>
         </p:txBody>
       </p:sp>
@@ -8278,6 +10656,429 @@
     <p:extLst>
       <p:ext uri="{BB962C8B-B14F-4D97-AF65-F5344CB8AC3E}">
         <p14:creationId xmlns:p14="http://schemas.microsoft.com/office/powerpoint/2010/main" val="3577357654"/>
+      </p:ext>
+    </p:extLst>
+  </p:cSld>
+  <p:clrMapOvr>
+    <a:masterClrMapping/>
+  </p:clrMapOvr>
+  <p:timing>
+    <p:tnLst>
+      <p:par>
+        <p:cTn id="1" dur="indefinite" restart="never" nodeType="tmRoot">
+          <p:childTnLst>
+            <p:seq concurrent="1" nextAc="seek">
+              <p:cTn id="2" dur="indefinite" nodeType="mainSeq">
+                <p:childTnLst>
+                  <p:par>
+                    <p:cTn id="3" fill="hold">
+                      <p:stCondLst>
+                        <p:cond delay="indefinite"/>
+                      </p:stCondLst>
+                      <p:childTnLst>
+                        <p:par>
+                          <p:cTn id="4" fill="hold">
+                            <p:stCondLst>
+                              <p:cond delay="0"/>
+                            </p:stCondLst>
+                            <p:childTnLst>
+                              <p:par>
+                                <p:cTn id="5" presetID="1" presetClass="entr" presetSubtype="0" fill="hold" nodeType="clickEffect">
+                                  <p:stCondLst>
+                                    <p:cond delay="0"/>
+                                  </p:stCondLst>
+                                  <p:childTnLst>
+                                    <p:set>
+                                      <p:cBhvr>
+                                        <p:cTn id="6" dur="1" fill="hold">
+                                          <p:stCondLst>
+                                            <p:cond delay="0"/>
+                                          </p:stCondLst>
+                                        </p:cTn>
+                                        <p:tgtEl>
+                                          <p:spTgt spid="6">
+                                            <p:txEl>
+                                              <p:pRg st="0" end="0"/>
+                                            </p:txEl>
+                                          </p:spTgt>
+                                        </p:tgtEl>
+                                        <p:attrNameLst>
+                                          <p:attrName>style.visibility</p:attrName>
+                                        </p:attrNameLst>
+                                      </p:cBhvr>
+                                      <p:to>
+                                        <p:strVal val="visible"/>
+                                      </p:to>
+                                    </p:set>
+                                  </p:childTnLst>
+                                </p:cTn>
+                              </p:par>
+                            </p:childTnLst>
+                          </p:cTn>
+                        </p:par>
+                      </p:childTnLst>
+                    </p:cTn>
+                  </p:par>
+                  <p:par>
+                    <p:cTn id="7" fill="hold">
+                      <p:stCondLst>
+                        <p:cond delay="indefinite"/>
+                      </p:stCondLst>
+                      <p:childTnLst>
+                        <p:par>
+                          <p:cTn id="8" fill="hold">
+                            <p:stCondLst>
+                              <p:cond delay="0"/>
+                            </p:stCondLst>
+                            <p:childTnLst>
+                              <p:par>
+                                <p:cTn id="9" presetID="1" presetClass="entr" presetSubtype="0" fill="hold" nodeType="clickEffect">
+                                  <p:stCondLst>
+                                    <p:cond delay="0"/>
+                                  </p:stCondLst>
+                                  <p:childTnLst>
+                                    <p:set>
+                                      <p:cBhvr>
+                                        <p:cTn id="10" dur="1" fill="hold">
+                                          <p:stCondLst>
+                                            <p:cond delay="0"/>
+                                          </p:stCondLst>
+                                        </p:cTn>
+                                        <p:tgtEl>
+                                          <p:spTgt spid="6">
+                                            <p:txEl>
+                                              <p:pRg st="1" end="1"/>
+                                            </p:txEl>
+                                          </p:spTgt>
+                                        </p:tgtEl>
+                                        <p:attrNameLst>
+                                          <p:attrName>style.visibility</p:attrName>
+                                        </p:attrNameLst>
+                                      </p:cBhvr>
+                                      <p:to>
+                                        <p:strVal val="visible"/>
+                                      </p:to>
+                                    </p:set>
+                                  </p:childTnLst>
+                                </p:cTn>
+                              </p:par>
+                            </p:childTnLst>
+                          </p:cTn>
+                        </p:par>
+                      </p:childTnLst>
+                    </p:cTn>
+                  </p:par>
+                  <p:par>
+                    <p:cTn id="11" fill="hold">
+                      <p:stCondLst>
+                        <p:cond delay="indefinite"/>
+                      </p:stCondLst>
+                      <p:childTnLst>
+                        <p:par>
+                          <p:cTn id="12" fill="hold">
+                            <p:stCondLst>
+                              <p:cond delay="0"/>
+                            </p:stCondLst>
+                            <p:childTnLst>
+                              <p:par>
+                                <p:cTn id="13" presetID="1" presetClass="entr" presetSubtype="0" fill="hold" nodeType="clickEffect">
+                                  <p:stCondLst>
+                                    <p:cond delay="0"/>
+                                  </p:stCondLst>
+                                  <p:childTnLst>
+                                    <p:set>
+                                      <p:cBhvr>
+                                        <p:cTn id="14" dur="1" fill="hold">
+                                          <p:stCondLst>
+                                            <p:cond delay="0"/>
+                                          </p:stCondLst>
+                                        </p:cTn>
+                                        <p:tgtEl>
+                                          <p:spTgt spid="6">
+                                            <p:txEl>
+                                              <p:pRg st="2" end="2"/>
+                                            </p:txEl>
+                                          </p:spTgt>
+                                        </p:tgtEl>
+                                        <p:attrNameLst>
+                                          <p:attrName>style.visibility</p:attrName>
+                                        </p:attrNameLst>
+                                      </p:cBhvr>
+                                      <p:to>
+                                        <p:strVal val="visible"/>
+                                      </p:to>
+                                    </p:set>
+                                  </p:childTnLst>
+                                </p:cTn>
+                              </p:par>
+                            </p:childTnLst>
+                          </p:cTn>
+                        </p:par>
+                      </p:childTnLst>
+                    </p:cTn>
+                  </p:par>
+                  <p:par>
+                    <p:cTn id="15" fill="hold">
+                      <p:stCondLst>
+                        <p:cond delay="indefinite"/>
+                      </p:stCondLst>
+                      <p:childTnLst>
+                        <p:par>
+                          <p:cTn id="16" fill="hold">
+                            <p:stCondLst>
+                              <p:cond delay="0"/>
+                            </p:stCondLst>
+                            <p:childTnLst>
+                              <p:par>
+                                <p:cTn id="17" presetID="1" presetClass="entr" presetSubtype="0" fill="hold" nodeType="clickEffect">
+                                  <p:stCondLst>
+                                    <p:cond delay="0"/>
+                                  </p:stCondLst>
+                                  <p:childTnLst>
+                                    <p:set>
+                                      <p:cBhvr>
+                                        <p:cTn id="18" dur="1" fill="hold">
+                                          <p:stCondLst>
+                                            <p:cond delay="0"/>
+                                          </p:stCondLst>
+                                        </p:cTn>
+                                        <p:tgtEl>
+                                          <p:spTgt spid="6">
+                                            <p:txEl>
+                                              <p:pRg st="3" end="3"/>
+                                            </p:txEl>
+                                          </p:spTgt>
+                                        </p:tgtEl>
+                                        <p:attrNameLst>
+                                          <p:attrName>style.visibility</p:attrName>
+                                        </p:attrNameLst>
+                                      </p:cBhvr>
+                                      <p:to>
+                                        <p:strVal val="visible"/>
+                                      </p:to>
+                                    </p:set>
+                                  </p:childTnLst>
+                                </p:cTn>
+                              </p:par>
+                            </p:childTnLst>
+                          </p:cTn>
+                        </p:par>
+                      </p:childTnLst>
+                    </p:cTn>
+                  </p:par>
+                </p:childTnLst>
+              </p:cTn>
+              <p:prevCondLst>
+                <p:cond evt="onPrev" delay="0">
+                  <p:tgtEl>
+                    <p:sldTgt/>
+                  </p:tgtEl>
+                </p:cond>
+              </p:prevCondLst>
+              <p:nextCondLst>
+                <p:cond evt="onNext" delay="0">
+                  <p:tgtEl>
+                    <p:sldTgt/>
+                  </p:tgtEl>
+                </p:cond>
+              </p:nextCondLst>
+            </p:seq>
+          </p:childTnLst>
+        </p:cTn>
+      </p:par>
+    </p:tnLst>
+  </p:timing>
+</p:sld>
+</file>
+
+<file path=ppt/slides/slide20.xml><?xml version="1.0" encoding="utf-8"?>
+<p:sld xmlns:a="http://schemas.openxmlformats.org/drawingml/2006/main" xmlns:r="http://schemas.openxmlformats.org/officeDocument/2006/relationships" xmlns:p="http://schemas.openxmlformats.org/presentationml/2006/main">
+  <p:cSld>
+    <p:spTree>
+      <p:nvGrpSpPr>
+        <p:cNvPr id="1" name=""/>
+        <p:cNvGrpSpPr/>
+        <p:nvPr/>
+      </p:nvGrpSpPr>
+      <p:grpSpPr>
+        <a:xfrm>
+          <a:off x="0" y="0"/>
+          <a:ext cx="0" cy="0"/>
+          <a:chOff x="0" y="0"/>
+          <a:chExt cx="0" cy="0"/>
+        </a:xfrm>
+      </p:grpSpPr>
+      <p:sp>
+        <p:nvSpPr>
+          <p:cNvPr id="2" name="Title 1">
+            <a:extLst>
+              <a:ext uri="{FF2B5EF4-FFF2-40B4-BE49-F238E27FC236}">
+                <a16:creationId xmlns:a16="http://schemas.microsoft.com/office/drawing/2014/main" id="{2DCC4400-C451-C048-8821-012A5DC51FC3}"/>
+              </a:ext>
+            </a:extLst>
+          </p:cNvPr>
+          <p:cNvSpPr>
+            <a:spLocks noGrp="1"/>
+          </p:cNvSpPr>
+          <p:nvPr>
+            <p:ph type="title"/>
+          </p:nvPr>
+        </p:nvSpPr>
+        <p:spPr/>
+        <p:txBody>
+          <a:bodyPr>
+            <a:normAutofit/>
+          </a:bodyPr>
+          <a:lstStyle/>
+          <a:p>
+            <a:r>
+              <a:rPr lang="en-US" sz="4000" dirty="0"/>
+              <a:t>Thank you!</a:t>
+            </a:r>
+          </a:p>
+        </p:txBody>
+      </p:sp>
+      <p:sp>
+        <p:nvSpPr>
+          <p:cNvPr id="6" name="Content Placeholder 5">
+            <a:extLst>
+              <a:ext uri="{FF2B5EF4-FFF2-40B4-BE49-F238E27FC236}">
+                <a16:creationId xmlns:a16="http://schemas.microsoft.com/office/drawing/2014/main" id="{20833873-F394-6741-B7DF-0237A79B55BB}"/>
+              </a:ext>
+            </a:extLst>
+          </p:cNvPr>
+          <p:cNvSpPr>
+            <a:spLocks noGrp="1"/>
+          </p:cNvSpPr>
+          <p:nvPr>
+            <p:ph idx="1"/>
+          </p:nvPr>
+        </p:nvSpPr>
+        <p:spPr>
+          <a:xfrm>
+            <a:off x="581192" y="1206500"/>
+            <a:ext cx="11029615" cy="4652299"/>
+          </a:xfrm>
+        </p:spPr>
+        <p:txBody>
+          <a:bodyPr/>
+          <a:lstStyle/>
+          <a:p>
+            <a:r>
+              <a:rPr lang="en-US" u="sng" dirty="0"/>
+              <a:t>Session materials</a:t>
+            </a:r>
+            <a:r>
+              <a:rPr lang="en-US" dirty="0"/>
+              <a:t>: </a:t>
+            </a:r>
+            <a:r>
+              <a:rPr lang="en-US" b="1" dirty="0">
+                <a:solidFill>
+                  <a:srgbClr val="0070C0"/>
+                </a:solidFill>
+              </a:rPr>
+              <a:t>timw.info/</a:t>
+            </a:r>
+            <a:r>
+              <a:rPr lang="en-US" b="1" dirty="0" err="1">
+                <a:solidFill>
+                  <a:srgbClr val="0070C0"/>
+                </a:solidFill>
+              </a:rPr>
+              <a:t>psotr</a:t>
+            </a:r>
+            <a:endParaRPr lang="en-US" b="1" dirty="0">
+              <a:solidFill>
+                <a:srgbClr val="0070C0"/>
+              </a:solidFill>
+            </a:endParaRPr>
+          </a:p>
+          <a:p>
+            <a:r>
+              <a:rPr lang="en-US" u="sng" dirty="0"/>
+              <a:t>Personal website</a:t>
+            </a:r>
+            <a:r>
+              <a:rPr lang="en-US" dirty="0"/>
+              <a:t>: </a:t>
+            </a:r>
+            <a:r>
+              <a:rPr lang="en-US" b="1" dirty="0">
+                <a:solidFill>
+                  <a:srgbClr val="0070C0"/>
+                </a:solidFill>
+              </a:rPr>
+              <a:t>timw.info</a:t>
+            </a:r>
+          </a:p>
+          <a:p>
+            <a:r>
+              <a:rPr lang="en-US" u="sng" dirty="0"/>
+              <a:t>Pluralsight courses</a:t>
+            </a:r>
+            <a:r>
+              <a:rPr lang="en-US" dirty="0"/>
+              <a:t>: </a:t>
+            </a:r>
+            <a:r>
+              <a:rPr lang="en-US" b="1" dirty="0">
+                <a:solidFill>
+                  <a:srgbClr val="0070C0"/>
+                </a:solidFill>
+              </a:rPr>
+              <a:t>timw.info/</a:t>
+            </a:r>
+            <a:r>
+              <a:rPr lang="en-US" b="1" dirty="0" err="1">
+                <a:solidFill>
+                  <a:srgbClr val="0070C0"/>
+                </a:solidFill>
+              </a:rPr>
+              <a:t>ps</a:t>
+            </a:r>
+            <a:endParaRPr lang="en-US" b="1" dirty="0">
+              <a:solidFill>
+                <a:srgbClr val="0070C0"/>
+              </a:solidFill>
+            </a:endParaRPr>
+          </a:p>
+        </p:txBody>
+      </p:sp>
+      <p:pic>
+        <p:nvPicPr>
+          <p:cNvPr id="7" name="Picture 6">
+            <a:extLst>
+              <a:ext uri="{FF2B5EF4-FFF2-40B4-BE49-F238E27FC236}">
+                <a16:creationId xmlns:a16="http://schemas.microsoft.com/office/drawing/2014/main" id="{65CAA47D-15E9-9140-900B-E253CEB6E999}"/>
+              </a:ext>
+            </a:extLst>
+          </p:cNvPr>
+          <p:cNvPicPr>
+            <a:picLocks noChangeAspect="1"/>
+          </p:cNvPicPr>
+          <p:nvPr/>
+        </p:nvPicPr>
+        <p:blipFill>
+          <a:blip r:embed="rId2"/>
+          <a:stretch>
+            <a:fillRect/>
+          </a:stretch>
+        </p:blipFill>
+        <p:spPr>
+          <a:xfrm>
+            <a:off x="381000" y="5197369"/>
+            <a:ext cx="2976433" cy="1322859"/>
+          </a:xfrm>
+          <a:prstGeom prst="rect">
+            <a:avLst/>
+          </a:prstGeom>
+        </p:spPr>
+      </p:pic>
+    </p:spTree>
+    <p:extLst>
+      <p:ext uri="{BB962C8B-B14F-4D97-AF65-F5344CB8AC3E}">
+        <p14:creationId xmlns:p14="http://schemas.microsoft.com/office/powerpoint/2010/main" val="1885651144"/>
       </p:ext>
     </p:extLst>
   </p:cSld>
@@ -8607,8 +11408,51 @@
                 <a:ea typeface="+mn-ea"/>
                 <a:cs typeface="+mn-cs"/>
               </a:rPr>
-              <a:t>timw.info/chatt2019</a:t>
-            </a:r>
+              <a:t>timw.info/</a:t>
+            </a:r>
+            <a:r>
+              <a:rPr kumimoji="0" lang="en-US" sz="6600" b="1" i="0" u="none" strike="noStrike" kern="1200" cap="none" spc="0" normalizeH="0" baseline="0" noProof="0" dirty="0" err="1">
+                <a:ln w="22225">
+                  <a:solidFill>
+                    <a:srgbClr val="4590B8"/>
+                  </a:solidFill>
+                  <a:prstDash val="solid"/>
+                </a:ln>
+                <a:solidFill>
+                  <a:srgbClr val="4590B8">
+                    <a:lumMod val="40000"/>
+                    <a:lumOff val="60000"/>
+                  </a:srgbClr>
+                </a:solidFill>
+                <a:effectLst/>
+                <a:uLnTx/>
+                <a:uFillTx/>
+                <a:latin typeface="Gill Sans MT" panose="020B0502020104020203"/>
+                <a:ea typeface="+mn-ea"/>
+                <a:cs typeface="+mn-cs"/>
+              </a:rPr>
+              <a:t>psotr</a:t>
+            </a:r>
+            <a:endParaRPr kumimoji="0" lang="en-US" sz="6600" b="1" i="0" u="none" strike="noStrike" kern="1200" cap="none" spc="0" normalizeH="0" baseline="0" noProof="0" dirty="0">
+              <a:ln w="22225">
+                <a:solidFill>
+                  <a:srgbClr val="4590B8"/>
+                </a:solidFill>
+                <a:prstDash val="solid"/>
+              </a:ln>
+              <a:solidFill>
+                <a:srgbClr val="4590B8">
+                  <a:lumMod val="40000"/>
+                  <a:lumOff val="60000"/>
+                </a:srgbClr>
+              </a:solidFill>
+              <a:effectLst/>
+              <a:uLnTx/>
+              <a:uFillTx/>
+              <a:latin typeface="Gill Sans MT" panose="020B0502020104020203"/>
+              <a:ea typeface="+mn-ea"/>
+              <a:cs typeface="+mn-cs"/>
+            </a:endParaRPr>
           </a:p>
         </p:txBody>
       </p:sp>
@@ -8722,10 +11566,10 @@
       </p:grpSpPr>
       <p:sp>
         <p:nvSpPr>
-          <p:cNvPr id="2" name="Title 1">
+          <p:cNvPr id="4" name="Title 3">
             <a:extLst>
               <a:ext uri="{FF2B5EF4-FFF2-40B4-BE49-F238E27FC236}">
-                <a16:creationId xmlns:a16="http://schemas.microsoft.com/office/drawing/2014/main" id="{2DCC4400-C451-C048-8821-012A5DC51FC3}"/>
+                <a16:creationId xmlns:a16="http://schemas.microsoft.com/office/drawing/2014/main" id="{85B5DF9E-CB5F-4E19-A11C-2620409BC2D7}"/>
               </a:ext>
             </a:extLst>
           </p:cNvPr>
@@ -8736,26 +11580,34 @@
             <p:ph type="title"/>
           </p:nvPr>
         </p:nvSpPr>
-        <p:spPr/>
-        <p:txBody>
-          <a:bodyPr>
-            <a:normAutofit/>
-          </a:bodyPr>
+        <p:spPr>
+          <a:xfrm>
+            <a:off x="581193" y="3043910"/>
+            <a:ext cx="9248607" cy="1497507"/>
+          </a:xfrm>
+        </p:spPr>
+        <p:txBody>
+          <a:bodyPr/>
           <a:lstStyle/>
           <a:p>
             <a:r>
-              <a:rPr lang="en-US" sz="4000" dirty="0"/>
-              <a:t>Session materials</a:t>
-            </a:r>
+              <a:rPr lang="en-US" dirty="0"/>
+              <a:t>Understand git and </a:t>
+            </a:r>
+            <a:r>
+              <a:rPr lang="en-US" dirty="0" err="1"/>
+              <a:t>github</a:t>
+            </a:r>
+            <a:endParaRPr lang="en-US" dirty="0"/>
           </a:p>
         </p:txBody>
       </p:sp>
       <p:pic>
         <p:nvPicPr>
-          <p:cNvPr id="7" name="Picture 6">
+          <p:cNvPr id="6" name="Picture 5">
             <a:extLst>
               <a:ext uri="{FF2B5EF4-FFF2-40B4-BE49-F238E27FC236}">
-                <a16:creationId xmlns:a16="http://schemas.microsoft.com/office/drawing/2014/main" id="{65CAA47D-15E9-9140-900B-E253CEB6E999}"/>
+                <a16:creationId xmlns:a16="http://schemas.microsoft.com/office/drawing/2014/main" id="{2309A449-E72E-4541-9EE8-03340CE69660}"/>
               </a:ext>
             </a:extLst>
           </p:cNvPr>
@@ -8772,8 +11624,8 @@
         </p:blipFill>
         <p:spPr>
           <a:xfrm>
-            <a:off x="381000" y="5197369"/>
-            <a:ext cx="2976433" cy="1322859"/>
+            <a:off x="10376721" y="4229819"/>
+            <a:ext cx="1234087" cy="913026"/>
           </a:xfrm>
           <a:prstGeom prst="rect">
             <a:avLst/>
@@ -8782,20 +11634,20 @@
       </p:pic>
       <p:sp>
         <p:nvSpPr>
-          <p:cNvPr id="3" name="Rectangle 2">
+          <p:cNvPr id="7" name="TextBox 6">
             <a:extLst>
               <a:ext uri="{FF2B5EF4-FFF2-40B4-BE49-F238E27FC236}">
-                <a16:creationId xmlns:a16="http://schemas.microsoft.com/office/drawing/2014/main" id="{532B7BEA-D87A-42B3-A8E5-59F1F4CA91FD}"/>
+                <a16:creationId xmlns:a16="http://schemas.microsoft.com/office/drawing/2014/main" id="{090707C9-8261-4695-B94D-7B9C29CC5EFB}"/>
               </a:ext>
             </a:extLst>
           </p:cNvPr>
-          <p:cNvSpPr/>
+          <p:cNvSpPr txBox="1"/>
           <p:nvPr/>
         </p:nvSpPr>
         <p:spPr>
           <a:xfrm>
-            <a:off x="1479550" y="2875002"/>
-            <a:ext cx="9232899" cy="1107996"/>
+            <a:off x="418453" y="5553127"/>
+            <a:ext cx="11329261" cy="461665"/>
           </a:xfrm>
           <a:prstGeom prst="rect">
             <a:avLst/>
@@ -8803,37 +11655,160 @@
           <a:noFill/>
         </p:spPr>
         <p:txBody>
-          <a:bodyPr wrap="square" lIns="91440" tIns="45720" rIns="91440" bIns="45720">
+          <a:bodyPr wrap="square" rtlCol="0">
             <a:spAutoFit/>
           </a:bodyPr>
           <a:lstStyle/>
           <a:p>
-            <a:pPr algn="ctr"/>
-            <a:r>
-              <a:rPr lang="en-US" sz="6600" b="1" cap="none" spc="0" dirty="0">
-                <a:ln w="22225">
-                  <a:solidFill>
-                    <a:schemeClr val="accent2"/>
-                  </a:solidFill>
-                  <a:prstDash val="solid"/>
+            <a:pPr marL="0" marR="0" lvl="0" indent="0" algn="ctr" defTabSz="457200" rtl="0" eaLnBrk="1" fontAlgn="auto" latinLnBrk="0" hangingPunct="1">
+              <a:lnSpc>
+                <a:spcPct val="100000"/>
+              </a:lnSpc>
+              <a:spcBef>
+                <a:spcPts val="0"/>
+              </a:spcBef>
+              <a:spcAft>
+                <a:spcPts val="0"/>
+              </a:spcAft>
+              <a:buClrTx/>
+              <a:buSzTx/>
+              <a:buFontTx/>
+              <a:buNone/>
+              <a:tabLst/>
+              <a:defRPr/>
+            </a:pPr>
+            <a:r>
+              <a:rPr kumimoji="0" lang="en-US" sz="2400" b="0" i="0" u="none" strike="noStrike" kern="1200" cap="none" spc="0" normalizeH="0" baseline="0" noProof="0" dirty="0" err="1">
+                <a:ln>
+                  <a:noFill/>
                 </a:ln>
                 <a:solidFill>
-                  <a:schemeClr val="accent2">
-                    <a:lumMod val="40000"/>
-                    <a:lumOff val="60000"/>
-                  </a:schemeClr>
+                  <a:srgbClr val="FFFF00"/>
                 </a:solidFill>
                 <a:effectLst/>
+                <a:uLnTx/>
+                <a:uFillTx/>
+                <a:latin typeface="Consolas" panose="020B0609020204030204" pitchFamily="49" charset="0"/>
+                <a:ea typeface="+mn-ea"/>
+                <a:cs typeface="+mn-cs"/>
               </a:rPr>
-              <a:t>timw.info/chatt2019</a:t>
-            </a:r>
-          </a:p>
-        </p:txBody>
-      </p:sp>
+              <a:t>asdf</a:t>
+            </a:r>
+            <a:endParaRPr kumimoji="0" lang="en-US" sz="2400" b="0" i="0" u="none" strike="noStrike" kern="1200" cap="none" spc="0" normalizeH="0" baseline="0" noProof="0" dirty="0">
+              <a:ln>
+                <a:noFill/>
+              </a:ln>
+              <a:solidFill>
+                <a:srgbClr val="FFFF00"/>
+              </a:solidFill>
+              <a:effectLst/>
+              <a:uLnTx/>
+              <a:uFillTx/>
+              <a:latin typeface="Consolas" panose="020B0609020204030204" pitchFamily="49" charset="0"/>
+              <a:ea typeface="+mn-ea"/>
+              <a:cs typeface="+mn-cs"/>
+            </a:endParaRPr>
+          </a:p>
+        </p:txBody>
+      </p:sp>
+      <p:pic>
+        <p:nvPicPr>
+          <p:cNvPr id="8196" name="Picture 4" descr="Image result for github icon">
+            <a:extLst>
+              <a:ext uri="{FF2B5EF4-FFF2-40B4-BE49-F238E27FC236}">
+                <a16:creationId xmlns:a16="http://schemas.microsoft.com/office/drawing/2014/main" id="{5FB9185B-6EBD-49B5-A72E-330DFED42DFE}"/>
+              </a:ext>
+            </a:extLst>
+          </p:cNvPr>
+          <p:cNvPicPr>
+            <a:picLocks noChangeAspect="1" noChangeArrowheads="1"/>
+          </p:cNvPicPr>
+          <p:nvPr/>
+        </p:nvPicPr>
+        <p:blipFill>
+          <a:blip r:embed="rId3">
+            <a:extLst>
+              <a:ext uri="{28A0092B-C50C-407E-A947-70E740481C1C}">
+                <a14:useLocalDpi xmlns:a14="http://schemas.microsoft.com/office/drawing/2010/main" val="0"/>
+              </a:ext>
+            </a:extLst>
+          </a:blip>
+          <a:srcRect/>
+          <a:stretch>
+            <a:fillRect/>
+          </a:stretch>
+        </p:blipFill>
+        <p:spPr bwMode="auto">
+          <a:xfrm>
+            <a:off x="7534925" y="1119035"/>
+            <a:ext cx="4075882" cy="2143125"/>
+          </a:xfrm>
+          <a:prstGeom prst="rect">
+            <a:avLst/>
+          </a:prstGeom>
+          <a:noFill/>
+          <a:extLst>
+            <a:ext uri="{909E8E84-426E-40DD-AFC4-6F175D3DCCD1}">
+              <a14:hiddenFill xmlns:a14="http://schemas.microsoft.com/office/drawing/2010/main">
+                <a:solidFill>
+                  <a:srgbClr val="FFFFFF"/>
+                </a:solidFill>
+              </a14:hiddenFill>
+            </a:ext>
+          </a:extLst>
+        </p:spPr>
+      </p:pic>
+      <p:pic>
+        <p:nvPicPr>
+          <p:cNvPr id="8198" name="Picture 6" descr="Image result for git icon">
+            <a:extLst>
+              <a:ext uri="{FF2B5EF4-FFF2-40B4-BE49-F238E27FC236}">
+                <a16:creationId xmlns:a16="http://schemas.microsoft.com/office/drawing/2014/main" id="{97B097FF-5F72-4B1F-8052-0DF304167DBC}"/>
+              </a:ext>
+            </a:extLst>
+          </p:cNvPr>
+          <p:cNvPicPr>
+            <a:picLocks noChangeAspect="1" noChangeArrowheads="1"/>
+          </p:cNvPicPr>
+          <p:nvPr/>
+        </p:nvPicPr>
+        <p:blipFill>
+          <a:blip r:embed="rId4">
+            <a:extLst>
+              <a:ext uri="{28A0092B-C50C-407E-A947-70E740481C1C}">
+                <a14:useLocalDpi xmlns:a14="http://schemas.microsoft.com/office/drawing/2010/main" val="0"/>
+              </a:ext>
+            </a:extLst>
+          </a:blip>
+          <a:srcRect/>
+          <a:stretch>
+            <a:fillRect/>
+          </a:stretch>
+        </p:blipFill>
+        <p:spPr bwMode="auto">
+          <a:xfrm>
+            <a:off x="1431060" y="1119034"/>
+            <a:ext cx="2143125" cy="2143125"/>
+          </a:xfrm>
+          <a:prstGeom prst="rect">
+            <a:avLst/>
+          </a:prstGeom>
+          <a:noFill/>
+          <a:extLst>
+            <a:ext uri="{909E8E84-426E-40DD-AFC4-6F175D3DCCD1}">
+              <a14:hiddenFill xmlns:a14="http://schemas.microsoft.com/office/drawing/2010/main">
+                <a:solidFill>
+                  <a:srgbClr val="FFFFFF"/>
+                </a:solidFill>
+              </a14:hiddenFill>
+            </a:ext>
+          </a:extLst>
+        </p:spPr>
+      </p:pic>
     </p:spTree>
     <p:extLst>
       <p:ext uri="{BB962C8B-B14F-4D97-AF65-F5344CB8AC3E}">
-        <p14:creationId xmlns:p14="http://schemas.microsoft.com/office/powerpoint/2010/main" val="1412220035"/>
+        <p14:creationId xmlns:p14="http://schemas.microsoft.com/office/powerpoint/2010/main" val="3869197421"/>
       </p:ext>
     </p:extLst>
   </p:cSld>
@@ -8862,10 +11837,10 @@
       </p:grpSpPr>
       <p:sp>
         <p:nvSpPr>
-          <p:cNvPr id="4" name="Title 3">
+          <p:cNvPr id="2" name="Title 1">
             <a:extLst>
               <a:ext uri="{FF2B5EF4-FFF2-40B4-BE49-F238E27FC236}">
-                <a16:creationId xmlns:a16="http://schemas.microsoft.com/office/drawing/2014/main" id="{85B5DF9E-CB5F-4E19-A11C-2620409BC2D7}"/>
+                <a16:creationId xmlns:a16="http://schemas.microsoft.com/office/drawing/2014/main" id="{2DCC4400-C451-C048-8821-012A5DC51FC3}"/>
               </a:ext>
             </a:extLst>
           </p:cNvPr>
@@ -8876,10 +11851,40 @@
             <p:ph type="title"/>
           </p:nvPr>
         </p:nvSpPr>
-        <p:spPr>
-          <a:xfrm>
-            <a:off x="581193" y="3043910"/>
-            <a:ext cx="9248607" cy="1497507"/>
+        <p:spPr/>
+        <p:txBody>
+          <a:bodyPr>
+            <a:normAutofit/>
+          </a:bodyPr>
+          <a:lstStyle/>
+          <a:p>
+            <a:r>
+              <a:rPr lang="en-US" sz="4000" dirty="0"/>
+              <a:t>Git</a:t>
+            </a:r>
+          </a:p>
+        </p:txBody>
+      </p:sp>
+      <p:sp>
+        <p:nvSpPr>
+          <p:cNvPr id="6" name="Content Placeholder 5">
+            <a:extLst>
+              <a:ext uri="{FF2B5EF4-FFF2-40B4-BE49-F238E27FC236}">
+                <a16:creationId xmlns:a16="http://schemas.microsoft.com/office/drawing/2014/main" id="{20833873-F394-6741-B7DF-0237A79B55BB}"/>
+              </a:ext>
+            </a:extLst>
+          </p:cNvPr>
+          <p:cNvSpPr>
+            <a:spLocks noGrp="1"/>
+          </p:cNvSpPr>
+          <p:nvPr>
+            <p:ph idx="1"/>
+          </p:nvPr>
+        </p:nvSpPr>
+        <p:spPr>
+          <a:xfrm>
+            <a:off x="414938" y="2255789"/>
+            <a:ext cx="6840886" cy="4038600"/>
           </a:xfrm>
         </p:spPr>
         <p:txBody>
@@ -8888,17 +11893,29 @@
           <a:p>
             <a:r>
               <a:rPr lang="en-US" dirty="0"/>
-              <a:t>Git learning resources</a:t>
+              <a:t>Distributed version control system for (mostly) plain text files</a:t>
+            </a:r>
+          </a:p>
+          <a:p>
+            <a:r>
+              <a:rPr lang="en-US" dirty="0"/>
+              <a:t>Allows developers to collaborate on software projects</a:t>
+            </a:r>
+          </a:p>
+          <a:p>
+            <a:r>
+              <a:rPr lang="en-US" dirty="0"/>
+              <a:t>"Track Changes" in Microsoft Word</a:t>
             </a:r>
           </a:p>
         </p:txBody>
       </p:sp>
       <p:pic>
         <p:nvPicPr>
-          <p:cNvPr id="6" name="Picture 5">
+          <p:cNvPr id="3" name="Picture 2">
             <a:extLst>
               <a:ext uri="{FF2B5EF4-FFF2-40B4-BE49-F238E27FC236}">
-                <a16:creationId xmlns:a16="http://schemas.microsoft.com/office/drawing/2014/main" id="{2309A449-E72E-4541-9EE8-03340CE69660}"/>
+                <a16:creationId xmlns:a16="http://schemas.microsoft.com/office/drawing/2014/main" id="{D2E17AE5-4ED7-4A4B-B043-68C92F242848}"/>
               </a:ext>
             </a:extLst>
           </p:cNvPr>
@@ -8915,8 +11932,8 @@
         </p:blipFill>
         <p:spPr>
           <a:xfrm>
-            <a:off x="10376721" y="4229819"/>
-            <a:ext cx="1234087" cy="913026"/>
+            <a:off x="10014546" y="4477613"/>
+            <a:ext cx="1971429" cy="1678231"/>
           </a:xfrm>
           <a:prstGeom prst="rect">
             <a:avLst/>
@@ -8925,10 +11942,10 @@
       </p:pic>
       <p:pic>
         <p:nvPicPr>
-          <p:cNvPr id="1026" name="Picture 2" descr="Image result for powershell icon">
+          <p:cNvPr id="6148" name="Picture 4" descr="Image result for git concepts">
             <a:extLst>
               <a:ext uri="{FF2B5EF4-FFF2-40B4-BE49-F238E27FC236}">
-                <a16:creationId xmlns:a16="http://schemas.microsoft.com/office/drawing/2014/main" id="{46389B6D-AD54-47A7-871D-3EBB8E8F4F2F}"/>
+                <a16:creationId xmlns:a16="http://schemas.microsoft.com/office/drawing/2014/main" id="{790825C7-D20D-48EF-8AE1-7222382319CB}"/>
               </a:ext>
             </a:extLst>
           </p:cNvPr>
@@ -8952,8 +11969,8 @@
         </p:blipFill>
         <p:spPr bwMode="auto">
           <a:xfrm>
-            <a:off x="1933575" y="1285875"/>
-            <a:ext cx="2143125" cy="2143125"/>
+            <a:off x="7255824" y="2526743"/>
+            <a:ext cx="4450131" cy="3219602"/>
           </a:xfrm>
           <a:prstGeom prst="rect">
             <a:avLst/>
@@ -8970,245 +11987,10 @@
           </a:extLst>
         </p:spPr>
       </p:pic>
-      <p:pic>
-        <p:nvPicPr>
-          <p:cNvPr id="1028" name="Picture 4" descr="Image result for vs code icon">
-            <a:extLst>
-              <a:ext uri="{FF2B5EF4-FFF2-40B4-BE49-F238E27FC236}">
-                <a16:creationId xmlns:a16="http://schemas.microsoft.com/office/drawing/2014/main" id="{AF99523B-E141-424B-9747-C19B57BA4CE1}"/>
-              </a:ext>
-            </a:extLst>
-          </p:cNvPr>
-          <p:cNvPicPr>
-            <a:picLocks noChangeAspect="1" noChangeArrowheads="1"/>
-          </p:cNvPicPr>
-          <p:nvPr/>
-        </p:nvPicPr>
-        <p:blipFill>
-          <a:blip r:embed="rId4">
-            <a:extLst>
-              <a:ext uri="{28A0092B-C50C-407E-A947-70E740481C1C}">
-                <a14:useLocalDpi xmlns:a14="http://schemas.microsoft.com/office/drawing/2010/main" val="0"/>
-              </a:ext>
-            </a:extLst>
-          </a:blip>
-          <a:srcRect/>
-          <a:stretch>
-            <a:fillRect/>
-          </a:stretch>
-        </p:blipFill>
-        <p:spPr bwMode="auto">
-          <a:xfrm>
-            <a:off x="7780338" y="1285874"/>
-            <a:ext cx="2143125" cy="2143125"/>
-          </a:xfrm>
-          <a:prstGeom prst="rect">
-            <a:avLst/>
-          </a:prstGeom>
-          <a:noFill/>
-          <a:extLst>
-            <a:ext uri="{909E8E84-426E-40DD-AFC4-6F175D3DCCD1}">
-              <a14:hiddenFill xmlns:a14="http://schemas.microsoft.com/office/drawing/2010/main">
-                <a:solidFill>
-                  <a:srgbClr val="FFFFFF"/>
-                </a:solidFill>
-              </a14:hiddenFill>
-            </a:ext>
-          </a:extLst>
-        </p:spPr>
-      </p:pic>
-      <p:sp>
-        <p:nvSpPr>
-          <p:cNvPr id="7" name="TextBox 6">
-            <a:extLst>
-              <a:ext uri="{FF2B5EF4-FFF2-40B4-BE49-F238E27FC236}">
-                <a16:creationId xmlns:a16="http://schemas.microsoft.com/office/drawing/2014/main" id="{090707C9-8261-4695-B94D-7B9C29CC5EFB}"/>
-              </a:ext>
-            </a:extLst>
-          </p:cNvPr>
-          <p:cNvSpPr txBox="1"/>
-          <p:nvPr/>
-        </p:nvSpPr>
-        <p:spPr>
-          <a:xfrm>
-            <a:off x="418453" y="5553127"/>
-            <a:ext cx="11329261" cy="461665"/>
-          </a:xfrm>
-          <a:prstGeom prst="rect">
-            <a:avLst/>
-          </a:prstGeom>
-          <a:noFill/>
-        </p:spPr>
-        <p:txBody>
-          <a:bodyPr wrap="square" rtlCol="0">
-            <a:spAutoFit/>
-          </a:bodyPr>
-          <a:lstStyle/>
-          <a:p>
-            <a:pPr marL="0" marR="0" lvl="0" indent="0" algn="ctr" defTabSz="457200" rtl="0" eaLnBrk="1" fontAlgn="auto" latinLnBrk="0" hangingPunct="1">
-              <a:lnSpc>
-                <a:spcPct val="100000"/>
-              </a:lnSpc>
-              <a:spcBef>
-                <a:spcPts val="0"/>
-              </a:spcBef>
-              <a:spcAft>
-                <a:spcPts val="0"/>
-              </a:spcAft>
-              <a:buClrTx/>
-              <a:buSzTx/>
-              <a:buFontTx/>
-              <a:buNone/>
-              <a:tabLst/>
-              <a:defRPr/>
-            </a:pPr>
-            <a:r>
-              <a:rPr kumimoji="0" lang="en-US" sz="2400" b="0" i="0" u="none" strike="noStrike" kern="1200" cap="none" spc="0" normalizeH="0" baseline="0" noProof="0" dirty="0">
-                <a:ln>
-                  <a:noFill/>
-                </a:ln>
-                <a:solidFill>
-                  <a:srgbClr val="FFFF00"/>
-                </a:solidFill>
-                <a:effectLst/>
-                <a:uLnTx/>
-                <a:uFillTx/>
-                <a:latin typeface="Consolas" panose="020B0609020204030204" pitchFamily="49" charset="0"/>
-                <a:ea typeface="+mn-ea"/>
-                <a:cs typeface="+mn-cs"/>
-              </a:rPr>
-              <a:t>What kind of learner are you?</a:t>
-            </a:r>
-          </a:p>
-        </p:txBody>
-      </p:sp>
     </p:spTree>
     <p:extLst>
       <p:ext uri="{BB962C8B-B14F-4D97-AF65-F5344CB8AC3E}">
-        <p14:creationId xmlns:p14="http://schemas.microsoft.com/office/powerpoint/2010/main" val="2058152506"/>
-      </p:ext>
-    </p:extLst>
-  </p:cSld>
-  <p:clrMapOvr>
-    <a:masterClrMapping/>
-  </p:clrMapOvr>
-</p:sld>
-</file>
-
-<file path=ppt/slides/slide6.xml><?xml version="1.0" encoding="utf-8"?>
-<p:sld xmlns:a="http://schemas.openxmlformats.org/drawingml/2006/main" xmlns:r="http://schemas.openxmlformats.org/officeDocument/2006/relationships" xmlns:p="http://schemas.openxmlformats.org/presentationml/2006/main">
-  <p:cSld>
-    <p:spTree>
-      <p:nvGrpSpPr>
-        <p:cNvPr id="1" name=""/>
-        <p:cNvGrpSpPr/>
-        <p:nvPr/>
-      </p:nvGrpSpPr>
-      <p:grpSpPr>
-        <a:xfrm>
-          <a:off x="0" y="0"/>
-          <a:ext cx="0" cy="0"/>
-          <a:chOff x="0" y="0"/>
-          <a:chExt cx="0" cy="0"/>
-        </a:xfrm>
-      </p:grpSpPr>
-      <p:sp>
-        <p:nvSpPr>
-          <p:cNvPr id="2" name="Title 1">
-            <a:extLst>
-              <a:ext uri="{FF2B5EF4-FFF2-40B4-BE49-F238E27FC236}">
-                <a16:creationId xmlns:a16="http://schemas.microsoft.com/office/drawing/2014/main" id="{2DCC4400-C451-C048-8821-012A5DC51FC3}"/>
-              </a:ext>
-            </a:extLst>
-          </p:cNvPr>
-          <p:cNvSpPr>
-            <a:spLocks noGrp="1"/>
-          </p:cNvSpPr>
-          <p:nvPr>
-            <p:ph type="title"/>
-          </p:nvPr>
-        </p:nvSpPr>
-        <p:spPr/>
-        <p:txBody>
-          <a:bodyPr>
-            <a:normAutofit/>
-          </a:bodyPr>
-          <a:lstStyle/>
-          <a:p>
-            <a:r>
-              <a:rPr lang="en-US" sz="4000" dirty="0"/>
-              <a:t>Template slide</a:t>
-            </a:r>
-          </a:p>
-        </p:txBody>
-      </p:sp>
-      <p:sp>
-        <p:nvSpPr>
-          <p:cNvPr id="6" name="Content Placeholder 5">
-            <a:extLst>
-              <a:ext uri="{FF2B5EF4-FFF2-40B4-BE49-F238E27FC236}">
-                <a16:creationId xmlns:a16="http://schemas.microsoft.com/office/drawing/2014/main" id="{20833873-F394-6741-B7DF-0237A79B55BB}"/>
-              </a:ext>
-            </a:extLst>
-          </p:cNvPr>
-          <p:cNvSpPr>
-            <a:spLocks noGrp="1"/>
-          </p:cNvSpPr>
-          <p:nvPr>
-            <p:ph idx="1"/>
-          </p:nvPr>
-        </p:nvSpPr>
-        <p:spPr>
-          <a:xfrm>
-            <a:off x="581192" y="1587500"/>
-            <a:ext cx="9743907" cy="4038600"/>
-          </a:xfrm>
-        </p:spPr>
-        <p:txBody>
-          <a:bodyPr/>
-          <a:lstStyle/>
-          <a:p>
-            <a:r>
-              <a:rPr lang="en-US" dirty="0"/>
-              <a:t>Blah</a:t>
-            </a:r>
-          </a:p>
-        </p:txBody>
-      </p:sp>
-      <p:pic>
-        <p:nvPicPr>
-          <p:cNvPr id="7" name="Picture 6">
-            <a:extLst>
-              <a:ext uri="{FF2B5EF4-FFF2-40B4-BE49-F238E27FC236}">
-                <a16:creationId xmlns:a16="http://schemas.microsoft.com/office/drawing/2014/main" id="{65CAA47D-15E9-9140-900B-E253CEB6E999}"/>
-              </a:ext>
-            </a:extLst>
-          </p:cNvPr>
-          <p:cNvPicPr>
-            <a:picLocks noChangeAspect="1"/>
-          </p:cNvPicPr>
-          <p:nvPr/>
-        </p:nvPicPr>
-        <p:blipFill>
-          <a:blip r:embed="rId2"/>
-          <a:stretch>
-            <a:fillRect/>
-          </a:stretch>
-        </p:blipFill>
-        <p:spPr>
-          <a:xfrm>
-            <a:off x="381000" y="5197369"/>
-            <a:ext cx="2976433" cy="1322859"/>
-          </a:xfrm>
-          <a:prstGeom prst="rect">
-            <a:avLst/>
-          </a:prstGeom>
-        </p:spPr>
-      </p:pic>
-    </p:spTree>
-    <p:extLst>
-      <p:ext uri="{BB962C8B-B14F-4D97-AF65-F5344CB8AC3E}">
-        <p14:creationId xmlns:p14="http://schemas.microsoft.com/office/powerpoint/2010/main" val="1308270659"/>
+        <p14:creationId xmlns:p14="http://schemas.microsoft.com/office/powerpoint/2010/main" val="605891534"/>
       </p:ext>
     </p:extLst>
   </p:cSld>
@@ -9272,6 +12054,699 @@
                       </p:childTnLst>
                     </p:cTn>
                   </p:par>
+                  <p:par>
+                    <p:cTn id="7" fill="hold">
+                      <p:stCondLst>
+                        <p:cond delay="indefinite"/>
+                      </p:stCondLst>
+                      <p:childTnLst>
+                        <p:par>
+                          <p:cTn id="8" fill="hold">
+                            <p:stCondLst>
+                              <p:cond delay="0"/>
+                            </p:stCondLst>
+                            <p:childTnLst>
+                              <p:par>
+                                <p:cTn id="9" presetID="1" presetClass="entr" presetSubtype="0" fill="hold" nodeType="clickEffect">
+                                  <p:stCondLst>
+                                    <p:cond delay="0"/>
+                                  </p:stCondLst>
+                                  <p:childTnLst>
+                                    <p:set>
+                                      <p:cBhvr>
+                                        <p:cTn id="10" dur="1" fill="hold">
+                                          <p:stCondLst>
+                                            <p:cond delay="0"/>
+                                          </p:stCondLst>
+                                        </p:cTn>
+                                        <p:tgtEl>
+                                          <p:spTgt spid="6">
+                                            <p:txEl>
+                                              <p:pRg st="1" end="1"/>
+                                            </p:txEl>
+                                          </p:spTgt>
+                                        </p:tgtEl>
+                                        <p:attrNameLst>
+                                          <p:attrName>style.visibility</p:attrName>
+                                        </p:attrNameLst>
+                                      </p:cBhvr>
+                                      <p:to>
+                                        <p:strVal val="visible"/>
+                                      </p:to>
+                                    </p:set>
+                                  </p:childTnLst>
+                                </p:cTn>
+                              </p:par>
+                            </p:childTnLst>
+                          </p:cTn>
+                        </p:par>
+                      </p:childTnLst>
+                    </p:cTn>
+                  </p:par>
+                  <p:par>
+                    <p:cTn id="11" fill="hold">
+                      <p:stCondLst>
+                        <p:cond delay="indefinite"/>
+                      </p:stCondLst>
+                      <p:childTnLst>
+                        <p:par>
+                          <p:cTn id="12" fill="hold">
+                            <p:stCondLst>
+                              <p:cond delay="0"/>
+                            </p:stCondLst>
+                            <p:childTnLst>
+                              <p:par>
+                                <p:cTn id="13" presetID="1" presetClass="entr" presetSubtype="0" fill="hold" nodeType="clickEffect">
+                                  <p:stCondLst>
+                                    <p:cond delay="0"/>
+                                  </p:stCondLst>
+                                  <p:childTnLst>
+                                    <p:set>
+                                      <p:cBhvr>
+                                        <p:cTn id="14" dur="1" fill="hold">
+                                          <p:stCondLst>
+                                            <p:cond delay="0"/>
+                                          </p:stCondLst>
+                                        </p:cTn>
+                                        <p:tgtEl>
+                                          <p:spTgt spid="6">
+                                            <p:txEl>
+                                              <p:pRg st="2" end="2"/>
+                                            </p:txEl>
+                                          </p:spTgt>
+                                        </p:tgtEl>
+                                        <p:attrNameLst>
+                                          <p:attrName>style.visibility</p:attrName>
+                                        </p:attrNameLst>
+                                      </p:cBhvr>
+                                      <p:to>
+                                        <p:strVal val="visible"/>
+                                      </p:to>
+                                    </p:set>
+                                  </p:childTnLst>
+                                </p:cTn>
+                              </p:par>
+                            </p:childTnLst>
+                          </p:cTn>
+                        </p:par>
+                      </p:childTnLst>
+                    </p:cTn>
+                  </p:par>
+                </p:childTnLst>
+              </p:cTn>
+              <p:prevCondLst>
+                <p:cond evt="onPrev" delay="0">
+                  <p:tgtEl>
+                    <p:sldTgt/>
+                  </p:tgtEl>
+                </p:cond>
+              </p:prevCondLst>
+              <p:nextCondLst>
+                <p:cond evt="onNext" delay="0">
+                  <p:tgtEl>
+                    <p:sldTgt/>
+                  </p:tgtEl>
+                </p:cond>
+              </p:nextCondLst>
+            </p:seq>
+          </p:childTnLst>
+        </p:cTn>
+      </p:par>
+    </p:tnLst>
+  </p:timing>
+</p:sld>
+</file>
+
+<file path=ppt/slides/slide6.xml><?xml version="1.0" encoding="utf-8"?>
+<p:sld xmlns:a="http://schemas.openxmlformats.org/drawingml/2006/main" xmlns:r="http://schemas.openxmlformats.org/officeDocument/2006/relationships" xmlns:p="http://schemas.openxmlformats.org/presentationml/2006/main">
+  <p:cSld>
+    <p:spTree>
+      <p:nvGrpSpPr>
+        <p:cNvPr id="1" name=""/>
+        <p:cNvGrpSpPr/>
+        <p:nvPr/>
+      </p:nvGrpSpPr>
+      <p:grpSpPr>
+        <a:xfrm>
+          <a:off x="0" y="0"/>
+          <a:ext cx="0" cy="0"/>
+          <a:chOff x="0" y="0"/>
+          <a:chExt cx="0" cy="0"/>
+        </a:xfrm>
+      </p:grpSpPr>
+      <p:sp>
+        <p:nvSpPr>
+          <p:cNvPr id="2" name="Title 1">
+            <a:extLst>
+              <a:ext uri="{FF2B5EF4-FFF2-40B4-BE49-F238E27FC236}">
+                <a16:creationId xmlns:a16="http://schemas.microsoft.com/office/drawing/2014/main" id="{2DCC4400-C451-C048-8821-012A5DC51FC3}"/>
+              </a:ext>
+            </a:extLst>
+          </p:cNvPr>
+          <p:cNvSpPr>
+            <a:spLocks noGrp="1"/>
+          </p:cNvSpPr>
+          <p:nvPr>
+            <p:ph type="title"/>
+          </p:nvPr>
+        </p:nvSpPr>
+        <p:spPr/>
+        <p:txBody>
+          <a:bodyPr>
+            <a:normAutofit/>
+          </a:bodyPr>
+          <a:lstStyle/>
+          <a:p>
+            <a:r>
+              <a:rPr lang="en-US" sz="4000" dirty="0" err="1"/>
+              <a:t>github</a:t>
+            </a:r>
+            <a:endParaRPr lang="en-US" sz="4000" dirty="0"/>
+          </a:p>
+        </p:txBody>
+      </p:sp>
+      <p:sp>
+        <p:nvSpPr>
+          <p:cNvPr id="6" name="Content Placeholder 5">
+            <a:extLst>
+              <a:ext uri="{FF2B5EF4-FFF2-40B4-BE49-F238E27FC236}">
+                <a16:creationId xmlns:a16="http://schemas.microsoft.com/office/drawing/2014/main" id="{20833873-F394-6741-B7DF-0237A79B55BB}"/>
+              </a:ext>
+            </a:extLst>
+          </p:cNvPr>
+          <p:cNvSpPr>
+            <a:spLocks noGrp="1"/>
+          </p:cNvSpPr>
+          <p:nvPr>
+            <p:ph idx="1"/>
+          </p:nvPr>
+        </p:nvSpPr>
+        <p:spPr>
+          <a:xfrm>
+            <a:off x="414939" y="2228768"/>
+            <a:ext cx="8052168" cy="4038600"/>
+          </a:xfrm>
+        </p:spPr>
+        <p:txBody>
+          <a:bodyPr>
+            <a:normAutofit fontScale="92500" lnSpcReduction="20000"/>
+          </a:bodyPr>
+          <a:lstStyle/>
+          <a:p>
+            <a:r>
+              <a:rPr lang="en-US" dirty="0"/>
+              <a:t>Hosted public and private Git repositories</a:t>
+            </a:r>
+          </a:p>
+          <a:p>
+            <a:r>
+              <a:rPr lang="en-US" dirty="0"/>
+              <a:t>Owned by Microsoft</a:t>
+            </a:r>
+          </a:p>
+          <a:p>
+            <a:pPr lvl="1"/>
+            <a:r>
+              <a:rPr lang="en-US" dirty="0"/>
+              <a:t>Visual Studio/VS Code</a:t>
+            </a:r>
+          </a:p>
+          <a:p>
+            <a:pPr lvl="1"/>
+            <a:r>
+              <a:rPr lang="en-US" dirty="0"/>
+              <a:t>Azure DevOps</a:t>
+            </a:r>
+          </a:p>
+          <a:p>
+            <a:pPr lvl="1"/>
+            <a:r>
+              <a:rPr lang="en-US" dirty="0"/>
+              <a:t>Azure App Services</a:t>
+            </a:r>
+          </a:p>
+          <a:p>
+            <a:pPr lvl="1"/>
+            <a:r>
+              <a:rPr lang="en-US" dirty="0"/>
+              <a:t>Azure Data Factory</a:t>
+            </a:r>
+          </a:p>
+          <a:p>
+            <a:pPr lvl="1"/>
+            <a:r>
+              <a:rPr lang="en-US" dirty="0"/>
+              <a:t>Etc. </a:t>
+            </a:r>
+            <a:r>
+              <a:rPr lang="en-US" dirty="0" err="1"/>
+              <a:t>etc</a:t>
+            </a:r>
+            <a:r>
+              <a:rPr lang="en-US" dirty="0"/>
+              <a:t>…</a:t>
+            </a:r>
+          </a:p>
+        </p:txBody>
+      </p:sp>
+      <p:pic>
+        <p:nvPicPr>
+          <p:cNvPr id="5" name="Picture 4">
+            <a:extLst>
+              <a:ext uri="{FF2B5EF4-FFF2-40B4-BE49-F238E27FC236}">
+                <a16:creationId xmlns:a16="http://schemas.microsoft.com/office/drawing/2014/main" id="{8375CDD3-34F0-47AA-A1F0-4519E0D0472E}"/>
+              </a:ext>
+            </a:extLst>
+          </p:cNvPr>
+          <p:cNvPicPr>
+            <a:picLocks noChangeAspect="1"/>
+          </p:cNvPicPr>
+          <p:nvPr/>
+        </p:nvPicPr>
+        <p:blipFill>
+          <a:blip r:embed="rId2"/>
+          <a:stretch>
+            <a:fillRect/>
+          </a:stretch>
+        </p:blipFill>
+        <p:spPr>
+          <a:xfrm>
+            <a:off x="10014546" y="4477613"/>
+            <a:ext cx="1971429" cy="1678231"/>
+          </a:xfrm>
+          <a:prstGeom prst="rect">
+            <a:avLst/>
+          </a:prstGeom>
+        </p:spPr>
+      </p:pic>
+      <p:pic>
+        <p:nvPicPr>
+          <p:cNvPr id="7172" name="Picture 4">
+            <a:extLst>
+              <a:ext uri="{FF2B5EF4-FFF2-40B4-BE49-F238E27FC236}">
+                <a16:creationId xmlns:a16="http://schemas.microsoft.com/office/drawing/2014/main" id="{6B8F449A-9C17-47E5-8E5B-2839EACA4CF5}"/>
+              </a:ext>
+            </a:extLst>
+          </p:cNvPr>
+          <p:cNvPicPr>
+            <a:picLocks noChangeAspect="1" noChangeArrowheads="1"/>
+          </p:cNvPicPr>
+          <p:nvPr/>
+        </p:nvPicPr>
+        <p:blipFill>
+          <a:blip r:embed="rId3">
+            <a:extLst>
+              <a:ext uri="{28A0092B-C50C-407E-A947-70E740481C1C}">
+                <a14:useLocalDpi xmlns:a14="http://schemas.microsoft.com/office/drawing/2010/main" val="0"/>
+              </a:ext>
+            </a:extLst>
+          </a:blip>
+          <a:srcRect/>
+          <a:stretch>
+            <a:fillRect/>
+          </a:stretch>
+        </p:blipFill>
+        <p:spPr bwMode="auto">
+          <a:xfrm>
+            <a:off x="6626793" y="3066900"/>
+            <a:ext cx="5233395" cy="3698601"/>
+          </a:xfrm>
+          <a:prstGeom prst="rect">
+            <a:avLst/>
+          </a:prstGeom>
+          <a:noFill/>
+          <a:extLst>
+            <a:ext uri="{909E8E84-426E-40DD-AFC4-6F175D3DCCD1}">
+              <a14:hiddenFill xmlns:a14="http://schemas.microsoft.com/office/drawing/2010/main">
+                <a:solidFill>
+                  <a:srgbClr val="FFFFFF"/>
+                </a:solidFill>
+              </a14:hiddenFill>
+            </a:ext>
+          </a:extLst>
+        </p:spPr>
+      </p:pic>
+    </p:spTree>
+    <p:extLst>
+      <p:ext uri="{BB962C8B-B14F-4D97-AF65-F5344CB8AC3E}">
+        <p14:creationId xmlns:p14="http://schemas.microsoft.com/office/powerpoint/2010/main" val="3922578448"/>
+      </p:ext>
+    </p:extLst>
+  </p:cSld>
+  <p:clrMapOvr>
+    <a:masterClrMapping/>
+  </p:clrMapOvr>
+  <p:timing>
+    <p:tnLst>
+      <p:par>
+        <p:cTn id="1" dur="indefinite" restart="never" nodeType="tmRoot">
+          <p:childTnLst>
+            <p:seq concurrent="1" nextAc="seek">
+              <p:cTn id="2" dur="indefinite" nodeType="mainSeq">
+                <p:childTnLst>
+                  <p:par>
+                    <p:cTn id="3" fill="hold">
+                      <p:stCondLst>
+                        <p:cond delay="indefinite"/>
+                      </p:stCondLst>
+                      <p:childTnLst>
+                        <p:par>
+                          <p:cTn id="4" fill="hold">
+                            <p:stCondLst>
+                              <p:cond delay="0"/>
+                            </p:stCondLst>
+                            <p:childTnLst>
+                              <p:par>
+                                <p:cTn id="5" presetID="1" presetClass="entr" presetSubtype="0" fill="hold" nodeType="clickEffect">
+                                  <p:stCondLst>
+                                    <p:cond delay="0"/>
+                                  </p:stCondLst>
+                                  <p:childTnLst>
+                                    <p:set>
+                                      <p:cBhvr>
+                                        <p:cTn id="6" dur="1" fill="hold">
+                                          <p:stCondLst>
+                                            <p:cond delay="0"/>
+                                          </p:stCondLst>
+                                        </p:cTn>
+                                        <p:tgtEl>
+                                          <p:spTgt spid="6">
+                                            <p:txEl>
+                                              <p:pRg st="0" end="0"/>
+                                            </p:txEl>
+                                          </p:spTgt>
+                                        </p:tgtEl>
+                                        <p:attrNameLst>
+                                          <p:attrName>style.visibility</p:attrName>
+                                        </p:attrNameLst>
+                                      </p:cBhvr>
+                                      <p:to>
+                                        <p:strVal val="visible"/>
+                                      </p:to>
+                                    </p:set>
+                                  </p:childTnLst>
+                                </p:cTn>
+                              </p:par>
+                            </p:childTnLst>
+                          </p:cTn>
+                        </p:par>
+                      </p:childTnLst>
+                    </p:cTn>
+                  </p:par>
+                  <p:par>
+                    <p:cTn id="7" fill="hold">
+                      <p:stCondLst>
+                        <p:cond delay="indefinite"/>
+                      </p:stCondLst>
+                      <p:childTnLst>
+                        <p:par>
+                          <p:cTn id="8" fill="hold">
+                            <p:stCondLst>
+                              <p:cond delay="0"/>
+                            </p:stCondLst>
+                            <p:childTnLst>
+                              <p:par>
+                                <p:cTn id="9" presetID="1" presetClass="entr" presetSubtype="0" fill="hold" nodeType="clickEffect">
+                                  <p:stCondLst>
+                                    <p:cond delay="0"/>
+                                  </p:stCondLst>
+                                  <p:childTnLst>
+                                    <p:set>
+                                      <p:cBhvr>
+                                        <p:cTn id="10" dur="1" fill="hold">
+                                          <p:stCondLst>
+                                            <p:cond delay="0"/>
+                                          </p:stCondLst>
+                                        </p:cTn>
+                                        <p:tgtEl>
+                                          <p:spTgt spid="6">
+                                            <p:txEl>
+                                              <p:pRg st="1" end="1"/>
+                                            </p:txEl>
+                                          </p:spTgt>
+                                        </p:tgtEl>
+                                        <p:attrNameLst>
+                                          <p:attrName>style.visibility</p:attrName>
+                                        </p:attrNameLst>
+                                      </p:cBhvr>
+                                      <p:to>
+                                        <p:strVal val="visible"/>
+                                      </p:to>
+                                    </p:set>
+                                  </p:childTnLst>
+                                </p:cTn>
+                              </p:par>
+                            </p:childTnLst>
+                          </p:cTn>
+                        </p:par>
+                      </p:childTnLst>
+                    </p:cTn>
+                  </p:par>
+                  <p:par>
+                    <p:cTn id="11" fill="hold">
+                      <p:stCondLst>
+                        <p:cond delay="indefinite"/>
+                      </p:stCondLst>
+                      <p:childTnLst>
+                        <p:par>
+                          <p:cTn id="12" fill="hold">
+                            <p:stCondLst>
+                              <p:cond delay="0"/>
+                            </p:stCondLst>
+                            <p:childTnLst>
+                              <p:par>
+                                <p:cTn id="13" presetID="1" presetClass="entr" presetSubtype="0" fill="hold" nodeType="clickEffect">
+                                  <p:stCondLst>
+                                    <p:cond delay="0"/>
+                                  </p:stCondLst>
+                                  <p:childTnLst>
+                                    <p:set>
+                                      <p:cBhvr>
+                                        <p:cTn id="14" dur="1" fill="hold">
+                                          <p:stCondLst>
+                                            <p:cond delay="0"/>
+                                          </p:stCondLst>
+                                        </p:cTn>
+                                        <p:tgtEl>
+                                          <p:spTgt spid="6">
+                                            <p:txEl>
+                                              <p:pRg st="2" end="2"/>
+                                            </p:txEl>
+                                          </p:spTgt>
+                                        </p:tgtEl>
+                                        <p:attrNameLst>
+                                          <p:attrName>style.visibility</p:attrName>
+                                        </p:attrNameLst>
+                                      </p:cBhvr>
+                                      <p:to>
+                                        <p:strVal val="visible"/>
+                                      </p:to>
+                                    </p:set>
+                                  </p:childTnLst>
+                                </p:cTn>
+                              </p:par>
+                            </p:childTnLst>
+                          </p:cTn>
+                        </p:par>
+                      </p:childTnLst>
+                    </p:cTn>
+                  </p:par>
+                  <p:par>
+                    <p:cTn id="15" fill="hold">
+                      <p:stCondLst>
+                        <p:cond delay="indefinite"/>
+                      </p:stCondLst>
+                      <p:childTnLst>
+                        <p:par>
+                          <p:cTn id="16" fill="hold">
+                            <p:stCondLst>
+                              <p:cond delay="0"/>
+                            </p:stCondLst>
+                            <p:childTnLst>
+                              <p:par>
+                                <p:cTn id="17" presetID="1" presetClass="entr" presetSubtype="0" fill="hold" nodeType="clickEffect">
+                                  <p:stCondLst>
+                                    <p:cond delay="0"/>
+                                  </p:stCondLst>
+                                  <p:childTnLst>
+                                    <p:set>
+                                      <p:cBhvr>
+                                        <p:cTn id="18" dur="1" fill="hold">
+                                          <p:stCondLst>
+                                            <p:cond delay="0"/>
+                                          </p:stCondLst>
+                                        </p:cTn>
+                                        <p:tgtEl>
+                                          <p:spTgt spid="6">
+                                            <p:txEl>
+                                              <p:pRg st="3" end="3"/>
+                                            </p:txEl>
+                                          </p:spTgt>
+                                        </p:tgtEl>
+                                        <p:attrNameLst>
+                                          <p:attrName>style.visibility</p:attrName>
+                                        </p:attrNameLst>
+                                      </p:cBhvr>
+                                      <p:to>
+                                        <p:strVal val="visible"/>
+                                      </p:to>
+                                    </p:set>
+                                  </p:childTnLst>
+                                </p:cTn>
+                              </p:par>
+                            </p:childTnLst>
+                          </p:cTn>
+                        </p:par>
+                      </p:childTnLst>
+                    </p:cTn>
+                  </p:par>
+                  <p:par>
+                    <p:cTn id="19" fill="hold">
+                      <p:stCondLst>
+                        <p:cond delay="indefinite"/>
+                      </p:stCondLst>
+                      <p:childTnLst>
+                        <p:par>
+                          <p:cTn id="20" fill="hold">
+                            <p:stCondLst>
+                              <p:cond delay="0"/>
+                            </p:stCondLst>
+                            <p:childTnLst>
+                              <p:par>
+                                <p:cTn id="21" presetID="1" presetClass="entr" presetSubtype="0" fill="hold" nodeType="clickEffect">
+                                  <p:stCondLst>
+                                    <p:cond delay="0"/>
+                                  </p:stCondLst>
+                                  <p:childTnLst>
+                                    <p:set>
+                                      <p:cBhvr>
+                                        <p:cTn id="22" dur="1" fill="hold">
+                                          <p:stCondLst>
+                                            <p:cond delay="0"/>
+                                          </p:stCondLst>
+                                        </p:cTn>
+                                        <p:tgtEl>
+                                          <p:spTgt spid="6">
+                                            <p:txEl>
+                                              <p:pRg st="4" end="4"/>
+                                            </p:txEl>
+                                          </p:spTgt>
+                                        </p:tgtEl>
+                                        <p:attrNameLst>
+                                          <p:attrName>style.visibility</p:attrName>
+                                        </p:attrNameLst>
+                                      </p:cBhvr>
+                                      <p:to>
+                                        <p:strVal val="visible"/>
+                                      </p:to>
+                                    </p:set>
+                                  </p:childTnLst>
+                                </p:cTn>
+                              </p:par>
+                            </p:childTnLst>
+                          </p:cTn>
+                        </p:par>
+                      </p:childTnLst>
+                    </p:cTn>
+                  </p:par>
+                  <p:par>
+                    <p:cTn id="23" fill="hold">
+                      <p:stCondLst>
+                        <p:cond delay="indefinite"/>
+                      </p:stCondLst>
+                      <p:childTnLst>
+                        <p:par>
+                          <p:cTn id="24" fill="hold">
+                            <p:stCondLst>
+                              <p:cond delay="0"/>
+                            </p:stCondLst>
+                            <p:childTnLst>
+                              <p:par>
+                                <p:cTn id="25" presetID="1" presetClass="entr" presetSubtype="0" fill="hold" nodeType="clickEffect">
+                                  <p:stCondLst>
+                                    <p:cond delay="0"/>
+                                  </p:stCondLst>
+                                  <p:childTnLst>
+                                    <p:set>
+                                      <p:cBhvr>
+                                        <p:cTn id="26" dur="1" fill="hold">
+                                          <p:stCondLst>
+                                            <p:cond delay="0"/>
+                                          </p:stCondLst>
+                                        </p:cTn>
+                                        <p:tgtEl>
+                                          <p:spTgt spid="6">
+                                            <p:txEl>
+                                              <p:pRg st="5" end="5"/>
+                                            </p:txEl>
+                                          </p:spTgt>
+                                        </p:tgtEl>
+                                        <p:attrNameLst>
+                                          <p:attrName>style.visibility</p:attrName>
+                                        </p:attrNameLst>
+                                      </p:cBhvr>
+                                      <p:to>
+                                        <p:strVal val="visible"/>
+                                      </p:to>
+                                    </p:set>
+                                  </p:childTnLst>
+                                </p:cTn>
+                              </p:par>
+                            </p:childTnLst>
+                          </p:cTn>
+                        </p:par>
+                      </p:childTnLst>
+                    </p:cTn>
+                  </p:par>
+                  <p:par>
+                    <p:cTn id="27" fill="hold">
+                      <p:stCondLst>
+                        <p:cond delay="indefinite"/>
+                      </p:stCondLst>
+                      <p:childTnLst>
+                        <p:par>
+                          <p:cTn id="28" fill="hold">
+                            <p:stCondLst>
+                              <p:cond delay="0"/>
+                            </p:stCondLst>
+                            <p:childTnLst>
+                              <p:par>
+                                <p:cTn id="29" presetID="1" presetClass="entr" presetSubtype="0" fill="hold" nodeType="clickEffect">
+                                  <p:stCondLst>
+                                    <p:cond delay="0"/>
+                                  </p:stCondLst>
+                                  <p:childTnLst>
+                                    <p:set>
+                                      <p:cBhvr>
+                                        <p:cTn id="30" dur="1" fill="hold">
+                                          <p:stCondLst>
+                                            <p:cond delay="0"/>
+                                          </p:stCondLst>
+                                        </p:cTn>
+                                        <p:tgtEl>
+                                          <p:spTgt spid="6">
+                                            <p:txEl>
+                                              <p:pRg st="6" end="6"/>
+                                            </p:txEl>
+                                          </p:spTgt>
+                                        </p:tgtEl>
+                                        <p:attrNameLst>
+                                          <p:attrName>style.visibility</p:attrName>
+                                        </p:attrNameLst>
+                                      </p:cBhvr>
+                                      <p:to>
+                                        <p:strVal val="visible"/>
+                                      </p:to>
+                                    </p:set>
+                                  </p:childTnLst>
+                                </p:cTn>
+                              </p:par>
+                            </p:childTnLst>
+                          </p:cTn>
+                        </p:par>
+                      </p:childTnLst>
+                    </p:cTn>
+                  </p:par>
                 </p:childTnLst>
               </p:cTn>
               <p:prevCondLst>
@@ -9316,10 +12791,10 @@
       </p:grpSpPr>
       <p:sp>
         <p:nvSpPr>
-          <p:cNvPr id="4" name="Title 3">
+          <p:cNvPr id="2" name="Title 1">
             <a:extLst>
               <a:ext uri="{FF2B5EF4-FFF2-40B4-BE49-F238E27FC236}">
-                <a16:creationId xmlns:a16="http://schemas.microsoft.com/office/drawing/2014/main" id="{B85E7F60-2784-4369-849A-5065D220043B}"/>
+                <a16:creationId xmlns:a16="http://schemas.microsoft.com/office/drawing/2014/main" id="{2DCC4400-C451-C048-8821-012A5DC51FC3}"/>
               </a:ext>
             </a:extLst>
           </p:cNvPr>
@@ -9332,26 +12807,316 @@
         </p:nvSpPr>
         <p:spPr/>
         <p:txBody>
-          <a:bodyPr/>
+          <a:bodyPr>
+            <a:normAutofit/>
+          </a:bodyPr>
           <a:lstStyle/>
           <a:p>
             <a:r>
-              <a:rPr lang="en-US" dirty="0"/>
-              <a:t>Books</a:t>
-            </a:r>
-          </a:p>
-        </p:txBody>
-      </p:sp>
+              <a:rPr lang="en-US" sz="4000" dirty="0" err="1"/>
+              <a:t>Github</a:t>
+            </a:r>
+            <a:r>
+              <a:rPr lang="en-US" sz="4000" dirty="0"/>
+              <a:t> desktop</a:t>
+            </a:r>
+          </a:p>
+        </p:txBody>
+      </p:sp>
+      <p:sp>
+        <p:nvSpPr>
+          <p:cNvPr id="6" name="Content Placeholder 5">
+            <a:extLst>
+              <a:ext uri="{FF2B5EF4-FFF2-40B4-BE49-F238E27FC236}">
+                <a16:creationId xmlns:a16="http://schemas.microsoft.com/office/drawing/2014/main" id="{20833873-F394-6741-B7DF-0237A79B55BB}"/>
+              </a:ext>
+            </a:extLst>
+          </p:cNvPr>
+          <p:cNvSpPr>
+            <a:spLocks noGrp="1"/>
+          </p:cNvSpPr>
+          <p:nvPr>
+            <p:ph idx="1"/>
+          </p:nvPr>
+        </p:nvSpPr>
+        <p:spPr>
+          <a:xfrm>
+            <a:off x="359058" y="2228768"/>
+            <a:ext cx="4540120" cy="4038600"/>
+          </a:xfrm>
+        </p:spPr>
+        <p:txBody>
+          <a:bodyPr>
+            <a:normAutofit lnSpcReduction="10000"/>
+          </a:bodyPr>
+          <a:lstStyle/>
+          <a:p>
+            <a:r>
+              <a:rPr lang="en-US" sz="3200" dirty="0"/>
+              <a:t>Cross-platform (Electron) desktop application</a:t>
+            </a:r>
+          </a:p>
+          <a:p>
+            <a:r>
+              <a:rPr lang="en-US" sz="3200" dirty="0"/>
+              <a:t>Abstracts the underlying git commands</a:t>
+            </a:r>
+          </a:p>
+          <a:p>
+            <a:r>
+              <a:rPr lang="en-US" sz="3200" dirty="0"/>
+              <a:t>Allows you to focus on the workflow more directly</a:t>
+            </a:r>
+          </a:p>
+        </p:txBody>
+      </p:sp>
+      <p:pic>
+        <p:nvPicPr>
+          <p:cNvPr id="5" name="Picture 4">
+            <a:extLst>
+              <a:ext uri="{FF2B5EF4-FFF2-40B4-BE49-F238E27FC236}">
+                <a16:creationId xmlns:a16="http://schemas.microsoft.com/office/drawing/2014/main" id="{8375CDD3-34F0-47AA-A1F0-4519E0D0472E}"/>
+              </a:ext>
+            </a:extLst>
+          </p:cNvPr>
+          <p:cNvPicPr>
+            <a:picLocks noChangeAspect="1"/>
+          </p:cNvPicPr>
+          <p:nvPr/>
+        </p:nvPicPr>
+        <p:blipFill>
+          <a:blip r:embed="rId2"/>
+          <a:stretch>
+            <a:fillRect/>
+          </a:stretch>
+        </p:blipFill>
+        <p:spPr>
+          <a:xfrm>
+            <a:off x="10014546" y="4477613"/>
+            <a:ext cx="1971429" cy="1678231"/>
+          </a:xfrm>
+          <a:prstGeom prst="rect">
+            <a:avLst/>
+          </a:prstGeom>
+        </p:spPr>
+      </p:pic>
+      <p:pic>
+        <p:nvPicPr>
+          <p:cNvPr id="3" name="Picture 2">
+            <a:extLst>
+              <a:ext uri="{FF2B5EF4-FFF2-40B4-BE49-F238E27FC236}">
+                <a16:creationId xmlns:a16="http://schemas.microsoft.com/office/drawing/2014/main" id="{A19449EB-1B73-4D15-BF96-F1825A26E9C9}"/>
+              </a:ext>
+            </a:extLst>
+          </p:cNvPr>
+          <p:cNvPicPr>
+            <a:picLocks noChangeAspect="1"/>
+          </p:cNvPicPr>
+          <p:nvPr/>
+        </p:nvPicPr>
+        <p:blipFill>
+          <a:blip r:embed="rId3"/>
+          <a:stretch>
+            <a:fillRect/>
+          </a:stretch>
+        </p:blipFill>
+        <p:spPr>
+          <a:xfrm>
+            <a:off x="5194302" y="1996762"/>
+            <a:ext cx="6638640" cy="4502612"/>
+          </a:xfrm>
+          <a:prstGeom prst="rect">
+            <a:avLst/>
+          </a:prstGeom>
+        </p:spPr>
+      </p:pic>
     </p:spTree>
     <p:extLst>
       <p:ext uri="{BB962C8B-B14F-4D97-AF65-F5344CB8AC3E}">
-        <p14:creationId xmlns:p14="http://schemas.microsoft.com/office/powerpoint/2010/main" val="741176567"/>
+        <p14:creationId xmlns:p14="http://schemas.microsoft.com/office/powerpoint/2010/main" val="875182720"/>
       </p:ext>
     </p:extLst>
   </p:cSld>
   <p:clrMapOvr>
     <a:masterClrMapping/>
   </p:clrMapOvr>
+  <p:timing>
+    <p:tnLst>
+      <p:par>
+        <p:cTn id="1" dur="indefinite" restart="never" nodeType="tmRoot">
+          <p:childTnLst>
+            <p:seq concurrent="1" nextAc="seek">
+              <p:cTn id="2" dur="indefinite" nodeType="mainSeq">
+                <p:childTnLst>
+                  <p:par>
+                    <p:cTn id="3" fill="hold">
+                      <p:stCondLst>
+                        <p:cond delay="indefinite"/>
+                      </p:stCondLst>
+                      <p:childTnLst>
+                        <p:par>
+                          <p:cTn id="4" fill="hold">
+                            <p:stCondLst>
+                              <p:cond delay="0"/>
+                            </p:stCondLst>
+                            <p:childTnLst>
+                              <p:par>
+                                <p:cTn id="5" presetID="1" presetClass="entr" presetSubtype="0" fill="hold" nodeType="clickEffect">
+                                  <p:stCondLst>
+                                    <p:cond delay="0"/>
+                                  </p:stCondLst>
+                                  <p:childTnLst>
+                                    <p:set>
+                                      <p:cBhvr>
+                                        <p:cTn id="6" dur="1" fill="hold">
+                                          <p:stCondLst>
+                                            <p:cond delay="0"/>
+                                          </p:stCondLst>
+                                        </p:cTn>
+                                        <p:tgtEl>
+                                          <p:spTgt spid="6">
+                                            <p:txEl>
+                                              <p:pRg st="0" end="0"/>
+                                            </p:txEl>
+                                          </p:spTgt>
+                                        </p:tgtEl>
+                                        <p:attrNameLst>
+                                          <p:attrName>style.visibility</p:attrName>
+                                        </p:attrNameLst>
+                                      </p:cBhvr>
+                                      <p:to>
+                                        <p:strVal val="visible"/>
+                                      </p:to>
+                                    </p:set>
+                                  </p:childTnLst>
+                                </p:cTn>
+                              </p:par>
+                            </p:childTnLst>
+                          </p:cTn>
+                        </p:par>
+                      </p:childTnLst>
+                    </p:cTn>
+                  </p:par>
+                  <p:par>
+                    <p:cTn id="7" fill="hold">
+                      <p:stCondLst>
+                        <p:cond delay="indefinite"/>
+                      </p:stCondLst>
+                      <p:childTnLst>
+                        <p:par>
+                          <p:cTn id="8" fill="hold">
+                            <p:stCondLst>
+                              <p:cond delay="0"/>
+                            </p:stCondLst>
+                            <p:childTnLst>
+                              <p:par>
+                                <p:cTn id="9" presetID="1" presetClass="entr" presetSubtype="0" fill="hold" nodeType="clickEffect">
+                                  <p:stCondLst>
+                                    <p:cond delay="0"/>
+                                  </p:stCondLst>
+                                  <p:childTnLst>
+                                    <p:set>
+                                      <p:cBhvr>
+                                        <p:cTn id="10" dur="1" fill="hold">
+                                          <p:stCondLst>
+                                            <p:cond delay="0"/>
+                                          </p:stCondLst>
+                                        </p:cTn>
+                                        <p:tgtEl>
+                                          <p:spTgt spid="6">
+                                            <p:txEl>
+                                              <p:pRg st="1" end="1"/>
+                                            </p:txEl>
+                                          </p:spTgt>
+                                        </p:tgtEl>
+                                        <p:attrNameLst>
+                                          <p:attrName>style.visibility</p:attrName>
+                                        </p:attrNameLst>
+                                      </p:cBhvr>
+                                      <p:to>
+                                        <p:strVal val="visible"/>
+                                      </p:to>
+                                    </p:set>
+                                  </p:childTnLst>
+                                </p:cTn>
+                              </p:par>
+                            </p:childTnLst>
+                          </p:cTn>
+                        </p:par>
+                      </p:childTnLst>
+                    </p:cTn>
+                  </p:par>
+                  <p:par>
+                    <p:cTn id="11" fill="hold">
+                      <p:stCondLst>
+                        <p:cond delay="indefinite"/>
+                      </p:stCondLst>
+                      <p:childTnLst>
+                        <p:par>
+                          <p:cTn id="12" fill="hold">
+                            <p:stCondLst>
+                              <p:cond delay="0"/>
+                            </p:stCondLst>
+                            <p:childTnLst>
+                              <p:par>
+                                <p:cTn id="13" presetID="1" presetClass="entr" presetSubtype="0" fill="hold" nodeType="clickEffect">
+                                  <p:stCondLst>
+                                    <p:cond delay="0"/>
+                                  </p:stCondLst>
+                                  <p:childTnLst>
+                                    <p:set>
+                                      <p:cBhvr>
+                                        <p:cTn id="14" dur="1" fill="hold">
+                                          <p:stCondLst>
+                                            <p:cond delay="0"/>
+                                          </p:stCondLst>
+                                        </p:cTn>
+                                        <p:tgtEl>
+                                          <p:spTgt spid="6">
+                                            <p:txEl>
+                                              <p:pRg st="2" end="2"/>
+                                            </p:txEl>
+                                          </p:spTgt>
+                                        </p:tgtEl>
+                                        <p:attrNameLst>
+                                          <p:attrName>style.visibility</p:attrName>
+                                        </p:attrNameLst>
+                                      </p:cBhvr>
+                                      <p:to>
+                                        <p:strVal val="visible"/>
+                                      </p:to>
+                                    </p:set>
+                                  </p:childTnLst>
+                                </p:cTn>
+                              </p:par>
+                            </p:childTnLst>
+                          </p:cTn>
+                        </p:par>
+                      </p:childTnLst>
+                    </p:cTn>
+                  </p:par>
+                </p:childTnLst>
+              </p:cTn>
+              <p:prevCondLst>
+                <p:cond evt="onPrev" delay="0">
+                  <p:tgtEl>
+                    <p:sldTgt/>
+                  </p:tgtEl>
+                </p:cond>
+              </p:prevCondLst>
+              <p:nextCondLst>
+                <p:cond evt="onNext" delay="0">
+                  <p:tgtEl>
+                    <p:sldTgt/>
+                  </p:tgtEl>
+                </p:cond>
+              </p:nextCondLst>
+            </p:seq>
+          </p:childTnLst>
+        </p:cTn>
+      </p:par>
+    </p:tnLst>
+  </p:timing>
 </p:sld>
 </file>
 
@@ -9377,7 +13142,7 @@
           <p:cNvPr id="4" name="Title 3">
             <a:extLst>
               <a:ext uri="{FF2B5EF4-FFF2-40B4-BE49-F238E27FC236}">
-                <a16:creationId xmlns:a16="http://schemas.microsoft.com/office/drawing/2014/main" id="{B85E7F60-2784-4369-849A-5065D220043B}"/>
+                <a16:creationId xmlns:a16="http://schemas.microsoft.com/office/drawing/2014/main" id="{85B5DF9E-CB5F-4E19-A11C-2620409BC2D7}"/>
               </a:ext>
             </a:extLst>
           </p:cNvPr>
@@ -9388,22 +13153,169 @@
             <p:ph type="title"/>
           </p:nvPr>
         </p:nvSpPr>
-        <p:spPr/>
+        <p:spPr>
+          <a:xfrm>
+            <a:off x="581193" y="3043910"/>
+            <a:ext cx="11029615" cy="1497507"/>
+          </a:xfrm>
+        </p:spPr>
         <p:txBody>
           <a:bodyPr/>
           <a:lstStyle/>
           <a:p>
             <a:r>
               <a:rPr lang="en-US" dirty="0"/>
-              <a:t>videos</a:t>
-            </a:r>
-          </a:p>
-        </p:txBody>
-      </p:sp>
+              <a:t>Let's get to work!</a:t>
+            </a:r>
+          </a:p>
+        </p:txBody>
+      </p:sp>
+      <p:pic>
+        <p:nvPicPr>
+          <p:cNvPr id="6" name="Picture 5">
+            <a:extLst>
+              <a:ext uri="{FF2B5EF4-FFF2-40B4-BE49-F238E27FC236}">
+                <a16:creationId xmlns:a16="http://schemas.microsoft.com/office/drawing/2014/main" id="{2309A449-E72E-4541-9EE8-03340CE69660}"/>
+              </a:ext>
+            </a:extLst>
+          </p:cNvPr>
+          <p:cNvPicPr>
+            <a:picLocks noChangeAspect="1"/>
+          </p:cNvPicPr>
+          <p:nvPr/>
+        </p:nvPicPr>
+        <p:blipFill>
+          <a:blip r:embed="rId2"/>
+          <a:stretch>
+            <a:fillRect/>
+          </a:stretch>
+        </p:blipFill>
+        <p:spPr>
+          <a:xfrm>
+            <a:off x="10376721" y="4541417"/>
+            <a:ext cx="1234087" cy="601428"/>
+          </a:xfrm>
+          <a:prstGeom prst="rect">
+            <a:avLst/>
+          </a:prstGeom>
+        </p:spPr>
+      </p:pic>
+      <p:sp>
+        <p:nvSpPr>
+          <p:cNvPr id="7" name="TextBox 6">
+            <a:extLst>
+              <a:ext uri="{FF2B5EF4-FFF2-40B4-BE49-F238E27FC236}">
+                <a16:creationId xmlns:a16="http://schemas.microsoft.com/office/drawing/2014/main" id="{090707C9-8261-4695-B94D-7B9C29CC5EFB}"/>
+              </a:ext>
+            </a:extLst>
+          </p:cNvPr>
+          <p:cNvSpPr txBox="1"/>
+          <p:nvPr/>
+        </p:nvSpPr>
+        <p:spPr>
+          <a:xfrm>
+            <a:off x="418453" y="5553127"/>
+            <a:ext cx="11329261" cy="461665"/>
+          </a:xfrm>
+          <a:prstGeom prst="rect">
+            <a:avLst/>
+          </a:prstGeom>
+          <a:noFill/>
+        </p:spPr>
+        <p:txBody>
+          <a:bodyPr wrap="square" rtlCol="0">
+            <a:spAutoFit/>
+          </a:bodyPr>
+          <a:lstStyle/>
+          <a:p>
+            <a:pPr marL="0" marR="0" lvl="0" indent="0" algn="ctr" defTabSz="457200" rtl="0" eaLnBrk="1" fontAlgn="auto" latinLnBrk="0" hangingPunct="1">
+              <a:lnSpc>
+                <a:spcPct val="100000"/>
+              </a:lnSpc>
+              <a:spcBef>
+                <a:spcPts val="0"/>
+              </a:spcBef>
+              <a:spcAft>
+                <a:spcPts val="0"/>
+              </a:spcAft>
+              <a:buClrTx/>
+              <a:buSzTx/>
+              <a:buFontTx/>
+              <a:buNone/>
+              <a:tabLst/>
+              <a:defRPr/>
+            </a:pPr>
+            <a:r>
+              <a:rPr kumimoji="0" lang="en-US" sz="2400" b="0" i="0" u="none" strike="noStrike" kern="1200" cap="none" spc="0" normalizeH="0" baseline="0" noProof="0" dirty="0">
+                <a:ln>
+                  <a:noFill/>
+                </a:ln>
+                <a:solidFill>
+                  <a:srgbClr val="FFFF00"/>
+                </a:solidFill>
+                <a:effectLst/>
+                <a:uLnTx/>
+                <a:uFillTx/>
+                <a:latin typeface="Consolas" panose="020B0609020204030204" pitchFamily="49" charset="0"/>
+                <a:ea typeface="+mn-ea"/>
+                <a:cs typeface="+mn-cs"/>
+              </a:rPr>
+              <a:t> </a:t>
+            </a:r>
+          </a:p>
+        </p:txBody>
+      </p:sp>
+      <p:pic>
+        <p:nvPicPr>
+          <p:cNvPr id="9218" name="Picture 2" descr="Image result for demonstration icon">
+            <a:extLst>
+              <a:ext uri="{FF2B5EF4-FFF2-40B4-BE49-F238E27FC236}">
+                <a16:creationId xmlns:a16="http://schemas.microsoft.com/office/drawing/2014/main" id="{80C17E1D-5222-4FEE-A6AC-208D2A89595B}"/>
+              </a:ext>
+            </a:extLst>
+          </p:cNvPr>
+          <p:cNvPicPr>
+            <a:picLocks noChangeAspect="1" noChangeArrowheads="1"/>
+          </p:cNvPicPr>
+          <p:nvPr/>
+        </p:nvPicPr>
+        <p:blipFill>
+          <a:blip r:embed="rId3">
+            <a:extLst>
+              <a:ext uri="{28A0092B-C50C-407E-A947-70E740481C1C}">
+                <a14:useLocalDpi xmlns:a14="http://schemas.microsoft.com/office/drawing/2010/main" val="0"/>
+              </a:ext>
+            </a:extLst>
+          </a:blip>
+          <a:srcRect/>
+          <a:stretch>
+            <a:fillRect/>
+          </a:stretch>
+        </p:blipFill>
+        <p:spPr bwMode="auto">
+          <a:xfrm>
+            <a:off x="4867491" y="971983"/>
+            <a:ext cx="2457017" cy="2457017"/>
+          </a:xfrm>
+          <a:prstGeom prst="rect">
+            <a:avLst/>
+          </a:prstGeom>
+          <a:noFill/>
+          <a:extLst>
+            <a:ext uri="{909E8E84-426E-40DD-AFC4-6F175D3DCCD1}">
+              <a14:hiddenFill xmlns:a14="http://schemas.microsoft.com/office/drawing/2010/main">
+                <a:solidFill>
+                  <a:srgbClr val="FFFFFF"/>
+                </a:solidFill>
+              </a14:hiddenFill>
+            </a:ext>
+          </a:extLst>
+        </p:spPr>
+      </p:pic>
     </p:spTree>
     <p:extLst>
       <p:ext uri="{BB962C8B-B14F-4D97-AF65-F5344CB8AC3E}">
-        <p14:creationId xmlns:p14="http://schemas.microsoft.com/office/powerpoint/2010/main" val="3839241939"/>
+        <p14:creationId xmlns:p14="http://schemas.microsoft.com/office/powerpoint/2010/main" val="3131819658"/>
       </p:ext>
     </p:extLst>
   </p:cSld>
@@ -9432,10 +13344,10 @@
       </p:grpSpPr>
       <p:sp>
         <p:nvSpPr>
-          <p:cNvPr id="2" name="Title 1">
+          <p:cNvPr id="4" name="Title 3">
             <a:extLst>
               <a:ext uri="{FF2B5EF4-FFF2-40B4-BE49-F238E27FC236}">
-                <a16:creationId xmlns:a16="http://schemas.microsoft.com/office/drawing/2014/main" id="{5C60AE94-E29A-48C5-9EE2-F74776AB1D78}"/>
+                <a16:creationId xmlns:a16="http://schemas.microsoft.com/office/drawing/2014/main" id="{85B5DF9E-CB5F-4E19-A11C-2620409BC2D7}"/>
               </a:ext>
             </a:extLst>
           </p:cNvPr>
@@ -9446,22 +13358,209 @@
             <p:ph type="title"/>
           </p:nvPr>
         </p:nvSpPr>
-        <p:spPr/>
+        <p:spPr>
+          <a:xfrm>
+            <a:off x="581193" y="3043910"/>
+            <a:ext cx="11029615" cy="1497507"/>
+          </a:xfrm>
+        </p:spPr>
         <p:txBody>
           <a:bodyPr/>
           <a:lstStyle/>
           <a:p>
             <a:r>
+              <a:rPr lang="en-US" dirty="0" err="1"/>
+              <a:t>Github</a:t>
+            </a:r>
+            <a:r>
               <a:rPr lang="en-US" dirty="0"/>
-              <a:t>Interactive online courses</a:t>
-            </a:r>
-          </a:p>
-        </p:txBody>
-      </p:sp>
+              <a:t> collaboration workflow</a:t>
+            </a:r>
+          </a:p>
+        </p:txBody>
+      </p:sp>
+      <p:pic>
+        <p:nvPicPr>
+          <p:cNvPr id="6" name="Picture 5">
+            <a:extLst>
+              <a:ext uri="{FF2B5EF4-FFF2-40B4-BE49-F238E27FC236}">
+                <a16:creationId xmlns:a16="http://schemas.microsoft.com/office/drawing/2014/main" id="{2309A449-E72E-4541-9EE8-03340CE69660}"/>
+              </a:ext>
+            </a:extLst>
+          </p:cNvPr>
+          <p:cNvPicPr>
+            <a:picLocks noChangeAspect="1"/>
+          </p:cNvPicPr>
+          <p:nvPr/>
+        </p:nvPicPr>
+        <p:blipFill>
+          <a:blip r:embed="rId2"/>
+          <a:stretch>
+            <a:fillRect/>
+          </a:stretch>
+        </p:blipFill>
+        <p:spPr>
+          <a:xfrm>
+            <a:off x="10376721" y="4541417"/>
+            <a:ext cx="1234087" cy="601428"/>
+          </a:xfrm>
+          <a:prstGeom prst="rect">
+            <a:avLst/>
+          </a:prstGeom>
+        </p:spPr>
+      </p:pic>
+      <p:sp>
+        <p:nvSpPr>
+          <p:cNvPr id="7" name="TextBox 6">
+            <a:extLst>
+              <a:ext uri="{FF2B5EF4-FFF2-40B4-BE49-F238E27FC236}">
+                <a16:creationId xmlns:a16="http://schemas.microsoft.com/office/drawing/2014/main" id="{090707C9-8261-4695-B94D-7B9C29CC5EFB}"/>
+              </a:ext>
+            </a:extLst>
+          </p:cNvPr>
+          <p:cNvSpPr txBox="1"/>
+          <p:nvPr/>
+        </p:nvSpPr>
+        <p:spPr>
+          <a:xfrm>
+            <a:off x="418453" y="5553127"/>
+            <a:ext cx="11329261" cy="461665"/>
+          </a:xfrm>
+          <a:prstGeom prst="rect">
+            <a:avLst/>
+          </a:prstGeom>
+          <a:noFill/>
+        </p:spPr>
+        <p:txBody>
+          <a:bodyPr wrap="square" rtlCol="0">
+            <a:spAutoFit/>
+          </a:bodyPr>
+          <a:lstStyle/>
+          <a:p>
+            <a:pPr marL="0" marR="0" lvl="0" indent="0" algn="ctr" defTabSz="457200" rtl="0" eaLnBrk="1" fontAlgn="auto" latinLnBrk="0" hangingPunct="1">
+              <a:lnSpc>
+                <a:spcPct val="100000"/>
+              </a:lnSpc>
+              <a:spcBef>
+                <a:spcPts val="0"/>
+              </a:spcBef>
+              <a:spcAft>
+                <a:spcPts val="0"/>
+              </a:spcAft>
+              <a:buClrTx/>
+              <a:buSzTx/>
+              <a:buFontTx/>
+              <a:buNone/>
+              <a:tabLst/>
+              <a:defRPr/>
+            </a:pPr>
+            <a:r>
+              <a:rPr kumimoji="0" lang="en-US" sz="2400" b="0" i="0" u="none" strike="noStrike" kern="1200" cap="none" spc="0" normalizeH="0" baseline="0" noProof="0" dirty="0">
+                <a:ln>
+                  <a:noFill/>
+                </a:ln>
+                <a:solidFill>
+                  <a:srgbClr val="FFFF00"/>
+                </a:solidFill>
+                <a:effectLst/>
+                <a:uLnTx/>
+                <a:uFillTx/>
+                <a:latin typeface="Consolas" panose="020B0609020204030204" pitchFamily="49" charset="0"/>
+                <a:ea typeface="+mn-ea"/>
+                <a:cs typeface="+mn-cs"/>
+              </a:rPr>
+              <a:t> </a:t>
+            </a:r>
+          </a:p>
+        </p:txBody>
+      </p:sp>
+      <p:pic>
+        <p:nvPicPr>
+          <p:cNvPr id="8" name="Picture 4" descr="Image result for github icon">
+            <a:extLst>
+              <a:ext uri="{FF2B5EF4-FFF2-40B4-BE49-F238E27FC236}">
+                <a16:creationId xmlns:a16="http://schemas.microsoft.com/office/drawing/2014/main" id="{600080CF-33F7-429F-BD22-FBD514E667AA}"/>
+              </a:ext>
+            </a:extLst>
+          </p:cNvPr>
+          <p:cNvPicPr>
+            <a:picLocks noChangeAspect="1" noChangeArrowheads="1"/>
+          </p:cNvPicPr>
+          <p:nvPr/>
+        </p:nvPicPr>
+        <p:blipFill>
+          <a:blip r:embed="rId3">
+            <a:extLst>
+              <a:ext uri="{28A0092B-C50C-407E-A947-70E740481C1C}">
+                <a14:useLocalDpi xmlns:a14="http://schemas.microsoft.com/office/drawing/2010/main" val="0"/>
+              </a:ext>
+            </a:extLst>
+          </a:blip>
+          <a:srcRect/>
+          <a:stretch>
+            <a:fillRect/>
+          </a:stretch>
+        </p:blipFill>
+        <p:spPr bwMode="auto">
+          <a:xfrm>
+            <a:off x="581192" y="1119035"/>
+            <a:ext cx="4075882" cy="2143125"/>
+          </a:xfrm>
+          <a:prstGeom prst="rect">
+            <a:avLst/>
+          </a:prstGeom>
+          <a:noFill/>
+          <a:extLst>
+            <a:ext uri="{909E8E84-426E-40DD-AFC4-6F175D3DCCD1}">
+              <a14:hiddenFill xmlns:a14="http://schemas.microsoft.com/office/drawing/2010/main">
+                <a:solidFill>
+                  <a:srgbClr val="FFFFFF"/>
+                </a:solidFill>
+              </a14:hiddenFill>
+            </a:ext>
+          </a:extLst>
+        </p:spPr>
+      </p:pic>
+      <p:pic>
+        <p:nvPicPr>
+          <p:cNvPr id="3" name="Graphic 2" descr="Users">
+            <a:extLst>
+              <a:ext uri="{FF2B5EF4-FFF2-40B4-BE49-F238E27FC236}">
+                <a16:creationId xmlns:a16="http://schemas.microsoft.com/office/drawing/2014/main" id="{99738876-7144-4C55-AC05-948A459B19DE}"/>
+              </a:ext>
+            </a:extLst>
+          </p:cNvPr>
+          <p:cNvPicPr>
+            <a:picLocks noChangeAspect="1"/>
+          </p:cNvPicPr>
+          <p:nvPr/>
+        </p:nvPicPr>
+        <p:blipFill>
+          <a:blip r:embed="rId4">
+            <a:extLst>
+              <a:ext uri="{96DAC541-7B7A-43D3-8B79-37D633B846F1}">
+                <asvg:svgBlip xmlns:asvg="http://schemas.microsoft.com/office/drawing/2016/SVG/main" r:embed="rId5"/>
+              </a:ext>
+            </a:extLst>
+          </a:blip>
+          <a:stretch>
+            <a:fillRect/>
+          </a:stretch>
+        </p:blipFill>
+        <p:spPr>
+          <a:xfrm>
+            <a:off x="8394780" y="1114830"/>
+            <a:ext cx="2147329" cy="2147329"/>
+          </a:xfrm>
+          <a:prstGeom prst="rect">
+            <a:avLst/>
+          </a:prstGeom>
+        </p:spPr>
+      </p:pic>
     </p:spTree>
     <p:extLst>
       <p:ext uri="{BB962C8B-B14F-4D97-AF65-F5344CB8AC3E}">
-        <p14:creationId xmlns:p14="http://schemas.microsoft.com/office/powerpoint/2010/main" val="2618449855"/>
+        <p14:creationId xmlns:p14="http://schemas.microsoft.com/office/powerpoint/2010/main" val="3471472394"/>
       </p:ext>
     </p:extLst>
   </p:cSld>

--- a/psh on the river 2019/warner-github-2019.pptx
+++ b/psh on the river 2019/warner-github-2019.pptx
@@ -19,13 +19,14 @@
     <p:sldId id="278" r:id="rId13"/>
     <p:sldId id="280" r:id="rId14"/>
     <p:sldId id="279" r:id="rId15"/>
-    <p:sldId id="281" r:id="rId16"/>
-    <p:sldId id="267" r:id="rId17"/>
-    <p:sldId id="257" r:id="rId18"/>
-    <p:sldId id="275" r:id="rId19"/>
-    <p:sldId id="274" r:id="rId20"/>
-    <p:sldId id="283" r:id="rId21"/>
-    <p:sldId id="260" r:id="rId22"/>
+    <p:sldId id="285" r:id="rId16"/>
+    <p:sldId id="281" r:id="rId17"/>
+    <p:sldId id="267" r:id="rId18"/>
+    <p:sldId id="257" r:id="rId19"/>
+    <p:sldId id="275" r:id="rId20"/>
+    <p:sldId id="274" r:id="rId21"/>
+    <p:sldId id="283" r:id="rId22"/>
+    <p:sldId id="260" r:id="rId23"/>
   </p:sldIdLst>
   <p:sldSz cx="12192000" cy="6858000"/>
   <p:notesSz cx="6858000" cy="9144000"/>
@@ -9192,45 +9193,12 @@
           <a:chExt cx="0" cy="0"/>
         </a:xfrm>
       </p:grpSpPr>
-      <p:sp>
-        <p:nvSpPr>
-          <p:cNvPr id="4" name="Title 3">
+      <p:pic>
+        <p:nvPicPr>
+          <p:cNvPr id="8" name="Picture 7">
             <a:extLst>
               <a:ext uri="{FF2B5EF4-FFF2-40B4-BE49-F238E27FC236}">
-                <a16:creationId xmlns:a16="http://schemas.microsoft.com/office/drawing/2014/main" id="{85B5DF9E-CB5F-4E19-A11C-2620409BC2D7}"/>
-              </a:ext>
-            </a:extLst>
-          </p:cNvPr>
-          <p:cNvSpPr>
-            <a:spLocks noGrp="1"/>
-          </p:cNvSpPr>
-          <p:nvPr>
-            <p:ph type="title"/>
-          </p:nvPr>
-        </p:nvSpPr>
-        <p:spPr>
-          <a:xfrm>
-            <a:off x="581193" y="3043910"/>
-            <a:ext cx="11029615" cy="1497507"/>
-          </a:xfrm>
-        </p:spPr>
-        <p:txBody>
-          <a:bodyPr/>
-          <a:lstStyle/>
-          <a:p>
-            <a:r>
-              <a:rPr lang="en-US" dirty="0"/>
-              <a:t>Let's put all those concepts to use!</a:t>
-            </a:r>
-          </a:p>
-        </p:txBody>
-      </p:sp>
-      <p:pic>
-        <p:nvPicPr>
-          <p:cNvPr id="6" name="Picture 5">
-            <a:extLst>
-              <a:ext uri="{FF2B5EF4-FFF2-40B4-BE49-F238E27FC236}">
-                <a16:creationId xmlns:a16="http://schemas.microsoft.com/office/drawing/2014/main" id="{2309A449-E72E-4541-9EE8-03340CE69660}"/>
+                <a16:creationId xmlns:a16="http://schemas.microsoft.com/office/drawing/2014/main" id="{A0D60FD7-7C29-4E08-957F-FE95B2D81351}"/>
               </a:ext>
             </a:extLst>
           </p:cNvPr>
@@ -9247,8 +9215,8 @@
         </p:blipFill>
         <p:spPr>
           <a:xfrm>
-            <a:off x="10376721" y="4541417"/>
-            <a:ext cx="1234087" cy="601428"/>
+            <a:off x="381000" y="5387369"/>
+            <a:ext cx="3157847" cy="942857"/>
           </a:xfrm>
           <a:prstGeom prst="rect">
             <a:avLst/>
@@ -9257,185 +9225,40 @@
       </p:pic>
       <p:sp>
         <p:nvSpPr>
-          <p:cNvPr id="7" name="TextBox 6">
+          <p:cNvPr id="2" name="Title 1">
             <a:extLst>
               <a:ext uri="{FF2B5EF4-FFF2-40B4-BE49-F238E27FC236}">
-                <a16:creationId xmlns:a16="http://schemas.microsoft.com/office/drawing/2014/main" id="{090707C9-8261-4695-B94D-7B9C29CC5EFB}"/>
+                <a16:creationId xmlns:a16="http://schemas.microsoft.com/office/drawing/2014/main" id="{2DCC4400-C451-C048-8821-012A5DC51FC3}"/>
               </a:ext>
             </a:extLst>
           </p:cNvPr>
-          <p:cNvSpPr txBox="1"/>
-          <p:nvPr/>
-        </p:nvSpPr>
-        <p:spPr>
-          <a:xfrm>
-            <a:off x="418453" y="5553127"/>
-            <a:ext cx="11329261" cy="461665"/>
-          </a:xfrm>
-          <a:prstGeom prst="rect">
-            <a:avLst/>
-          </a:prstGeom>
-          <a:noFill/>
-        </p:spPr>
-        <p:txBody>
-          <a:bodyPr wrap="square" rtlCol="0">
-            <a:spAutoFit/>
+          <p:cNvSpPr>
+            <a:spLocks noGrp="1"/>
+          </p:cNvSpPr>
+          <p:nvPr>
+            <p:ph type="title"/>
+          </p:nvPr>
+        </p:nvSpPr>
+        <p:spPr/>
+        <p:txBody>
+          <a:bodyPr>
+            <a:normAutofit/>
           </a:bodyPr>
           <a:lstStyle/>
           <a:p>
-            <a:pPr marL="0" marR="0" lvl="0" indent="0" algn="ctr" defTabSz="457200" rtl="0" eaLnBrk="1" fontAlgn="auto" latinLnBrk="0" hangingPunct="1">
-              <a:lnSpc>
-                <a:spcPct val="100000"/>
-              </a:lnSpc>
-              <a:spcBef>
-                <a:spcPts val="0"/>
-              </a:spcBef>
-              <a:spcAft>
-                <a:spcPts val="0"/>
-              </a:spcAft>
-              <a:buClrTx/>
-              <a:buSzTx/>
-              <a:buFontTx/>
-              <a:buNone/>
-              <a:tabLst/>
-              <a:defRPr/>
-            </a:pPr>
-            <a:r>
-              <a:rPr kumimoji="0" lang="en-US" sz="2400" b="0" i="0" u="none" strike="noStrike" kern="1200" cap="none" spc="0" normalizeH="0" baseline="0" noProof="0" dirty="0">
-                <a:ln>
-                  <a:noFill/>
-                </a:ln>
-                <a:solidFill>
-                  <a:srgbClr val="FFFF00"/>
-                </a:solidFill>
-                <a:effectLst/>
-                <a:uLnTx/>
-                <a:uFillTx/>
-                <a:latin typeface="Consolas" panose="020B0609020204030204" pitchFamily="49" charset="0"/>
-                <a:ea typeface="+mn-ea"/>
-                <a:cs typeface="+mn-cs"/>
-              </a:rPr>
-              <a:t> </a:t>
+            <a:r>
+              <a:rPr lang="en-US" sz="4000" dirty="0"/>
+              <a:t>Sync with upstream</a:t>
             </a:r>
           </a:p>
         </p:txBody>
       </p:sp>
       <p:pic>
         <p:nvPicPr>
-          <p:cNvPr id="8" name="Picture 2" descr="Image result for demonstration icon">
+          <p:cNvPr id="9" name="Picture 8">
             <a:extLst>
               <a:ext uri="{FF2B5EF4-FFF2-40B4-BE49-F238E27FC236}">
-                <a16:creationId xmlns:a16="http://schemas.microsoft.com/office/drawing/2014/main" id="{FEA7F926-7532-40FE-9597-B5CA07C21EF8}"/>
-              </a:ext>
-            </a:extLst>
-          </p:cNvPr>
-          <p:cNvPicPr>
-            <a:picLocks noChangeAspect="1" noChangeArrowheads="1"/>
-          </p:cNvPicPr>
-          <p:nvPr/>
-        </p:nvPicPr>
-        <p:blipFill>
-          <a:blip r:embed="rId3">
-            <a:extLst>
-              <a:ext uri="{28A0092B-C50C-407E-A947-70E740481C1C}">
-                <a14:useLocalDpi xmlns:a14="http://schemas.microsoft.com/office/drawing/2010/main" val="0"/>
-              </a:ext>
-            </a:extLst>
-          </a:blip>
-          <a:srcRect/>
-          <a:stretch>
-            <a:fillRect/>
-          </a:stretch>
-        </p:blipFill>
-        <p:spPr bwMode="auto">
-          <a:xfrm>
-            <a:off x="4867491" y="971983"/>
-            <a:ext cx="2457017" cy="2457017"/>
-          </a:xfrm>
-          <a:prstGeom prst="rect">
-            <a:avLst/>
-          </a:prstGeom>
-          <a:noFill/>
-          <a:extLst>
-            <a:ext uri="{909E8E84-426E-40DD-AFC4-6F175D3DCCD1}">
-              <a14:hiddenFill xmlns:a14="http://schemas.microsoft.com/office/drawing/2010/main">
-                <a:solidFill>
-                  <a:srgbClr val="FFFFFF"/>
-                </a:solidFill>
-              </a14:hiddenFill>
-            </a:ext>
-          </a:extLst>
-        </p:spPr>
-      </p:pic>
-    </p:spTree>
-    <p:extLst>
-      <p:ext uri="{BB962C8B-B14F-4D97-AF65-F5344CB8AC3E}">
-        <p14:creationId xmlns:p14="http://schemas.microsoft.com/office/powerpoint/2010/main" val="3077364773"/>
-      </p:ext>
-    </p:extLst>
-  </p:cSld>
-  <p:clrMapOvr>
-    <a:masterClrMapping/>
-  </p:clrMapOvr>
-</p:sld>
-</file>
-
-<file path=ppt/slides/slide15.xml><?xml version="1.0" encoding="utf-8"?>
-<p:sld xmlns:a="http://schemas.openxmlformats.org/drawingml/2006/main" xmlns:r="http://schemas.openxmlformats.org/officeDocument/2006/relationships" xmlns:p="http://schemas.openxmlformats.org/presentationml/2006/main">
-  <p:cSld>
-    <p:spTree>
-      <p:nvGrpSpPr>
-        <p:cNvPr id="1" name=""/>
-        <p:cNvGrpSpPr/>
-        <p:nvPr/>
-      </p:nvGrpSpPr>
-      <p:grpSpPr>
-        <a:xfrm>
-          <a:off x="0" y="0"/>
-          <a:ext cx="0" cy="0"/>
-          <a:chOff x="0" y="0"/>
-          <a:chExt cx="0" cy="0"/>
-        </a:xfrm>
-      </p:grpSpPr>
-      <p:sp>
-        <p:nvSpPr>
-          <p:cNvPr id="4" name="Title 3">
-            <a:extLst>
-              <a:ext uri="{FF2B5EF4-FFF2-40B4-BE49-F238E27FC236}">
-                <a16:creationId xmlns:a16="http://schemas.microsoft.com/office/drawing/2014/main" id="{85B5DF9E-CB5F-4E19-A11C-2620409BC2D7}"/>
-              </a:ext>
-            </a:extLst>
-          </p:cNvPr>
-          <p:cNvSpPr>
-            <a:spLocks noGrp="1"/>
-          </p:cNvSpPr>
-          <p:nvPr>
-            <p:ph type="title"/>
-          </p:nvPr>
-        </p:nvSpPr>
-        <p:spPr>
-          <a:xfrm>
-            <a:off x="581193" y="3043910"/>
-            <a:ext cx="9248607" cy="1497507"/>
-          </a:xfrm>
-        </p:spPr>
-        <p:txBody>
-          <a:bodyPr/>
-          <a:lstStyle/>
-          <a:p>
-            <a:r>
-              <a:rPr lang="en-US" dirty="0"/>
-              <a:t>Git learning resources</a:t>
-            </a:r>
-          </a:p>
-        </p:txBody>
-      </p:sp>
-      <p:pic>
-        <p:nvPicPr>
-          <p:cNvPr id="6" name="Picture 5">
-            <a:extLst>
-              <a:ext uri="{FF2B5EF4-FFF2-40B4-BE49-F238E27FC236}">
-                <a16:creationId xmlns:a16="http://schemas.microsoft.com/office/drawing/2014/main" id="{2309A449-E72E-4541-9EE8-03340CE69660}"/>
+                <a16:creationId xmlns:a16="http://schemas.microsoft.com/office/drawing/2014/main" id="{0EBA783B-0CCB-4A3A-AB69-2A223676718B}"/>
               </a:ext>
             </a:extLst>
           </p:cNvPr>
@@ -9452,8 +9275,8 @@
         </p:blipFill>
         <p:spPr>
           <a:xfrm>
-            <a:off x="10376721" y="4229819"/>
-            <a:ext cx="1234087" cy="913026"/>
+            <a:off x="10248405" y="4577423"/>
+            <a:ext cx="1562597" cy="1578421"/>
           </a:xfrm>
           <a:prstGeom prst="rect">
             <a:avLst/>
@@ -9462,229 +9285,10 @@
       </p:pic>
       <p:pic>
         <p:nvPicPr>
-          <p:cNvPr id="1026" name="Picture 2" descr="Image result for powershell icon">
+          <p:cNvPr id="10" name="Picture 9">
             <a:extLst>
               <a:ext uri="{FF2B5EF4-FFF2-40B4-BE49-F238E27FC236}">
-                <a16:creationId xmlns:a16="http://schemas.microsoft.com/office/drawing/2014/main" id="{46389B6D-AD54-47A7-871D-3EBB8E8F4F2F}"/>
-              </a:ext>
-            </a:extLst>
-          </p:cNvPr>
-          <p:cNvPicPr>
-            <a:picLocks noChangeAspect="1" noChangeArrowheads="1"/>
-          </p:cNvPicPr>
-          <p:nvPr/>
-        </p:nvPicPr>
-        <p:blipFill>
-          <a:blip r:embed="rId3">
-            <a:extLst>
-              <a:ext uri="{28A0092B-C50C-407E-A947-70E740481C1C}">
-                <a14:useLocalDpi xmlns:a14="http://schemas.microsoft.com/office/drawing/2010/main" val="0"/>
-              </a:ext>
-            </a:extLst>
-          </a:blip>
-          <a:srcRect/>
-          <a:stretch>
-            <a:fillRect/>
-          </a:stretch>
-        </p:blipFill>
-        <p:spPr bwMode="auto">
-          <a:xfrm>
-            <a:off x="1933575" y="1285875"/>
-            <a:ext cx="2143125" cy="2143125"/>
-          </a:xfrm>
-          <a:prstGeom prst="rect">
-            <a:avLst/>
-          </a:prstGeom>
-          <a:noFill/>
-          <a:extLst>
-            <a:ext uri="{909E8E84-426E-40DD-AFC4-6F175D3DCCD1}">
-              <a14:hiddenFill xmlns:a14="http://schemas.microsoft.com/office/drawing/2010/main">
-                <a:solidFill>
-                  <a:srgbClr val="FFFFFF"/>
-                </a:solidFill>
-              </a14:hiddenFill>
-            </a:ext>
-          </a:extLst>
-        </p:spPr>
-      </p:pic>
-      <p:pic>
-        <p:nvPicPr>
-          <p:cNvPr id="1028" name="Picture 4" descr="Image result for vs code icon">
-            <a:extLst>
-              <a:ext uri="{FF2B5EF4-FFF2-40B4-BE49-F238E27FC236}">
-                <a16:creationId xmlns:a16="http://schemas.microsoft.com/office/drawing/2014/main" id="{AF99523B-E141-424B-9747-C19B57BA4CE1}"/>
-              </a:ext>
-            </a:extLst>
-          </p:cNvPr>
-          <p:cNvPicPr>
-            <a:picLocks noChangeAspect="1" noChangeArrowheads="1"/>
-          </p:cNvPicPr>
-          <p:nvPr/>
-        </p:nvPicPr>
-        <p:blipFill>
-          <a:blip r:embed="rId4">
-            <a:extLst>
-              <a:ext uri="{28A0092B-C50C-407E-A947-70E740481C1C}">
-                <a14:useLocalDpi xmlns:a14="http://schemas.microsoft.com/office/drawing/2010/main" val="0"/>
-              </a:ext>
-            </a:extLst>
-          </a:blip>
-          <a:srcRect/>
-          <a:stretch>
-            <a:fillRect/>
-          </a:stretch>
-        </p:blipFill>
-        <p:spPr bwMode="auto">
-          <a:xfrm>
-            <a:off x="7780338" y="1285874"/>
-            <a:ext cx="2143125" cy="2143125"/>
-          </a:xfrm>
-          <a:prstGeom prst="rect">
-            <a:avLst/>
-          </a:prstGeom>
-          <a:noFill/>
-          <a:extLst>
-            <a:ext uri="{909E8E84-426E-40DD-AFC4-6F175D3DCCD1}">
-              <a14:hiddenFill xmlns:a14="http://schemas.microsoft.com/office/drawing/2010/main">
-                <a:solidFill>
-                  <a:srgbClr val="FFFFFF"/>
-                </a:solidFill>
-              </a14:hiddenFill>
-            </a:ext>
-          </a:extLst>
-        </p:spPr>
-      </p:pic>
-      <p:sp>
-        <p:nvSpPr>
-          <p:cNvPr id="7" name="TextBox 6">
-            <a:extLst>
-              <a:ext uri="{FF2B5EF4-FFF2-40B4-BE49-F238E27FC236}">
-                <a16:creationId xmlns:a16="http://schemas.microsoft.com/office/drawing/2014/main" id="{090707C9-8261-4695-B94D-7B9C29CC5EFB}"/>
-              </a:ext>
-            </a:extLst>
-          </p:cNvPr>
-          <p:cNvSpPr txBox="1"/>
-          <p:nvPr/>
-        </p:nvSpPr>
-        <p:spPr>
-          <a:xfrm>
-            <a:off x="418453" y="5553127"/>
-            <a:ext cx="11329261" cy="461665"/>
-          </a:xfrm>
-          <a:prstGeom prst="rect">
-            <a:avLst/>
-          </a:prstGeom>
-          <a:noFill/>
-        </p:spPr>
-        <p:txBody>
-          <a:bodyPr wrap="square" rtlCol="0">
-            <a:spAutoFit/>
-          </a:bodyPr>
-          <a:lstStyle/>
-          <a:p>
-            <a:pPr marL="0" marR="0" lvl="0" indent="0" algn="ctr" defTabSz="457200" rtl="0" eaLnBrk="1" fontAlgn="auto" latinLnBrk="0" hangingPunct="1">
-              <a:lnSpc>
-                <a:spcPct val="100000"/>
-              </a:lnSpc>
-              <a:spcBef>
-                <a:spcPts val="0"/>
-              </a:spcBef>
-              <a:spcAft>
-                <a:spcPts val="0"/>
-              </a:spcAft>
-              <a:buClrTx/>
-              <a:buSzTx/>
-              <a:buFontTx/>
-              <a:buNone/>
-              <a:tabLst/>
-              <a:defRPr/>
-            </a:pPr>
-            <a:r>
-              <a:rPr kumimoji="0" lang="en-US" sz="2400" b="0" i="0" u="none" strike="noStrike" kern="1200" cap="none" spc="0" normalizeH="0" baseline="0" noProof="0" dirty="0">
-                <a:ln>
-                  <a:noFill/>
-                </a:ln>
-                <a:solidFill>
-                  <a:srgbClr val="FFFF00"/>
-                </a:solidFill>
-                <a:effectLst/>
-                <a:uLnTx/>
-                <a:uFillTx/>
-                <a:latin typeface="Consolas" panose="020B0609020204030204" pitchFamily="49" charset="0"/>
-                <a:ea typeface="+mn-ea"/>
-                <a:cs typeface="+mn-cs"/>
-              </a:rPr>
-              <a:t> </a:t>
-            </a:r>
-          </a:p>
-        </p:txBody>
-      </p:sp>
-    </p:spTree>
-    <p:extLst>
-      <p:ext uri="{BB962C8B-B14F-4D97-AF65-F5344CB8AC3E}">
-        <p14:creationId xmlns:p14="http://schemas.microsoft.com/office/powerpoint/2010/main" val="2058152506"/>
-      </p:ext>
-    </p:extLst>
-  </p:cSld>
-  <p:clrMapOvr>
-    <a:masterClrMapping/>
-  </p:clrMapOvr>
-</p:sld>
-</file>
-
-<file path=ppt/slides/slide16.xml><?xml version="1.0" encoding="utf-8"?>
-<p:sld xmlns:a="http://schemas.openxmlformats.org/drawingml/2006/main" xmlns:r="http://schemas.openxmlformats.org/officeDocument/2006/relationships" xmlns:p="http://schemas.openxmlformats.org/presentationml/2006/main">
-  <p:cSld>
-    <p:spTree>
-      <p:nvGrpSpPr>
-        <p:cNvPr id="1" name=""/>
-        <p:cNvGrpSpPr/>
-        <p:nvPr/>
-      </p:nvGrpSpPr>
-      <p:grpSpPr>
-        <a:xfrm>
-          <a:off x="0" y="0"/>
-          <a:ext cx="0" cy="0"/>
-          <a:chOff x="0" y="0"/>
-          <a:chExt cx="0" cy="0"/>
-        </a:xfrm>
-      </p:grpSpPr>
-      <p:sp>
-        <p:nvSpPr>
-          <p:cNvPr id="2" name="Title 1">
-            <a:extLst>
-              <a:ext uri="{FF2B5EF4-FFF2-40B4-BE49-F238E27FC236}">
-                <a16:creationId xmlns:a16="http://schemas.microsoft.com/office/drawing/2014/main" id="{2DCC4400-C451-C048-8821-012A5DC51FC3}"/>
-              </a:ext>
-            </a:extLst>
-          </p:cNvPr>
-          <p:cNvSpPr>
-            <a:spLocks noGrp="1"/>
-          </p:cNvSpPr>
-          <p:nvPr>
-            <p:ph type="title"/>
-          </p:nvPr>
-        </p:nvSpPr>
-        <p:spPr/>
-        <p:txBody>
-          <a:bodyPr>
-            <a:normAutofit/>
-          </a:bodyPr>
-          <a:lstStyle/>
-          <a:p>
-            <a:r>
-              <a:rPr lang="en-US" sz="4000" dirty="0"/>
-              <a:t>book</a:t>
-            </a:r>
-          </a:p>
-        </p:txBody>
-      </p:sp>
-      <p:pic>
-        <p:nvPicPr>
-          <p:cNvPr id="5" name="Picture 4">
-            <a:extLst>
-              <a:ext uri="{FF2B5EF4-FFF2-40B4-BE49-F238E27FC236}">
-                <a16:creationId xmlns:a16="http://schemas.microsoft.com/office/drawing/2014/main" id="{D2400A0E-2981-432E-908F-12E63D0AB261}"/>
+                <a16:creationId xmlns:a16="http://schemas.microsoft.com/office/drawing/2014/main" id="{EF2313FC-646A-4682-8C93-036875E2C0F4}"/>
               </a:ext>
             </a:extLst>
           </p:cNvPr>
@@ -9701,8 +9305,8 @@
         </p:blipFill>
         <p:spPr>
           <a:xfrm>
-            <a:off x="10325099" y="4560740"/>
-            <a:ext cx="1285709" cy="1353172"/>
+            <a:off x="246906" y="5069586"/>
+            <a:ext cx="1562597" cy="1578421"/>
           </a:xfrm>
           <a:prstGeom prst="rect">
             <a:avLst/>
@@ -9711,169 +9315,10 @@
       </p:pic>
       <p:pic>
         <p:nvPicPr>
-          <p:cNvPr id="11266" name="Picture 2" descr="book cover">
+          <p:cNvPr id="11" name="Picture 10">
             <a:extLst>
               <a:ext uri="{FF2B5EF4-FFF2-40B4-BE49-F238E27FC236}">
-                <a16:creationId xmlns:a16="http://schemas.microsoft.com/office/drawing/2014/main" id="{A3085184-55E6-437A-A0D1-69FCCA5D9C08}"/>
-              </a:ext>
-            </a:extLst>
-          </p:cNvPr>
-          <p:cNvPicPr>
-            <a:picLocks noChangeAspect="1" noChangeArrowheads="1"/>
-          </p:cNvPicPr>
-          <p:nvPr/>
-        </p:nvPicPr>
-        <p:blipFill>
-          <a:blip r:embed="rId3">
-            <a:extLst>
-              <a:ext uri="{28A0092B-C50C-407E-A947-70E740481C1C}">
-                <a14:useLocalDpi xmlns:a14="http://schemas.microsoft.com/office/drawing/2010/main" val="0"/>
-              </a:ext>
-            </a:extLst>
-          </a:blip>
-          <a:srcRect/>
-          <a:stretch>
-            <a:fillRect/>
-          </a:stretch>
-        </p:blipFill>
-        <p:spPr bwMode="auto">
-          <a:xfrm>
-            <a:off x="4241495" y="1940768"/>
-            <a:ext cx="3709009" cy="4693298"/>
-          </a:xfrm>
-          <a:prstGeom prst="rect">
-            <a:avLst/>
-          </a:prstGeom>
-          <a:noFill/>
-          <a:ln w="25400">
-            <a:solidFill>
-              <a:schemeClr val="tx1"/>
-            </a:solidFill>
-          </a:ln>
-          <a:extLst>
-            <a:ext uri="{909E8E84-426E-40DD-AFC4-6F175D3DCCD1}">
-              <a14:hiddenFill xmlns:a14="http://schemas.microsoft.com/office/drawing/2010/main">
-                <a:solidFill>
-                  <a:srgbClr val="FFFFFF"/>
-                </a:solidFill>
-              </a14:hiddenFill>
-            </a:ext>
-          </a:extLst>
-        </p:spPr>
-      </p:pic>
-      <p:sp>
-        <p:nvSpPr>
-          <p:cNvPr id="8" name="Rectangle: Rounded Corners 7">
-            <a:extLst>
-              <a:ext uri="{FF2B5EF4-FFF2-40B4-BE49-F238E27FC236}">
-                <a16:creationId xmlns:a16="http://schemas.microsoft.com/office/drawing/2014/main" id="{6E0D1FCA-864E-433C-A3C0-D4230AE19BE9}"/>
-              </a:ext>
-            </a:extLst>
-          </p:cNvPr>
-          <p:cNvSpPr/>
-          <p:nvPr/>
-        </p:nvSpPr>
-        <p:spPr>
-          <a:xfrm>
-            <a:off x="7614075" y="6079079"/>
-            <a:ext cx="4342398" cy="609600"/>
-          </a:xfrm>
-          <a:prstGeom prst="roundRect">
-            <a:avLst/>
-          </a:prstGeom>
-        </p:spPr>
-        <p:style>
-          <a:lnRef idx="0">
-            <a:schemeClr val="accent1"/>
-          </a:lnRef>
-          <a:fillRef idx="3">
-            <a:schemeClr val="accent1"/>
-          </a:fillRef>
-          <a:effectRef idx="3">
-            <a:schemeClr val="accent1"/>
-          </a:effectRef>
-          <a:fontRef idx="minor">
-            <a:schemeClr val="lt1"/>
-          </a:fontRef>
-        </p:style>
-        <p:txBody>
-          <a:bodyPr rtlCol="0" anchor="ctr"/>
-          <a:lstStyle/>
-          <a:p>
-            <a:pPr algn="ctr"/>
-            <a:r>
-              <a:rPr lang="en-US" sz="2400" b="1" dirty="0"/>
-              <a:t>https://timw.info/e74d6</a:t>
-            </a:r>
-          </a:p>
-        </p:txBody>
-      </p:sp>
-    </p:spTree>
-    <p:extLst>
-      <p:ext uri="{BB962C8B-B14F-4D97-AF65-F5344CB8AC3E}">
-        <p14:creationId xmlns:p14="http://schemas.microsoft.com/office/powerpoint/2010/main" val="1308270659"/>
-      </p:ext>
-    </p:extLst>
-  </p:cSld>
-  <p:clrMapOvr>
-    <a:masterClrMapping/>
-  </p:clrMapOvr>
-</p:sld>
-</file>
-
-<file path=ppt/slides/slide17.xml><?xml version="1.0" encoding="utf-8"?>
-<p:sld xmlns:a="http://schemas.openxmlformats.org/drawingml/2006/main" xmlns:r="http://schemas.openxmlformats.org/officeDocument/2006/relationships" xmlns:p="http://schemas.openxmlformats.org/presentationml/2006/main">
-  <p:cSld>
-    <p:spTree>
-      <p:nvGrpSpPr>
-        <p:cNvPr id="1" name=""/>
-        <p:cNvGrpSpPr/>
-        <p:nvPr/>
-      </p:nvGrpSpPr>
-      <p:grpSpPr>
-        <a:xfrm>
-          <a:off x="0" y="0"/>
-          <a:ext cx="0" cy="0"/>
-          <a:chOff x="0" y="0"/>
-          <a:chExt cx="0" cy="0"/>
-        </a:xfrm>
-      </p:grpSpPr>
-      <p:sp>
-        <p:nvSpPr>
-          <p:cNvPr id="2" name="Title 1">
-            <a:extLst>
-              <a:ext uri="{FF2B5EF4-FFF2-40B4-BE49-F238E27FC236}">
-                <a16:creationId xmlns:a16="http://schemas.microsoft.com/office/drawing/2014/main" id="{2DCC4400-C451-C048-8821-012A5DC51FC3}"/>
-              </a:ext>
-            </a:extLst>
-          </p:cNvPr>
-          <p:cNvSpPr>
-            <a:spLocks noGrp="1"/>
-          </p:cNvSpPr>
-          <p:nvPr>
-            <p:ph type="title"/>
-          </p:nvPr>
-        </p:nvSpPr>
-        <p:spPr/>
-        <p:txBody>
-          <a:bodyPr>
-            <a:normAutofit/>
-          </a:bodyPr>
-          <a:lstStyle/>
-          <a:p>
-            <a:r>
-              <a:rPr lang="en-US" sz="4000" dirty="0"/>
-              <a:t>video</a:t>
-            </a:r>
-          </a:p>
-        </p:txBody>
-      </p:sp>
-      <p:pic>
-        <p:nvPicPr>
-          <p:cNvPr id="5" name="Picture 4">
-            <a:extLst>
-              <a:ext uri="{FF2B5EF4-FFF2-40B4-BE49-F238E27FC236}">
-                <a16:creationId xmlns:a16="http://schemas.microsoft.com/office/drawing/2014/main" id="{82BF0A40-A235-4F04-95FC-1552BEB3163B}"/>
+                <a16:creationId xmlns:a16="http://schemas.microsoft.com/office/drawing/2014/main" id="{5E100E8E-C43B-42BC-AA01-59266C8C7247}"/>
               </a:ext>
             </a:extLst>
           </p:cNvPr>
@@ -9890,117 +9335,104 @@
         </p:blipFill>
         <p:spPr>
           <a:xfrm>
-            <a:off x="10325099" y="4560740"/>
-            <a:ext cx="1285709" cy="1353172"/>
+            <a:off x="3208224" y="4308724"/>
+            <a:ext cx="1562597" cy="1578421"/>
           </a:xfrm>
           <a:prstGeom prst="rect">
             <a:avLst/>
           </a:prstGeom>
         </p:spPr>
       </p:pic>
-      <p:pic>
-        <p:nvPicPr>
-          <p:cNvPr id="8" name="Picture 7">
+      <p:sp>
+        <p:nvSpPr>
+          <p:cNvPr id="6" name="TextBox 5">
             <a:extLst>
               <a:ext uri="{FF2B5EF4-FFF2-40B4-BE49-F238E27FC236}">
-                <a16:creationId xmlns:a16="http://schemas.microsoft.com/office/drawing/2014/main" id="{BFBF6E3F-F264-4375-9044-EE9350BCE5D1}"/>
+                <a16:creationId xmlns:a16="http://schemas.microsoft.com/office/drawing/2014/main" id="{4C5AFA12-7CE2-4813-B89B-A9F29AFA77D8}"/>
               </a:ext>
             </a:extLst>
           </p:cNvPr>
-          <p:cNvPicPr>
-            <a:picLocks noChangeAspect="1"/>
-          </p:cNvPicPr>
+          <p:cNvSpPr txBox="1"/>
           <p:nvPr/>
-        </p:nvPicPr>
-        <p:blipFill>
-          <a:blip r:embed="rId3"/>
-          <a:stretch>
-            <a:fillRect/>
-          </a:stretch>
-        </p:blipFill>
-        <p:spPr>
-          <a:xfrm>
-            <a:off x="1870871" y="2277462"/>
-            <a:ext cx="8450258" cy="1151538"/>
+        </p:nvSpPr>
+        <p:spPr>
+          <a:xfrm>
+            <a:off x="2670180" y="2380921"/>
+            <a:ext cx="8564451" cy="3477875"/>
           </a:xfrm>
           <a:prstGeom prst="rect">
             <a:avLst/>
           </a:prstGeom>
-        </p:spPr>
-      </p:pic>
-      <p:pic>
-        <p:nvPicPr>
-          <p:cNvPr id="9" name="Picture 8">
-            <a:extLst>
-              <a:ext uri="{FF2B5EF4-FFF2-40B4-BE49-F238E27FC236}">
-                <a16:creationId xmlns:a16="http://schemas.microsoft.com/office/drawing/2014/main" id="{C24E3F1F-BDFC-407F-963D-66BA6C1491BF}"/>
-              </a:ext>
-            </a:extLst>
-          </p:cNvPr>
-          <p:cNvPicPr>
-            <a:picLocks noChangeAspect="1"/>
-          </p:cNvPicPr>
-          <p:nvPr/>
-        </p:nvPicPr>
-        <p:blipFill>
-          <a:blip r:embed="rId4"/>
-          <a:stretch>
-            <a:fillRect/>
-          </a:stretch>
-        </p:blipFill>
-        <p:spPr>
-          <a:xfrm>
-            <a:off x="1870871" y="3922645"/>
-            <a:ext cx="8421700" cy="1151538"/>
-          </a:xfrm>
-          <a:prstGeom prst="rect">
-            <a:avLst/>
-          </a:prstGeom>
-        </p:spPr>
-      </p:pic>
-      <p:sp>
-        <p:nvSpPr>
-          <p:cNvPr id="10" name="Rectangle: Rounded Corners 9">
-            <a:extLst>
-              <a:ext uri="{FF2B5EF4-FFF2-40B4-BE49-F238E27FC236}">
-                <a16:creationId xmlns:a16="http://schemas.microsoft.com/office/drawing/2014/main" id="{36086911-B047-47A7-96D8-C647613D2132}"/>
-              </a:ext>
-            </a:extLst>
-          </p:cNvPr>
-          <p:cNvSpPr/>
-          <p:nvPr/>
-        </p:nvSpPr>
-        <p:spPr>
-          <a:xfrm>
-            <a:off x="3910522" y="5851044"/>
-            <a:ext cx="4342398" cy="609600"/>
-          </a:xfrm>
-          <a:prstGeom prst="roundRect">
-            <a:avLst/>
-          </a:prstGeom>
-        </p:spPr>
-        <p:style>
-          <a:lnRef idx="0">
-            <a:schemeClr val="accent1"/>
-          </a:lnRef>
-          <a:fillRef idx="3">
-            <a:schemeClr val="accent1"/>
-          </a:fillRef>
-          <a:effectRef idx="3">
-            <a:schemeClr val="accent1"/>
-          </a:effectRef>
-          <a:fontRef idx="minor">
-            <a:schemeClr val="lt1"/>
-          </a:fontRef>
-        </p:style>
-        <p:txBody>
-          <a:bodyPr rtlCol="0" anchor="ctr"/>
+          <a:noFill/>
+        </p:spPr>
+        <p:txBody>
+          <a:bodyPr wrap="square" rtlCol="0">
+            <a:spAutoFit/>
+          </a:bodyPr>
           <a:lstStyle/>
           <a:p>
-            <a:pPr algn="ctr"/>
-            <a:r>
-              <a:rPr lang="en-US" sz="2400" b="1" dirty="0"/>
-              <a:t>https://timw.info/7f0d1</a:t>
+            <a:pPr>
+              <a:spcAft>
+                <a:spcPts val="1200"/>
+              </a:spcAft>
+            </a:pPr>
+            <a:r>
+              <a:rPr lang="en-US" sz="3600" dirty="0">
+                <a:latin typeface="Consolas" panose="020B0609020204030204" pitchFamily="49" charset="0"/>
+              </a:rPr>
+              <a:t>git remote –v</a:t>
+            </a:r>
+          </a:p>
+          <a:p>
+            <a:pPr>
+              <a:spcAft>
+                <a:spcPts val="1200"/>
+              </a:spcAft>
+            </a:pPr>
+            <a:r>
+              <a:rPr lang="en-US" sz="3600" dirty="0">
+                <a:latin typeface="Consolas" panose="020B0609020204030204" pitchFamily="49" charset="0"/>
+              </a:rPr>
+              <a:t>git checkout master</a:t>
+            </a:r>
+          </a:p>
+          <a:p>
+            <a:pPr>
+              <a:spcAft>
+                <a:spcPts val="1200"/>
+              </a:spcAft>
+            </a:pPr>
+            <a:r>
+              <a:rPr lang="en-US" sz="3600" dirty="0">
+                <a:latin typeface="Consolas" panose="020B0609020204030204" pitchFamily="49" charset="0"/>
+              </a:rPr>
+              <a:t>git fetch --all</a:t>
+            </a:r>
+          </a:p>
+          <a:p>
+            <a:pPr>
+              <a:spcAft>
+                <a:spcPts val="1200"/>
+              </a:spcAft>
+            </a:pPr>
+            <a:r>
+              <a:rPr lang="en-US" sz="3600" dirty="0">
+                <a:latin typeface="Consolas" panose="020B0609020204030204" pitchFamily="49" charset="0"/>
+              </a:rPr>
+              <a:t>git rebase upstream/master</a:t>
+            </a:r>
+          </a:p>
+          <a:p>
+            <a:pPr>
+              <a:spcAft>
+                <a:spcPts val="1200"/>
+              </a:spcAft>
+            </a:pPr>
+            <a:r>
+              <a:rPr lang="en-US" sz="3600" dirty="0">
+                <a:latin typeface="Consolas" panose="020B0609020204030204" pitchFamily="49" charset="0"/>
+              </a:rPr>
+              <a:t>git push -u origin master</a:t>
             </a:r>
           </a:p>
         </p:txBody>
@@ -10008,330 +9440,7 @@
     </p:spTree>
     <p:extLst>
       <p:ext uri="{BB962C8B-B14F-4D97-AF65-F5344CB8AC3E}">
-        <p14:creationId xmlns:p14="http://schemas.microsoft.com/office/powerpoint/2010/main" val="3103683261"/>
-      </p:ext>
-    </p:extLst>
-  </p:cSld>
-  <p:clrMapOvr>
-    <a:masterClrMapping/>
-  </p:clrMapOvr>
-</p:sld>
-</file>
-
-<file path=ppt/slides/slide18.xml><?xml version="1.0" encoding="utf-8"?>
-<p:sld xmlns:a="http://schemas.openxmlformats.org/drawingml/2006/main" xmlns:r="http://schemas.openxmlformats.org/officeDocument/2006/relationships" xmlns:p="http://schemas.openxmlformats.org/presentationml/2006/main">
-  <p:cSld>
-    <p:spTree>
-      <p:nvGrpSpPr>
-        <p:cNvPr id="1" name=""/>
-        <p:cNvGrpSpPr/>
-        <p:nvPr/>
-      </p:nvGrpSpPr>
-      <p:grpSpPr>
-        <a:xfrm>
-          <a:off x="0" y="0"/>
-          <a:ext cx="0" cy="0"/>
-          <a:chOff x="0" y="0"/>
-          <a:chExt cx="0" cy="0"/>
-        </a:xfrm>
-      </p:grpSpPr>
-      <p:sp>
-        <p:nvSpPr>
-          <p:cNvPr id="2" name="Title 1">
-            <a:extLst>
-              <a:ext uri="{FF2B5EF4-FFF2-40B4-BE49-F238E27FC236}">
-                <a16:creationId xmlns:a16="http://schemas.microsoft.com/office/drawing/2014/main" id="{2DCC4400-C451-C048-8821-012A5DC51FC3}"/>
-              </a:ext>
-            </a:extLst>
-          </p:cNvPr>
-          <p:cNvSpPr>
-            <a:spLocks noGrp="1"/>
-          </p:cNvSpPr>
-          <p:nvPr>
-            <p:ph type="title"/>
-          </p:nvPr>
-        </p:nvSpPr>
-        <p:spPr/>
-        <p:txBody>
-          <a:bodyPr>
-            <a:normAutofit/>
-          </a:bodyPr>
-          <a:lstStyle/>
-          <a:p>
-            <a:r>
-              <a:rPr lang="en-US" sz="4000" dirty="0"/>
-              <a:t>Online tutorial (interactive)</a:t>
-            </a:r>
-          </a:p>
-        </p:txBody>
-      </p:sp>
-      <p:pic>
-        <p:nvPicPr>
-          <p:cNvPr id="3" name="Picture 2">
-            <a:extLst>
-              <a:ext uri="{FF2B5EF4-FFF2-40B4-BE49-F238E27FC236}">
-                <a16:creationId xmlns:a16="http://schemas.microsoft.com/office/drawing/2014/main" id="{796A6FCA-DF3F-464C-AED8-FE2ADD526020}"/>
-              </a:ext>
-            </a:extLst>
-          </p:cNvPr>
-          <p:cNvPicPr>
-            <a:picLocks noChangeAspect="1"/>
-          </p:cNvPicPr>
-          <p:nvPr/>
-        </p:nvPicPr>
-        <p:blipFill>
-          <a:blip r:embed="rId2"/>
-          <a:stretch>
-            <a:fillRect/>
-          </a:stretch>
-        </p:blipFill>
-        <p:spPr>
-          <a:xfrm>
-            <a:off x="10325099" y="4560740"/>
-            <a:ext cx="1285709" cy="1353172"/>
-          </a:xfrm>
-          <a:prstGeom prst="rect">
-            <a:avLst/>
-          </a:prstGeom>
-        </p:spPr>
-      </p:pic>
-      <p:pic>
-        <p:nvPicPr>
-          <p:cNvPr id="8" name="Picture 7">
-            <a:extLst>
-              <a:ext uri="{FF2B5EF4-FFF2-40B4-BE49-F238E27FC236}">
-                <a16:creationId xmlns:a16="http://schemas.microsoft.com/office/drawing/2014/main" id="{72C0A58B-CCA0-4728-AF1F-9AA56B52E1A5}"/>
-              </a:ext>
-            </a:extLst>
-          </p:cNvPr>
-          <p:cNvPicPr>
-            <a:picLocks noChangeAspect="1"/>
-          </p:cNvPicPr>
-          <p:nvPr/>
-        </p:nvPicPr>
-        <p:blipFill>
-          <a:blip r:embed="rId3"/>
-          <a:stretch>
-            <a:fillRect/>
-          </a:stretch>
-        </p:blipFill>
-        <p:spPr>
-          <a:xfrm>
-            <a:off x="2365901" y="1947406"/>
-            <a:ext cx="7460197" cy="4716630"/>
-          </a:xfrm>
-          <a:prstGeom prst="rect">
-            <a:avLst/>
-          </a:prstGeom>
-        </p:spPr>
-      </p:pic>
-      <p:sp>
-        <p:nvSpPr>
-          <p:cNvPr id="9" name="Rectangle: Rounded Corners 8">
-            <a:extLst>
-              <a:ext uri="{FF2B5EF4-FFF2-40B4-BE49-F238E27FC236}">
-                <a16:creationId xmlns:a16="http://schemas.microsoft.com/office/drawing/2014/main" id="{48D035A8-B834-4941-A2D2-0909ADFA3D37}"/>
-              </a:ext>
-            </a:extLst>
-          </p:cNvPr>
-          <p:cNvSpPr/>
-          <p:nvPr/>
-        </p:nvSpPr>
-        <p:spPr>
-          <a:xfrm>
-            <a:off x="3910522" y="5851044"/>
-            <a:ext cx="4342398" cy="609600"/>
-          </a:xfrm>
-          <a:prstGeom prst="roundRect">
-            <a:avLst/>
-          </a:prstGeom>
-        </p:spPr>
-        <p:style>
-          <a:lnRef idx="0">
-            <a:schemeClr val="accent1"/>
-          </a:lnRef>
-          <a:fillRef idx="3">
-            <a:schemeClr val="accent1"/>
-          </a:fillRef>
-          <a:effectRef idx="3">
-            <a:schemeClr val="accent1"/>
-          </a:effectRef>
-          <a:fontRef idx="minor">
-            <a:schemeClr val="lt1"/>
-          </a:fontRef>
-        </p:style>
-        <p:txBody>
-          <a:bodyPr rtlCol="0" anchor="ctr"/>
-          <a:lstStyle/>
-          <a:p>
-            <a:pPr algn="ctr"/>
-            <a:r>
-              <a:rPr lang="en-US" sz="2400" dirty="0"/>
-              <a:t>https://learngitbranching.js.org</a:t>
-            </a:r>
-            <a:endParaRPr lang="en-US" sz="2400" b="1" dirty="0"/>
-          </a:p>
-        </p:txBody>
-      </p:sp>
-    </p:spTree>
-    <p:extLst>
-      <p:ext uri="{BB962C8B-B14F-4D97-AF65-F5344CB8AC3E}">
-        <p14:creationId xmlns:p14="http://schemas.microsoft.com/office/powerpoint/2010/main" val="1529778166"/>
-      </p:ext>
-    </p:extLst>
-  </p:cSld>
-  <p:clrMapOvr>
-    <a:masterClrMapping/>
-  </p:clrMapOvr>
-</p:sld>
-</file>
-
-<file path=ppt/slides/slide19.xml><?xml version="1.0" encoding="utf-8"?>
-<p:sld xmlns:a="http://schemas.openxmlformats.org/drawingml/2006/main" xmlns:r="http://schemas.openxmlformats.org/officeDocument/2006/relationships" xmlns:p="http://schemas.openxmlformats.org/presentationml/2006/main">
-  <p:cSld>
-    <p:spTree>
-      <p:nvGrpSpPr>
-        <p:cNvPr id="1" name=""/>
-        <p:cNvGrpSpPr/>
-        <p:nvPr/>
-      </p:nvGrpSpPr>
-      <p:grpSpPr>
-        <a:xfrm>
-          <a:off x="0" y="0"/>
-          <a:ext cx="0" cy="0"/>
-          <a:chOff x="0" y="0"/>
-          <a:chExt cx="0" cy="0"/>
-        </a:xfrm>
-      </p:grpSpPr>
-      <p:sp>
-        <p:nvSpPr>
-          <p:cNvPr id="2" name="Title 1">
-            <a:extLst>
-              <a:ext uri="{FF2B5EF4-FFF2-40B4-BE49-F238E27FC236}">
-                <a16:creationId xmlns:a16="http://schemas.microsoft.com/office/drawing/2014/main" id="{2DCC4400-C451-C048-8821-012A5DC51FC3}"/>
-              </a:ext>
-            </a:extLst>
-          </p:cNvPr>
-          <p:cNvSpPr>
-            <a:spLocks noGrp="1"/>
-          </p:cNvSpPr>
-          <p:nvPr>
-            <p:ph type="title"/>
-          </p:nvPr>
-        </p:nvSpPr>
-        <p:spPr/>
-        <p:txBody>
-          <a:bodyPr>
-            <a:normAutofit/>
-          </a:bodyPr>
-          <a:lstStyle/>
-          <a:p>
-            <a:r>
-              <a:rPr lang="en-US" sz="4000" dirty="0"/>
-              <a:t>Your marching orders</a:t>
-            </a:r>
-          </a:p>
-        </p:txBody>
-      </p:sp>
-      <p:sp>
-        <p:nvSpPr>
-          <p:cNvPr id="6" name="Content Placeholder 5">
-            <a:extLst>
-              <a:ext uri="{FF2B5EF4-FFF2-40B4-BE49-F238E27FC236}">
-                <a16:creationId xmlns:a16="http://schemas.microsoft.com/office/drawing/2014/main" id="{20833873-F394-6741-B7DF-0237A79B55BB}"/>
-              </a:ext>
-            </a:extLst>
-          </p:cNvPr>
-          <p:cNvSpPr>
-            <a:spLocks noGrp="1"/>
-          </p:cNvSpPr>
-          <p:nvPr>
-            <p:ph idx="1"/>
-          </p:nvPr>
-        </p:nvSpPr>
-        <p:spPr>
-          <a:xfrm>
-            <a:off x="581192" y="1565564"/>
-            <a:ext cx="11029615" cy="4293235"/>
-          </a:xfrm>
-        </p:spPr>
-        <p:txBody>
-          <a:bodyPr/>
-          <a:lstStyle/>
-          <a:p>
-            <a:pPr marL="742950" indent="-742950">
-              <a:buFont typeface="+mj-lt"/>
-              <a:buAutoNum type="arabicPeriod"/>
-            </a:pPr>
-            <a:r>
-              <a:rPr lang="en-US" dirty="0"/>
-              <a:t>Start practicing yourself with a "Hello world" PowerShell project</a:t>
-            </a:r>
-          </a:p>
-          <a:p>
-            <a:pPr marL="742950" indent="-742950">
-              <a:buFont typeface="+mj-lt"/>
-              <a:buAutoNum type="arabicPeriod"/>
-            </a:pPr>
-            <a:r>
-              <a:rPr lang="en-US" dirty="0"/>
-              <a:t>Contribute to someone's GitHub project</a:t>
-            </a:r>
-          </a:p>
-          <a:p>
-            <a:pPr marL="742950" indent="-742950">
-              <a:buFont typeface="+mj-lt"/>
-              <a:buAutoNum type="arabicPeriod"/>
-            </a:pPr>
-            <a:r>
-              <a:rPr lang="en-US" dirty="0"/>
-              <a:t>Ask Mike Lombardi (@</a:t>
-            </a:r>
-            <a:r>
-              <a:rPr lang="en-US" dirty="0" err="1"/>
-              <a:t>TrebuchetOps</a:t>
-            </a:r>
-            <a:r>
-              <a:rPr lang="en-US" dirty="0"/>
-              <a:t>) for help</a:t>
-            </a:r>
-          </a:p>
-        </p:txBody>
-      </p:sp>
-      <p:pic>
-        <p:nvPicPr>
-          <p:cNvPr id="7" name="Picture 6">
-            <a:extLst>
-              <a:ext uri="{FF2B5EF4-FFF2-40B4-BE49-F238E27FC236}">
-                <a16:creationId xmlns:a16="http://schemas.microsoft.com/office/drawing/2014/main" id="{65CAA47D-15E9-9140-900B-E253CEB6E999}"/>
-              </a:ext>
-            </a:extLst>
-          </p:cNvPr>
-          <p:cNvPicPr>
-            <a:picLocks noChangeAspect="1"/>
-          </p:cNvPicPr>
-          <p:nvPr/>
-        </p:nvPicPr>
-        <p:blipFill>
-          <a:blip r:embed="rId2"/>
-          <a:stretch>
-            <a:fillRect/>
-          </a:stretch>
-        </p:blipFill>
-        <p:spPr>
-          <a:xfrm>
-            <a:off x="381000" y="5197369"/>
-            <a:ext cx="2976433" cy="1322859"/>
-          </a:xfrm>
-          <a:prstGeom prst="rect">
-            <a:avLst/>
-          </a:prstGeom>
-        </p:spPr>
-      </p:pic>
-    </p:spTree>
-    <p:extLst>
-      <p:ext uri="{BB962C8B-B14F-4D97-AF65-F5344CB8AC3E}">
-        <p14:creationId xmlns:p14="http://schemas.microsoft.com/office/powerpoint/2010/main" val="3301570269"/>
+        <p14:creationId xmlns:p14="http://schemas.microsoft.com/office/powerpoint/2010/main" val="716008045"/>
       </p:ext>
     </p:extLst>
   </p:cSld>
@@ -10493,6 +9602,104 @@
                       </p:childTnLst>
                     </p:cTn>
                   </p:par>
+                  <p:par>
+                    <p:cTn id="15" fill="hold">
+                      <p:stCondLst>
+                        <p:cond delay="indefinite"/>
+                      </p:stCondLst>
+                      <p:childTnLst>
+                        <p:par>
+                          <p:cTn id="16" fill="hold">
+                            <p:stCondLst>
+                              <p:cond delay="0"/>
+                            </p:stCondLst>
+                            <p:childTnLst>
+                              <p:par>
+                                <p:cTn id="17" presetID="1" presetClass="entr" presetSubtype="0" fill="hold" nodeType="clickEffect">
+                                  <p:stCondLst>
+                                    <p:cond delay="0"/>
+                                  </p:stCondLst>
+                                  <p:childTnLst>
+                                    <p:set>
+                                      <p:cBhvr>
+                                        <p:cTn id="18" dur="1" fill="hold">
+                                          <p:stCondLst>
+                                            <p:cond delay="0"/>
+                                          </p:stCondLst>
+                                        </p:cTn>
+                                        <p:tgtEl>
+                                          <p:spTgt spid="6">
+                                            <p:txEl>
+                                              <p:pRg st="3" end="3"/>
+                                            </p:txEl>
+                                          </p:spTgt>
+                                        </p:tgtEl>
+                                        <p:attrNameLst>
+                                          <p:attrName>style.visibility</p:attrName>
+                                        </p:attrNameLst>
+                                      </p:cBhvr>
+                                      <p:to>
+                                        <p:strVal val="visible"/>
+                                      </p:to>
+                                    </p:set>
+                                  </p:childTnLst>
+                                </p:cTn>
+                              </p:par>
+                            </p:childTnLst>
+                          </p:cTn>
+                        </p:par>
+                      </p:childTnLst>
+                    </p:cTn>
+                  </p:par>
+                  <p:par>
+                    <p:cTn id="19" fill="hold">
+                      <p:stCondLst>
+                        <p:cond delay="indefinite"/>
+                      </p:stCondLst>
+                      <p:childTnLst>
+                        <p:par>
+                          <p:cTn id="20" fill="hold">
+                            <p:stCondLst>
+                              <p:cond delay="0"/>
+                            </p:stCondLst>
+                            <p:childTnLst>
+                              <p:par>
+                                <p:cTn id="21" presetID="1" presetClass="entr" presetSubtype="0" fill="hold" nodeType="clickEffect">
+                                  <p:stCondLst>
+                                    <p:cond delay="0"/>
+                                  </p:stCondLst>
+                                  <p:childTnLst>
+                                    <p:set>
+                                      <p:cBhvr>
+                                        <p:cTn id="22" dur="1" fill="hold">
+                                          <p:stCondLst>
+                                            <p:cond delay="0"/>
+                                          </p:stCondLst>
+                                        </p:cTn>
+                                        <p:tgtEl>
+                                          <p:spTgt spid="6">
+                                            <p:txEl>
+                                              <p:pRg st="4" end="4"/>
+                                            </p:txEl>
+                                          </p:spTgt>
+                                        </p:tgtEl>
+                                        <p:attrNameLst>
+                                          <p:attrName>style.visibility</p:attrName>
+                                        </p:attrNameLst>
+                                      </p:cBhvr>
+                                      <p:to>
+                                        <p:strVal val="visible"/>
+                                      </p:to>
+                                    </p:set>
+                                  </p:childTnLst>
+                                </p:cTn>
+                              </p:par>
+                            </p:childTnLst>
+                          </p:cTn>
+                        </p:par>
+                      </p:childTnLst>
+                    </p:cTn>
+                  </p:par>
                 </p:childTnLst>
               </p:cTn>
               <p:prevCondLst>
@@ -10515,6 +9722,1017 @@
       </p:par>
     </p:tnLst>
   </p:timing>
+</p:sld>
+</file>
+
+<file path=ppt/slides/slide15.xml><?xml version="1.0" encoding="utf-8"?>
+<p:sld xmlns:a="http://schemas.openxmlformats.org/drawingml/2006/main" xmlns:r="http://schemas.openxmlformats.org/officeDocument/2006/relationships" xmlns:p="http://schemas.openxmlformats.org/presentationml/2006/main">
+  <p:cSld>
+    <p:spTree>
+      <p:nvGrpSpPr>
+        <p:cNvPr id="1" name=""/>
+        <p:cNvGrpSpPr/>
+        <p:nvPr/>
+      </p:nvGrpSpPr>
+      <p:grpSpPr>
+        <a:xfrm>
+          <a:off x="0" y="0"/>
+          <a:ext cx="0" cy="0"/>
+          <a:chOff x="0" y="0"/>
+          <a:chExt cx="0" cy="0"/>
+        </a:xfrm>
+      </p:grpSpPr>
+      <p:sp>
+        <p:nvSpPr>
+          <p:cNvPr id="4" name="Title 3">
+            <a:extLst>
+              <a:ext uri="{FF2B5EF4-FFF2-40B4-BE49-F238E27FC236}">
+                <a16:creationId xmlns:a16="http://schemas.microsoft.com/office/drawing/2014/main" id="{85B5DF9E-CB5F-4E19-A11C-2620409BC2D7}"/>
+              </a:ext>
+            </a:extLst>
+          </p:cNvPr>
+          <p:cNvSpPr>
+            <a:spLocks noGrp="1"/>
+          </p:cNvSpPr>
+          <p:nvPr>
+            <p:ph type="title"/>
+          </p:nvPr>
+        </p:nvSpPr>
+        <p:spPr>
+          <a:xfrm>
+            <a:off x="581193" y="3043910"/>
+            <a:ext cx="11029615" cy="1497507"/>
+          </a:xfrm>
+        </p:spPr>
+        <p:txBody>
+          <a:bodyPr/>
+          <a:lstStyle/>
+          <a:p>
+            <a:r>
+              <a:rPr lang="en-US" dirty="0"/>
+              <a:t>Let's put all those concepts to use!</a:t>
+            </a:r>
+          </a:p>
+        </p:txBody>
+      </p:sp>
+      <p:pic>
+        <p:nvPicPr>
+          <p:cNvPr id="6" name="Picture 5">
+            <a:extLst>
+              <a:ext uri="{FF2B5EF4-FFF2-40B4-BE49-F238E27FC236}">
+                <a16:creationId xmlns:a16="http://schemas.microsoft.com/office/drawing/2014/main" id="{2309A449-E72E-4541-9EE8-03340CE69660}"/>
+              </a:ext>
+            </a:extLst>
+          </p:cNvPr>
+          <p:cNvPicPr>
+            <a:picLocks noChangeAspect="1"/>
+          </p:cNvPicPr>
+          <p:nvPr/>
+        </p:nvPicPr>
+        <p:blipFill>
+          <a:blip r:embed="rId2"/>
+          <a:stretch>
+            <a:fillRect/>
+          </a:stretch>
+        </p:blipFill>
+        <p:spPr>
+          <a:xfrm>
+            <a:off x="10376721" y="4541417"/>
+            <a:ext cx="1234087" cy="601428"/>
+          </a:xfrm>
+          <a:prstGeom prst="rect">
+            <a:avLst/>
+          </a:prstGeom>
+        </p:spPr>
+      </p:pic>
+      <p:sp>
+        <p:nvSpPr>
+          <p:cNvPr id="7" name="TextBox 6">
+            <a:extLst>
+              <a:ext uri="{FF2B5EF4-FFF2-40B4-BE49-F238E27FC236}">
+                <a16:creationId xmlns:a16="http://schemas.microsoft.com/office/drawing/2014/main" id="{090707C9-8261-4695-B94D-7B9C29CC5EFB}"/>
+              </a:ext>
+            </a:extLst>
+          </p:cNvPr>
+          <p:cNvSpPr txBox="1"/>
+          <p:nvPr/>
+        </p:nvSpPr>
+        <p:spPr>
+          <a:xfrm>
+            <a:off x="418453" y="5553127"/>
+            <a:ext cx="11329261" cy="461665"/>
+          </a:xfrm>
+          <a:prstGeom prst="rect">
+            <a:avLst/>
+          </a:prstGeom>
+          <a:noFill/>
+        </p:spPr>
+        <p:txBody>
+          <a:bodyPr wrap="square" rtlCol="0">
+            <a:spAutoFit/>
+          </a:bodyPr>
+          <a:lstStyle/>
+          <a:p>
+            <a:pPr marL="0" marR="0" lvl="0" indent="0" algn="ctr" defTabSz="457200" rtl="0" eaLnBrk="1" fontAlgn="auto" latinLnBrk="0" hangingPunct="1">
+              <a:lnSpc>
+                <a:spcPct val="100000"/>
+              </a:lnSpc>
+              <a:spcBef>
+                <a:spcPts val="0"/>
+              </a:spcBef>
+              <a:spcAft>
+                <a:spcPts val="0"/>
+              </a:spcAft>
+              <a:buClrTx/>
+              <a:buSzTx/>
+              <a:buFontTx/>
+              <a:buNone/>
+              <a:tabLst/>
+              <a:defRPr/>
+            </a:pPr>
+            <a:r>
+              <a:rPr kumimoji="0" lang="en-US" sz="2400" b="0" i="0" u="none" strike="noStrike" kern="1200" cap="none" spc="0" normalizeH="0" baseline="0" noProof="0" dirty="0">
+                <a:ln>
+                  <a:noFill/>
+                </a:ln>
+                <a:solidFill>
+                  <a:srgbClr val="FFFF00"/>
+                </a:solidFill>
+                <a:effectLst/>
+                <a:uLnTx/>
+                <a:uFillTx/>
+                <a:latin typeface="Consolas" panose="020B0609020204030204" pitchFamily="49" charset="0"/>
+                <a:ea typeface="+mn-ea"/>
+                <a:cs typeface="+mn-cs"/>
+              </a:rPr>
+              <a:t> </a:t>
+            </a:r>
+          </a:p>
+        </p:txBody>
+      </p:sp>
+      <p:pic>
+        <p:nvPicPr>
+          <p:cNvPr id="8" name="Picture 2" descr="Image result for demonstration icon">
+            <a:extLst>
+              <a:ext uri="{FF2B5EF4-FFF2-40B4-BE49-F238E27FC236}">
+                <a16:creationId xmlns:a16="http://schemas.microsoft.com/office/drawing/2014/main" id="{FEA7F926-7532-40FE-9597-B5CA07C21EF8}"/>
+              </a:ext>
+            </a:extLst>
+          </p:cNvPr>
+          <p:cNvPicPr>
+            <a:picLocks noChangeAspect="1" noChangeArrowheads="1"/>
+          </p:cNvPicPr>
+          <p:nvPr/>
+        </p:nvPicPr>
+        <p:blipFill>
+          <a:blip r:embed="rId3">
+            <a:extLst>
+              <a:ext uri="{28A0092B-C50C-407E-A947-70E740481C1C}">
+                <a14:useLocalDpi xmlns:a14="http://schemas.microsoft.com/office/drawing/2010/main" val="0"/>
+              </a:ext>
+            </a:extLst>
+          </a:blip>
+          <a:srcRect/>
+          <a:stretch>
+            <a:fillRect/>
+          </a:stretch>
+        </p:blipFill>
+        <p:spPr bwMode="auto">
+          <a:xfrm>
+            <a:off x="4867491" y="971983"/>
+            <a:ext cx="2457017" cy="2457017"/>
+          </a:xfrm>
+          <a:prstGeom prst="rect">
+            <a:avLst/>
+          </a:prstGeom>
+          <a:noFill/>
+          <a:extLst>
+            <a:ext uri="{909E8E84-426E-40DD-AFC4-6F175D3DCCD1}">
+              <a14:hiddenFill xmlns:a14="http://schemas.microsoft.com/office/drawing/2010/main">
+                <a:solidFill>
+                  <a:srgbClr val="FFFFFF"/>
+                </a:solidFill>
+              </a14:hiddenFill>
+            </a:ext>
+          </a:extLst>
+        </p:spPr>
+      </p:pic>
+    </p:spTree>
+    <p:extLst>
+      <p:ext uri="{BB962C8B-B14F-4D97-AF65-F5344CB8AC3E}">
+        <p14:creationId xmlns:p14="http://schemas.microsoft.com/office/powerpoint/2010/main" val="3077364773"/>
+      </p:ext>
+    </p:extLst>
+  </p:cSld>
+  <p:clrMapOvr>
+    <a:masterClrMapping/>
+  </p:clrMapOvr>
+</p:sld>
+</file>
+
+<file path=ppt/slides/slide16.xml><?xml version="1.0" encoding="utf-8"?>
+<p:sld xmlns:a="http://schemas.openxmlformats.org/drawingml/2006/main" xmlns:r="http://schemas.openxmlformats.org/officeDocument/2006/relationships" xmlns:p="http://schemas.openxmlformats.org/presentationml/2006/main">
+  <p:cSld>
+    <p:spTree>
+      <p:nvGrpSpPr>
+        <p:cNvPr id="1" name=""/>
+        <p:cNvGrpSpPr/>
+        <p:nvPr/>
+      </p:nvGrpSpPr>
+      <p:grpSpPr>
+        <a:xfrm>
+          <a:off x="0" y="0"/>
+          <a:ext cx="0" cy="0"/>
+          <a:chOff x="0" y="0"/>
+          <a:chExt cx="0" cy="0"/>
+        </a:xfrm>
+      </p:grpSpPr>
+      <p:sp>
+        <p:nvSpPr>
+          <p:cNvPr id="4" name="Title 3">
+            <a:extLst>
+              <a:ext uri="{FF2B5EF4-FFF2-40B4-BE49-F238E27FC236}">
+                <a16:creationId xmlns:a16="http://schemas.microsoft.com/office/drawing/2014/main" id="{85B5DF9E-CB5F-4E19-A11C-2620409BC2D7}"/>
+              </a:ext>
+            </a:extLst>
+          </p:cNvPr>
+          <p:cNvSpPr>
+            <a:spLocks noGrp="1"/>
+          </p:cNvSpPr>
+          <p:nvPr>
+            <p:ph type="title"/>
+          </p:nvPr>
+        </p:nvSpPr>
+        <p:spPr>
+          <a:xfrm>
+            <a:off x="581193" y="3043910"/>
+            <a:ext cx="9248607" cy="1497507"/>
+          </a:xfrm>
+        </p:spPr>
+        <p:txBody>
+          <a:bodyPr/>
+          <a:lstStyle/>
+          <a:p>
+            <a:r>
+              <a:rPr lang="en-US" dirty="0"/>
+              <a:t>Git learning resources</a:t>
+            </a:r>
+          </a:p>
+        </p:txBody>
+      </p:sp>
+      <p:pic>
+        <p:nvPicPr>
+          <p:cNvPr id="6" name="Picture 5">
+            <a:extLst>
+              <a:ext uri="{FF2B5EF4-FFF2-40B4-BE49-F238E27FC236}">
+                <a16:creationId xmlns:a16="http://schemas.microsoft.com/office/drawing/2014/main" id="{2309A449-E72E-4541-9EE8-03340CE69660}"/>
+              </a:ext>
+            </a:extLst>
+          </p:cNvPr>
+          <p:cNvPicPr>
+            <a:picLocks noChangeAspect="1"/>
+          </p:cNvPicPr>
+          <p:nvPr/>
+        </p:nvPicPr>
+        <p:blipFill>
+          <a:blip r:embed="rId2"/>
+          <a:stretch>
+            <a:fillRect/>
+          </a:stretch>
+        </p:blipFill>
+        <p:spPr>
+          <a:xfrm>
+            <a:off x="10376721" y="4229819"/>
+            <a:ext cx="1234087" cy="913026"/>
+          </a:xfrm>
+          <a:prstGeom prst="rect">
+            <a:avLst/>
+          </a:prstGeom>
+        </p:spPr>
+      </p:pic>
+      <p:pic>
+        <p:nvPicPr>
+          <p:cNvPr id="1026" name="Picture 2" descr="Image result for powershell icon">
+            <a:extLst>
+              <a:ext uri="{FF2B5EF4-FFF2-40B4-BE49-F238E27FC236}">
+                <a16:creationId xmlns:a16="http://schemas.microsoft.com/office/drawing/2014/main" id="{46389B6D-AD54-47A7-871D-3EBB8E8F4F2F}"/>
+              </a:ext>
+            </a:extLst>
+          </p:cNvPr>
+          <p:cNvPicPr>
+            <a:picLocks noChangeAspect="1" noChangeArrowheads="1"/>
+          </p:cNvPicPr>
+          <p:nvPr/>
+        </p:nvPicPr>
+        <p:blipFill>
+          <a:blip r:embed="rId3">
+            <a:extLst>
+              <a:ext uri="{28A0092B-C50C-407E-A947-70E740481C1C}">
+                <a14:useLocalDpi xmlns:a14="http://schemas.microsoft.com/office/drawing/2010/main" val="0"/>
+              </a:ext>
+            </a:extLst>
+          </a:blip>
+          <a:srcRect/>
+          <a:stretch>
+            <a:fillRect/>
+          </a:stretch>
+        </p:blipFill>
+        <p:spPr bwMode="auto">
+          <a:xfrm>
+            <a:off x="1933575" y="1285875"/>
+            <a:ext cx="2143125" cy="2143125"/>
+          </a:xfrm>
+          <a:prstGeom prst="rect">
+            <a:avLst/>
+          </a:prstGeom>
+          <a:noFill/>
+          <a:extLst>
+            <a:ext uri="{909E8E84-426E-40DD-AFC4-6F175D3DCCD1}">
+              <a14:hiddenFill xmlns:a14="http://schemas.microsoft.com/office/drawing/2010/main">
+                <a:solidFill>
+                  <a:srgbClr val="FFFFFF"/>
+                </a:solidFill>
+              </a14:hiddenFill>
+            </a:ext>
+          </a:extLst>
+        </p:spPr>
+      </p:pic>
+      <p:pic>
+        <p:nvPicPr>
+          <p:cNvPr id="1028" name="Picture 4" descr="Image result for vs code icon">
+            <a:extLst>
+              <a:ext uri="{FF2B5EF4-FFF2-40B4-BE49-F238E27FC236}">
+                <a16:creationId xmlns:a16="http://schemas.microsoft.com/office/drawing/2014/main" id="{AF99523B-E141-424B-9747-C19B57BA4CE1}"/>
+              </a:ext>
+            </a:extLst>
+          </p:cNvPr>
+          <p:cNvPicPr>
+            <a:picLocks noChangeAspect="1" noChangeArrowheads="1"/>
+          </p:cNvPicPr>
+          <p:nvPr/>
+        </p:nvPicPr>
+        <p:blipFill>
+          <a:blip r:embed="rId4">
+            <a:extLst>
+              <a:ext uri="{28A0092B-C50C-407E-A947-70E740481C1C}">
+                <a14:useLocalDpi xmlns:a14="http://schemas.microsoft.com/office/drawing/2010/main" val="0"/>
+              </a:ext>
+            </a:extLst>
+          </a:blip>
+          <a:srcRect/>
+          <a:stretch>
+            <a:fillRect/>
+          </a:stretch>
+        </p:blipFill>
+        <p:spPr bwMode="auto">
+          <a:xfrm>
+            <a:off x="7780338" y="1285874"/>
+            <a:ext cx="2143125" cy="2143125"/>
+          </a:xfrm>
+          <a:prstGeom prst="rect">
+            <a:avLst/>
+          </a:prstGeom>
+          <a:noFill/>
+          <a:extLst>
+            <a:ext uri="{909E8E84-426E-40DD-AFC4-6F175D3DCCD1}">
+              <a14:hiddenFill xmlns:a14="http://schemas.microsoft.com/office/drawing/2010/main">
+                <a:solidFill>
+                  <a:srgbClr val="FFFFFF"/>
+                </a:solidFill>
+              </a14:hiddenFill>
+            </a:ext>
+          </a:extLst>
+        </p:spPr>
+      </p:pic>
+      <p:sp>
+        <p:nvSpPr>
+          <p:cNvPr id="7" name="TextBox 6">
+            <a:extLst>
+              <a:ext uri="{FF2B5EF4-FFF2-40B4-BE49-F238E27FC236}">
+                <a16:creationId xmlns:a16="http://schemas.microsoft.com/office/drawing/2014/main" id="{090707C9-8261-4695-B94D-7B9C29CC5EFB}"/>
+              </a:ext>
+            </a:extLst>
+          </p:cNvPr>
+          <p:cNvSpPr txBox="1"/>
+          <p:nvPr/>
+        </p:nvSpPr>
+        <p:spPr>
+          <a:xfrm>
+            <a:off x="418453" y="5553127"/>
+            <a:ext cx="11329261" cy="461665"/>
+          </a:xfrm>
+          <a:prstGeom prst="rect">
+            <a:avLst/>
+          </a:prstGeom>
+          <a:noFill/>
+        </p:spPr>
+        <p:txBody>
+          <a:bodyPr wrap="square" rtlCol="0">
+            <a:spAutoFit/>
+          </a:bodyPr>
+          <a:lstStyle/>
+          <a:p>
+            <a:pPr marL="0" marR="0" lvl="0" indent="0" algn="ctr" defTabSz="457200" rtl="0" eaLnBrk="1" fontAlgn="auto" latinLnBrk="0" hangingPunct="1">
+              <a:lnSpc>
+                <a:spcPct val="100000"/>
+              </a:lnSpc>
+              <a:spcBef>
+                <a:spcPts val="0"/>
+              </a:spcBef>
+              <a:spcAft>
+                <a:spcPts val="0"/>
+              </a:spcAft>
+              <a:buClrTx/>
+              <a:buSzTx/>
+              <a:buFontTx/>
+              <a:buNone/>
+              <a:tabLst/>
+              <a:defRPr/>
+            </a:pPr>
+            <a:r>
+              <a:rPr kumimoji="0" lang="en-US" sz="2400" b="0" i="0" u="none" strike="noStrike" kern="1200" cap="none" spc="0" normalizeH="0" baseline="0" noProof="0" dirty="0">
+                <a:ln>
+                  <a:noFill/>
+                </a:ln>
+                <a:solidFill>
+                  <a:srgbClr val="FFFF00"/>
+                </a:solidFill>
+                <a:effectLst/>
+                <a:uLnTx/>
+                <a:uFillTx/>
+                <a:latin typeface="Consolas" panose="020B0609020204030204" pitchFamily="49" charset="0"/>
+                <a:ea typeface="+mn-ea"/>
+                <a:cs typeface="+mn-cs"/>
+              </a:rPr>
+              <a:t> </a:t>
+            </a:r>
+          </a:p>
+        </p:txBody>
+      </p:sp>
+    </p:spTree>
+    <p:extLst>
+      <p:ext uri="{BB962C8B-B14F-4D97-AF65-F5344CB8AC3E}">
+        <p14:creationId xmlns:p14="http://schemas.microsoft.com/office/powerpoint/2010/main" val="2058152506"/>
+      </p:ext>
+    </p:extLst>
+  </p:cSld>
+  <p:clrMapOvr>
+    <a:masterClrMapping/>
+  </p:clrMapOvr>
+</p:sld>
+</file>
+
+<file path=ppt/slides/slide17.xml><?xml version="1.0" encoding="utf-8"?>
+<p:sld xmlns:a="http://schemas.openxmlformats.org/drawingml/2006/main" xmlns:r="http://schemas.openxmlformats.org/officeDocument/2006/relationships" xmlns:p="http://schemas.openxmlformats.org/presentationml/2006/main">
+  <p:cSld>
+    <p:spTree>
+      <p:nvGrpSpPr>
+        <p:cNvPr id="1" name=""/>
+        <p:cNvGrpSpPr/>
+        <p:nvPr/>
+      </p:nvGrpSpPr>
+      <p:grpSpPr>
+        <a:xfrm>
+          <a:off x="0" y="0"/>
+          <a:ext cx="0" cy="0"/>
+          <a:chOff x="0" y="0"/>
+          <a:chExt cx="0" cy="0"/>
+        </a:xfrm>
+      </p:grpSpPr>
+      <p:sp>
+        <p:nvSpPr>
+          <p:cNvPr id="2" name="Title 1">
+            <a:extLst>
+              <a:ext uri="{FF2B5EF4-FFF2-40B4-BE49-F238E27FC236}">
+                <a16:creationId xmlns:a16="http://schemas.microsoft.com/office/drawing/2014/main" id="{2DCC4400-C451-C048-8821-012A5DC51FC3}"/>
+              </a:ext>
+            </a:extLst>
+          </p:cNvPr>
+          <p:cNvSpPr>
+            <a:spLocks noGrp="1"/>
+          </p:cNvSpPr>
+          <p:nvPr>
+            <p:ph type="title"/>
+          </p:nvPr>
+        </p:nvSpPr>
+        <p:spPr/>
+        <p:txBody>
+          <a:bodyPr>
+            <a:normAutofit/>
+          </a:bodyPr>
+          <a:lstStyle/>
+          <a:p>
+            <a:r>
+              <a:rPr lang="en-US" sz="4000" dirty="0"/>
+              <a:t>book</a:t>
+            </a:r>
+          </a:p>
+        </p:txBody>
+      </p:sp>
+      <p:pic>
+        <p:nvPicPr>
+          <p:cNvPr id="5" name="Picture 4">
+            <a:extLst>
+              <a:ext uri="{FF2B5EF4-FFF2-40B4-BE49-F238E27FC236}">
+                <a16:creationId xmlns:a16="http://schemas.microsoft.com/office/drawing/2014/main" id="{D2400A0E-2981-432E-908F-12E63D0AB261}"/>
+              </a:ext>
+            </a:extLst>
+          </p:cNvPr>
+          <p:cNvPicPr>
+            <a:picLocks noChangeAspect="1"/>
+          </p:cNvPicPr>
+          <p:nvPr/>
+        </p:nvPicPr>
+        <p:blipFill>
+          <a:blip r:embed="rId2"/>
+          <a:stretch>
+            <a:fillRect/>
+          </a:stretch>
+        </p:blipFill>
+        <p:spPr>
+          <a:xfrm>
+            <a:off x="10325099" y="4560740"/>
+            <a:ext cx="1285709" cy="1353172"/>
+          </a:xfrm>
+          <a:prstGeom prst="rect">
+            <a:avLst/>
+          </a:prstGeom>
+        </p:spPr>
+      </p:pic>
+      <p:pic>
+        <p:nvPicPr>
+          <p:cNvPr id="11266" name="Picture 2" descr="book cover">
+            <a:extLst>
+              <a:ext uri="{FF2B5EF4-FFF2-40B4-BE49-F238E27FC236}">
+                <a16:creationId xmlns:a16="http://schemas.microsoft.com/office/drawing/2014/main" id="{A3085184-55E6-437A-A0D1-69FCCA5D9C08}"/>
+              </a:ext>
+            </a:extLst>
+          </p:cNvPr>
+          <p:cNvPicPr>
+            <a:picLocks noChangeAspect="1" noChangeArrowheads="1"/>
+          </p:cNvPicPr>
+          <p:nvPr/>
+        </p:nvPicPr>
+        <p:blipFill>
+          <a:blip r:embed="rId3">
+            <a:extLst>
+              <a:ext uri="{28A0092B-C50C-407E-A947-70E740481C1C}">
+                <a14:useLocalDpi xmlns:a14="http://schemas.microsoft.com/office/drawing/2010/main" val="0"/>
+              </a:ext>
+            </a:extLst>
+          </a:blip>
+          <a:srcRect/>
+          <a:stretch>
+            <a:fillRect/>
+          </a:stretch>
+        </p:blipFill>
+        <p:spPr bwMode="auto">
+          <a:xfrm>
+            <a:off x="4241495" y="1940768"/>
+            <a:ext cx="3709009" cy="4693298"/>
+          </a:xfrm>
+          <a:prstGeom prst="rect">
+            <a:avLst/>
+          </a:prstGeom>
+          <a:noFill/>
+          <a:ln w="25400">
+            <a:solidFill>
+              <a:schemeClr val="tx1"/>
+            </a:solidFill>
+          </a:ln>
+          <a:extLst>
+            <a:ext uri="{909E8E84-426E-40DD-AFC4-6F175D3DCCD1}">
+              <a14:hiddenFill xmlns:a14="http://schemas.microsoft.com/office/drawing/2010/main">
+                <a:solidFill>
+                  <a:srgbClr val="FFFFFF"/>
+                </a:solidFill>
+              </a14:hiddenFill>
+            </a:ext>
+          </a:extLst>
+        </p:spPr>
+      </p:pic>
+      <p:sp>
+        <p:nvSpPr>
+          <p:cNvPr id="8" name="Rectangle: Rounded Corners 7">
+            <a:extLst>
+              <a:ext uri="{FF2B5EF4-FFF2-40B4-BE49-F238E27FC236}">
+                <a16:creationId xmlns:a16="http://schemas.microsoft.com/office/drawing/2014/main" id="{6E0D1FCA-864E-433C-A3C0-D4230AE19BE9}"/>
+              </a:ext>
+            </a:extLst>
+          </p:cNvPr>
+          <p:cNvSpPr/>
+          <p:nvPr/>
+        </p:nvSpPr>
+        <p:spPr>
+          <a:xfrm>
+            <a:off x="7614075" y="6079079"/>
+            <a:ext cx="4342398" cy="609600"/>
+          </a:xfrm>
+          <a:prstGeom prst="roundRect">
+            <a:avLst/>
+          </a:prstGeom>
+        </p:spPr>
+        <p:style>
+          <a:lnRef idx="0">
+            <a:schemeClr val="accent1"/>
+          </a:lnRef>
+          <a:fillRef idx="3">
+            <a:schemeClr val="accent1"/>
+          </a:fillRef>
+          <a:effectRef idx="3">
+            <a:schemeClr val="accent1"/>
+          </a:effectRef>
+          <a:fontRef idx="minor">
+            <a:schemeClr val="lt1"/>
+          </a:fontRef>
+        </p:style>
+        <p:txBody>
+          <a:bodyPr rtlCol="0" anchor="ctr"/>
+          <a:lstStyle/>
+          <a:p>
+            <a:pPr algn="ctr"/>
+            <a:r>
+              <a:rPr lang="en-US" sz="2400" b="1" dirty="0"/>
+              <a:t>https://timw.info/e74d6</a:t>
+            </a:r>
+          </a:p>
+        </p:txBody>
+      </p:sp>
+    </p:spTree>
+    <p:extLst>
+      <p:ext uri="{BB962C8B-B14F-4D97-AF65-F5344CB8AC3E}">
+        <p14:creationId xmlns:p14="http://schemas.microsoft.com/office/powerpoint/2010/main" val="1308270659"/>
+      </p:ext>
+    </p:extLst>
+  </p:cSld>
+  <p:clrMapOvr>
+    <a:masterClrMapping/>
+  </p:clrMapOvr>
+</p:sld>
+</file>
+
+<file path=ppt/slides/slide18.xml><?xml version="1.0" encoding="utf-8"?>
+<p:sld xmlns:a="http://schemas.openxmlformats.org/drawingml/2006/main" xmlns:r="http://schemas.openxmlformats.org/officeDocument/2006/relationships" xmlns:p="http://schemas.openxmlformats.org/presentationml/2006/main">
+  <p:cSld>
+    <p:spTree>
+      <p:nvGrpSpPr>
+        <p:cNvPr id="1" name=""/>
+        <p:cNvGrpSpPr/>
+        <p:nvPr/>
+      </p:nvGrpSpPr>
+      <p:grpSpPr>
+        <a:xfrm>
+          <a:off x="0" y="0"/>
+          <a:ext cx="0" cy="0"/>
+          <a:chOff x="0" y="0"/>
+          <a:chExt cx="0" cy="0"/>
+        </a:xfrm>
+      </p:grpSpPr>
+      <p:sp>
+        <p:nvSpPr>
+          <p:cNvPr id="2" name="Title 1">
+            <a:extLst>
+              <a:ext uri="{FF2B5EF4-FFF2-40B4-BE49-F238E27FC236}">
+                <a16:creationId xmlns:a16="http://schemas.microsoft.com/office/drawing/2014/main" id="{2DCC4400-C451-C048-8821-012A5DC51FC3}"/>
+              </a:ext>
+            </a:extLst>
+          </p:cNvPr>
+          <p:cNvSpPr>
+            <a:spLocks noGrp="1"/>
+          </p:cNvSpPr>
+          <p:nvPr>
+            <p:ph type="title"/>
+          </p:nvPr>
+        </p:nvSpPr>
+        <p:spPr/>
+        <p:txBody>
+          <a:bodyPr>
+            <a:normAutofit/>
+          </a:bodyPr>
+          <a:lstStyle/>
+          <a:p>
+            <a:r>
+              <a:rPr lang="en-US" sz="4000" dirty="0"/>
+              <a:t>video</a:t>
+            </a:r>
+          </a:p>
+        </p:txBody>
+      </p:sp>
+      <p:pic>
+        <p:nvPicPr>
+          <p:cNvPr id="5" name="Picture 4">
+            <a:extLst>
+              <a:ext uri="{FF2B5EF4-FFF2-40B4-BE49-F238E27FC236}">
+                <a16:creationId xmlns:a16="http://schemas.microsoft.com/office/drawing/2014/main" id="{82BF0A40-A235-4F04-95FC-1552BEB3163B}"/>
+              </a:ext>
+            </a:extLst>
+          </p:cNvPr>
+          <p:cNvPicPr>
+            <a:picLocks noChangeAspect="1"/>
+          </p:cNvPicPr>
+          <p:nvPr/>
+        </p:nvPicPr>
+        <p:blipFill>
+          <a:blip r:embed="rId2"/>
+          <a:stretch>
+            <a:fillRect/>
+          </a:stretch>
+        </p:blipFill>
+        <p:spPr>
+          <a:xfrm>
+            <a:off x="10325099" y="4560740"/>
+            <a:ext cx="1285709" cy="1353172"/>
+          </a:xfrm>
+          <a:prstGeom prst="rect">
+            <a:avLst/>
+          </a:prstGeom>
+        </p:spPr>
+      </p:pic>
+      <p:pic>
+        <p:nvPicPr>
+          <p:cNvPr id="8" name="Picture 7">
+            <a:extLst>
+              <a:ext uri="{FF2B5EF4-FFF2-40B4-BE49-F238E27FC236}">
+                <a16:creationId xmlns:a16="http://schemas.microsoft.com/office/drawing/2014/main" id="{BFBF6E3F-F264-4375-9044-EE9350BCE5D1}"/>
+              </a:ext>
+            </a:extLst>
+          </p:cNvPr>
+          <p:cNvPicPr>
+            <a:picLocks noChangeAspect="1"/>
+          </p:cNvPicPr>
+          <p:nvPr/>
+        </p:nvPicPr>
+        <p:blipFill>
+          <a:blip r:embed="rId3"/>
+          <a:stretch>
+            <a:fillRect/>
+          </a:stretch>
+        </p:blipFill>
+        <p:spPr>
+          <a:xfrm>
+            <a:off x="1870871" y="2277462"/>
+            <a:ext cx="8450258" cy="1151538"/>
+          </a:xfrm>
+          <a:prstGeom prst="rect">
+            <a:avLst/>
+          </a:prstGeom>
+        </p:spPr>
+      </p:pic>
+      <p:pic>
+        <p:nvPicPr>
+          <p:cNvPr id="9" name="Picture 8">
+            <a:extLst>
+              <a:ext uri="{FF2B5EF4-FFF2-40B4-BE49-F238E27FC236}">
+                <a16:creationId xmlns:a16="http://schemas.microsoft.com/office/drawing/2014/main" id="{C24E3F1F-BDFC-407F-963D-66BA6C1491BF}"/>
+              </a:ext>
+            </a:extLst>
+          </p:cNvPr>
+          <p:cNvPicPr>
+            <a:picLocks noChangeAspect="1"/>
+          </p:cNvPicPr>
+          <p:nvPr/>
+        </p:nvPicPr>
+        <p:blipFill>
+          <a:blip r:embed="rId4"/>
+          <a:stretch>
+            <a:fillRect/>
+          </a:stretch>
+        </p:blipFill>
+        <p:spPr>
+          <a:xfrm>
+            <a:off x="1870871" y="3922645"/>
+            <a:ext cx="8421700" cy="1151538"/>
+          </a:xfrm>
+          <a:prstGeom prst="rect">
+            <a:avLst/>
+          </a:prstGeom>
+        </p:spPr>
+      </p:pic>
+      <p:sp>
+        <p:nvSpPr>
+          <p:cNvPr id="10" name="Rectangle: Rounded Corners 9">
+            <a:extLst>
+              <a:ext uri="{FF2B5EF4-FFF2-40B4-BE49-F238E27FC236}">
+                <a16:creationId xmlns:a16="http://schemas.microsoft.com/office/drawing/2014/main" id="{36086911-B047-47A7-96D8-C647613D2132}"/>
+              </a:ext>
+            </a:extLst>
+          </p:cNvPr>
+          <p:cNvSpPr/>
+          <p:nvPr/>
+        </p:nvSpPr>
+        <p:spPr>
+          <a:xfrm>
+            <a:off x="3910522" y="5851044"/>
+            <a:ext cx="4342398" cy="609600"/>
+          </a:xfrm>
+          <a:prstGeom prst="roundRect">
+            <a:avLst/>
+          </a:prstGeom>
+        </p:spPr>
+        <p:style>
+          <a:lnRef idx="0">
+            <a:schemeClr val="accent1"/>
+          </a:lnRef>
+          <a:fillRef idx="3">
+            <a:schemeClr val="accent1"/>
+          </a:fillRef>
+          <a:effectRef idx="3">
+            <a:schemeClr val="accent1"/>
+          </a:effectRef>
+          <a:fontRef idx="minor">
+            <a:schemeClr val="lt1"/>
+          </a:fontRef>
+        </p:style>
+        <p:txBody>
+          <a:bodyPr rtlCol="0" anchor="ctr"/>
+          <a:lstStyle/>
+          <a:p>
+            <a:pPr algn="ctr"/>
+            <a:r>
+              <a:rPr lang="en-US" sz="2400" b="1" dirty="0"/>
+              <a:t>https://timw.info/7f0d1</a:t>
+            </a:r>
+          </a:p>
+        </p:txBody>
+      </p:sp>
+    </p:spTree>
+    <p:extLst>
+      <p:ext uri="{BB962C8B-B14F-4D97-AF65-F5344CB8AC3E}">
+        <p14:creationId xmlns:p14="http://schemas.microsoft.com/office/powerpoint/2010/main" val="3103683261"/>
+      </p:ext>
+    </p:extLst>
+  </p:cSld>
+  <p:clrMapOvr>
+    <a:masterClrMapping/>
+  </p:clrMapOvr>
+</p:sld>
+</file>
+
+<file path=ppt/slides/slide19.xml><?xml version="1.0" encoding="utf-8"?>
+<p:sld xmlns:a="http://schemas.openxmlformats.org/drawingml/2006/main" xmlns:r="http://schemas.openxmlformats.org/officeDocument/2006/relationships" xmlns:p="http://schemas.openxmlformats.org/presentationml/2006/main">
+  <p:cSld>
+    <p:spTree>
+      <p:nvGrpSpPr>
+        <p:cNvPr id="1" name=""/>
+        <p:cNvGrpSpPr/>
+        <p:nvPr/>
+      </p:nvGrpSpPr>
+      <p:grpSpPr>
+        <a:xfrm>
+          <a:off x="0" y="0"/>
+          <a:ext cx="0" cy="0"/>
+          <a:chOff x="0" y="0"/>
+          <a:chExt cx="0" cy="0"/>
+        </a:xfrm>
+      </p:grpSpPr>
+      <p:sp>
+        <p:nvSpPr>
+          <p:cNvPr id="2" name="Title 1">
+            <a:extLst>
+              <a:ext uri="{FF2B5EF4-FFF2-40B4-BE49-F238E27FC236}">
+                <a16:creationId xmlns:a16="http://schemas.microsoft.com/office/drawing/2014/main" id="{2DCC4400-C451-C048-8821-012A5DC51FC3}"/>
+              </a:ext>
+            </a:extLst>
+          </p:cNvPr>
+          <p:cNvSpPr>
+            <a:spLocks noGrp="1"/>
+          </p:cNvSpPr>
+          <p:nvPr>
+            <p:ph type="title"/>
+          </p:nvPr>
+        </p:nvSpPr>
+        <p:spPr/>
+        <p:txBody>
+          <a:bodyPr>
+            <a:normAutofit/>
+          </a:bodyPr>
+          <a:lstStyle/>
+          <a:p>
+            <a:r>
+              <a:rPr lang="en-US" sz="4000" dirty="0"/>
+              <a:t>Online tutorial (interactive)</a:t>
+            </a:r>
+          </a:p>
+        </p:txBody>
+      </p:sp>
+      <p:pic>
+        <p:nvPicPr>
+          <p:cNvPr id="3" name="Picture 2">
+            <a:extLst>
+              <a:ext uri="{FF2B5EF4-FFF2-40B4-BE49-F238E27FC236}">
+                <a16:creationId xmlns:a16="http://schemas.microsoft.com/office/drawing/2014/main" id="{796A6FCA-DF3F-464C-AED8-FE2ADD526020}"/>
+              </a:ext>
+            </a:extLst>
+          </p:cNvPr>
+          <p:cNvPicPr>
+            <a:picLocks noChangeAspect="1"/>
+          </p:cNvPicPr>
+          <p:nvPr/>
+        </p:nvPicPr>
+        <p:blipFill>
+          <a:blip r:embed="rId2"/>
+          <a:stretch>
+            <a:fillRect/>
+          </a:stretch>
+        </p:blipFill>
+        <p:spPr>
+          <a:xfrm>
+            <a:off x="10325099" y="4560740"/>
+            <a:ext cx="1285709" cy="1353172"/>
+          </a:xfrm>
+          <a:prstGeom prst="rect">
+            <a:avLst/>
+          </a:prstGeom>
+        </p:spPr>
+      </p:pic>
+      <p:pic>
+        <p:nvPicPr>
+          <p:cNvPr id="8" name="Picture 7">
+            <a:extLst>
+              <a:ext uri="{FF2B5EF4-FFF2-40B4-BE49-F238E27FC236}">
+                <a16:creationId xmlns:a16="http://schemas.microsoft.com/office/drawing/2014/main" id="{72C0A58B-CCA0-4728-AF1F-9AA56B52E1A5}"/>
+              </a:ext>
+            </a:extLst>
+          </p:cNvPr>
+          <p:cNvPicPr>
+            <a:picLocks noChangeAspect="1"/>
+          </p:cNvPicPr>
+          <p:nvPr/>
+        </p:nvPicPr>
+        <p:blipFill>
+          <a:blip r:embed="rId3"/>
+          <a:stretch>
+            <a:fillRect/>
+          </a:stretch>
+        </p:blipFill>
+        <p:spPr>
+          <a:xfrm>
+            <a:off x="2365901" y="1947406"/>
+            <a:ext cx="7460197" cy="4716630"/>
+          </a:xfrm>
+          <a:prstGeom prst="rect">
+            <a:avLst/>
+          </a:prstGeom>
+        </p:spPr>
+      </p:pic>
+      <p:sp>
+        <p:nvSpPr>
+          <p:cNvPr id="9" name="Rectangle: Rounded Corners 8">
+            <a:extLst>
+              <a:ext uri="{FF2B5EF4-FFF2-40B4-BE49-F238E27FC236}">
+                <a16:creationId xmlns:a16="http://schemas.microsoft.com/office/drawing/2014/main" id="{48D035A8-B834-4941-A2D2-0909ADFA3D37}"/>
+              </a:ext>
+            </a:extLst>
+          </p:cNvPr>
+          <p:cNvSpPr/>
+          <p:nvPr/>
+        </p:nvSpPr>
+        <p:spPr>
+          <a:xfrm>
+            <a:off x="3910522" y="5851044"/>
+            <a:ext cx="4342398" cy="609600"/>
+          </a:xfrm>
+          <a:prstGeom prst="roundRect">
+            <a:avLst/>
+          </a:prstGeom>
+        </p:spPr>
+        <p:style>
+          <a:lnRef idx="0">
+            <a:schemeClr val="accent1"/>
+          </a:lnRef>
+          <a:fillRef idx="3">
+            <a:schemeClr val="accent1"/>
+          </a:fillRef>
+          <a:effectRef idx="3">
+            <a:schemeClr val="accent1"/>
+          </a:effectRef>
+          <a:fontRef idx="minor">
+            <a:schemeClr val="lt1"/>
+          </a:fontRef>
+        </p:style>
+        <p:txBody>
+          <a:bodyPr rtlCol="0" anchor="ctr"/>
+          <a:lstStyle/>
+          <a:p>
+            <a:pPr algn="ctr"/>
+            <a:r>
+              <a:rPr lang="en-US" sz="2400" dirty="0"/>
+              <a:t>https://learngitbranching.js.org</a:t>
+            </a:r>
+            <a:endParaRPr lang="en-US" sz="2400" b="1" dirty="0"/>
+          </a:p>
+        </p:txBody>
+      </p:sp>
+    </p:spTree>
+    <p:extLst>
+      <p:ext uri="{BB962C8B-B14F-4D97-AF65-F5344CB8AC3E}">
+        <p14:creationId xmlns:p14="http://schemas.microsoft.com/office/powerpoint/2010/main" val="1529778166"/>
+      </p:ext>
+    </p:extLst>
+  </p:cSld>
+  <p:clrMapOvr>
+    <a:masterClrMapping/>
+  </p:clrMapOvr>
 </p:sld>
 </file>
 
@@ -10892,6 +11110,338 @@
 </file>
 
 <file path=ppt/slides/slide20.xml><?xml version="1.0" encoding="utf-8"?>
+<p:sld xmlns:a="http://schemas.openxmlformats.org/drawingml/2006/main" xmlns:r="http://schemas.openxmlformats.org/officeDocument/2006/relationships" xmlns:p="http://schemas.openxmlformats.org/presentationml/2006/main">
+  <p:cSld>
+    <p:spTree>
+      <p:nvGrpSpPr>
+        <p:cNvPr id="1" name=""/>
+        <p:cNvGrpSpPr/>
+        <p:nvPr/>
+      </p:nvGrpSpPr>
+      <p:grpSpPr>
+        <a:xfrm>
+          <a:off x="0" y="0"/>
+          <a:ext cx="0" cy="0"/>
+          <a:chOff x="0" y="0"/>
+          <a:chExt cx="0" cy="0"/>
+        </a:xfrm>
+      </p:grpSpPr>
+      <p:sp>
+        <p:nvSpPr>
+          <p:cNvPr id="2" name="Title 1">
+            <a:extLst>
+              <a:ext uri="{FF2B5EF4-FFF2-40B4-BE49-F238E27FC236}">
+                <a16:creationId xmlns:a16="http://schemas.microsoft.com/office/drawing/2014/main" id="{2DCC4400-C451-C048-8821-012A5DC51FC3}"/>
+              </a:ext>
+            </a:extLst>
+          </p:cNvPr>
+          <p:cNvSpPr>
+            <a:spLocks noGrp="1"/>
+          </p:cNvSpPr>
+          <p:nvPr>
+            <p:ph type="title"/>
+          </p:nvPr>
+        </p:nvSpPr>
+        <p:spPr/>
+        <p:txBody>
+          <a:bodyPr>
+            <a:normAutofit/>
+          </a:bodyPr>
+          <a:lstStyle/>
+          <a:p>
+            <a:r>
+              <a:rPr lang="en-US" sz="4000" dirty="0"/>
+              <a:t>Your marching orders</a:t>
+            </a:r>
+          </a:p>
+        </p:txBody>
+      </p:sp>
+      <p:sp>
+        <p:nvSpPr>
+          <p:cNvPr id="6" name="Content Placeholder 5">
+            <a:extLst>
+              <a:ext uri="{FF2B5EF4-FFF2-40B4-BE49-F238E27FC236}">
+                <a16:creationId xmlns:a16="http://schemas.microsoft.com/office/drawing/2014/main" id="{20833873-F394-6741-B7DF-0237A79B55BB}"/>
+              </a:ext>
+            </a:extLst>
+          </p:cNvPr>
+          <p:cNvSpPr>
+            <a:spLocks noGrp="1"/>
+          </p:cNvSpPr>
+          <p:nvPr>
+            <p:ph idx="1"/>
+          </p:nvPr>
+        </p:nvSpPr>
+        <p:spPr>
+          <a:xfrm>
+            <a:off x="581192" y="1565564"/>
+            <a:ext cx="11029615" cy="4293235"/>
+          </a:xfrm>
+        </p:spPr>
+        <p:txBody>
+          <a:bodyPr/>
+          <a:lstStyle/>
+          <a:p>
+            <a:pPr marL="742950" indent="-742950">
+              <a:buFont typeface="+mj-lt"/>
+              <a:buAutoNum type="arabicPeriod"/>
+            </a:pPr>
+            <a:r>
+              <a:rPr lang="en-US" dirty="0"/>
+              <a:t>Start practicing yourself with a "Hello world" PowerShell project</a:t>
+            </a:r>
+          </a:p>
+          <a:p>
+            <a:pPr marL="742950" indent="-742950">
+              <a:buFont typeface="+mj-lt"/>
+              <a:buAutoNum type="arabicPeriod"/>
+            </a:pPr>
+            <a:r>
+              <a:rPr lang="en-US" dirty="0"/>
+              <a:t>Contribute to someone's GitHub project</a:t>
+            </a:r>
+          </a:p>
+          <a:p>
+            <a:pPr marL="742950" indent="-742950">
+              <a:buFont typeface="+mj-lt"/>
+              <a:buAutoNum type="arabicPeriod"/>
+            </a:pPr>
+            <a:r>
+              <a:rPr lang="en-US" dirty="0"/>
+              <a:t>Ask Mike Lombardi (@</a:t>
+            </a:r>
+            <a:r>
+              <a:rPr lang="en-US" dirty="0" err="1"/>
+              <a:t>TrebuchetOps</a:t>
+            </a:r>
+            <a:r>
+              <a:rPr lang="en-US" dirty="0"/>
+              <a:t>) for help</a:t>
+            </a:r>
+          </a:p>
+        </p:txBody>
+      </p:sp>
+      <p:pic>
+        <p:nvPicPr>
+          <p:cNvPr id="7" name="Picture 6">
+            <a:extLst>
+              <a:ext uri="{FF2B5EF4-FFF2-40B4-BE49-F238E27FC236}">
+                <a16:creationId xmlns:a16="http://schemas.microsoft.com/office/drawing/2014/main" id="{65CAA47D-15E9-9140-900B-E253CEB6E999}"/>
+              </a:ext>
+            </a:extLst>
+          </p:cNvPr>
+          <p:cNvPicPr>
+            <a:picLocks noChangeAspect="1"/>
+          </p:cNvPicPr>
+          <p:nvPr/>
+        </p:nvPicPr>
+        <p:blipFill>
+          <a:blip r:embed="rId2"/>
+          <a:stretch>
+            <a:fillRect/>
+          </a:stretch>
+        </p:blipFill>
+        <p:spPr>
+          <a:xfrm>
+            <a:off x="381000" y="5197369"/>
+            <a:ext cx="2976433" cy="1322859"/>
+          </a:xfrm>
+          <a:prstGeom prst="rect">
+            <a:avLst/>
+          </a:prstGeom>
+        </p:spPr>
+      </p:pic>
+    </p:spTree>
+    <p:extLst>
+      <p:ext uri="{BB962C8B-B14F-4D97-AF65-F5344CB8AC3E}">
+        <p14:creationId xmlns:p14="http://schemas.microsoft.com/office/powerpoint/2010/main" val="3301570269"/>
+      </p:ext>
+    </p:extLst>
+  </p:cSld>
+  <p:clrMapOvr>
+    <a:masterClrMapping/>
+  </p:clrMapOvr>
+  <p:timing>
+    <p:tnLst>
+      <p:par>
+        <p:cTn id="1" dur="indefinite" restart="never" nodeType="tmRoot">
+          <p:childTnLst>
+            <p:seq concurrent="1" nextAc="seek">
+              <p:cTn id="2" dur="indefinite" nodeType="mainSeq">
+                <p:childTnLst>
+                  <p:par>
+                    <p:cTn id="3" fill="hold">
+                      <p:stCondLst>
+                        <p:cond delay="indefinite"/>
+                      </p:stCondLst>
+                      <p:childTnLst>
+                        <p:par>
+                          <p:cTn id="4" fill="hold">
+                            <p:stCondLst>
+                              <p:cond delay="0"/>
+                            </p:stCondLst>
+                            <p:childTnLst>
+                              <p:par>
+                                <p:cTn id="5" presetID="1" presetClass="entr" presetSubtype="0" fill="hold" nodeType="clickEffect">
+                                  <p:stCondLst>
+                                    <p:cond delay="0"/>
+                                  </p:stCondLst>
+                                  <p:childTnLst>
+                                    <p:set>
+                                      <p:cBhvr>
+                                        <p:cTn id="6" dur="1" fill="hold">
+                                          <p:stCondLst>
+                                            <p:cond delay="0"/>
+                                          </p:stCondLst>
+                                        </p:cTn>
+                                        <p:tgtEl>
+                                          <p:spTgt spid="6">
+                                            <p:txEl>
+                                              <p:pRg st="0" end="0"/>
+                                            </p:txEl>
+                                          </p:spTgt>
+                                        </p:tgtEl>
+                                        <p:attrNameLst>
+                                          <p:attrName>style.visibility</p:attrName>
+                                        </p:attrNameLst>
+                                      </p:cBhvr>
+                                      <p:to>
+                                        <p:strVal val="visible"/>
+                                      </p:to>
+                                    </p:set>
+                                  </p:childTnLst>
+                                </p:cTn>
+                              </p:par>
+                            </p:childTnLst>
+                          </p:cTn>
+                        </p:par>
+                      </p:childTnLst>
+                    </p:cTn>
+                  </p:par>
+                  <p:par>
+                    <p:cTn id="7" fill="hold">
+                      <p:stCondLst>
+                        <p:cond delay="indefinite"/>
+                      </p:stCondLst>
+                      <p:childTnLst>
+                        <p:par>
+                          <p:cTn id="8" fill="hold">
+                            <p:stCondLst>
+                              <p:cond delay="0"/>
+                            </p:stCondLst>
+                            <p:childTnLst>
+                              <p:par>
+                                <p:cTn id="9" presetID="1" presetClass="entr" presetSubtype="0" fill="hold" nodeType="clickEffect">
+                                  <p:stCondLst>
+                                    <p:cond delay="0"/>
+                                  </p:stCondLst>
+                                  <p:childTnLst>
+                                    <p:set>
+                                      <p:cBhvr>
+                                        <p:cTn id="10" dur="1" fill="hold">
+                                          <p:stCondLst>
+                                            <p:cond delay="0"/>
+                                          </p:stCondLst>
+                                        </p:cTn>
+                                        <p:tgtEl>
+                                          <p:spTgt spid="6">
+                                            <p:txEl>
+                                              <p:pRg st="1" end="1"/>
+                                            </p:txEl>
+                                          </p:spTgt>
+                                        </p:tgtEl>
+                                        <p:attrNameLst>
+                                          <p:attrName>style.visibility</p:attrName>
+                                        </p:attrNameLst>
+                                      </p:cBhvr>
+                                      <p:to>
+                                        <p:strVal val="visible"/>
+                                      </p:to>
+                                    </p:set>
+                                  </p:childTnLst>
+                                </p:cTn>
+                              </p:par>
+                            </p:childTnLst>
+                          </p:cTn>
+                        </p:par>
+                      </p:childTnLst>
+                    </p:cTn>
+                  </p:par>
+                  <p:par>
+                    <p:cTn id="11" fill="hold">
+                      <p:stCondLst>
+                        <p:cond delay="indefinite"/>
+                      </p:stCondLst>
+                      <p:childTnLst>
+                        <p:par>
+                          <p:cTn id="12" fill="hold">
+                            <p:stCondLst>
+                              <p:cond delay="0"/>
+                            </p:stCondLst>
+                            <p:childTnLst>
+                              <p:par>
+                                <p:cTn id="13" presetID="1" presetClass="entr" presetSubtype="0" fill="hold" nodeType="clickEffect">
+                                  <p:stCondLst>
+                                    <p:cond delay="0"/>
+                                  </p:stCondLst>
+                                  <p:childTnLst>
+                                    <p:set>
+                                      <p:cBhvr>
+                                        <p:cTn id="14" dur="1" fill="hold">
+                                          <p:stCondLst>
+                                            <p:cond delay="0"/>
+                                          </p:stCondLst>
+                                        </p:cTn>
+                                        <p:tgtEl>
+                                          <p:spTgt spid="6">
+                                            <p:txEl>
+                                              <p:pRg st="2" end="2"/>
+                                            </p:txEl>
+                                          </p:spTgt>
+                                        </p:tgtEl>
+                                        <p:attrNameLst>
+                                          <p:attrName>style.visibility</p:attrName>
+                                        </p:attrNameLst>
+                                      </p:cBhvr>
+                                      <p:to>
+                                        <p:strVal val="visible"/>
+                                      </p:to>
+                                    </p:set>
+                                  </p:childTnLst>
+                                </p:cTn>
+                              </p:par>
+                            </p:childTnLst>
+                          </p:cTn>
+                        </p:par>
+                      </p:childTnLst>
+                    </p:cTn>
+                  </p:par>
+                </p:childTnLst>
+              </p:cTn>
+              <p:prevCondLst>
+                <p:cond evt="onPrev" delay="0">
+                  <p:tgtEl>
+                    <p:sldTgt/>
+                  </p:tgtEl>
+                </p:cond>
+              </p:prevCondLst>
+              <p:nextCondLst>
+                <p:cond evt="onNext" delay="0">
+                  <p:tgtEl>
+                    <p:sldTgt/>
+                  </p:tgtEl>
+                </p:cond>
+              </p:nextCondLst>
+            </p:seq>
+          </p:childTnLst>
+        </p:cTn>
+      </p:par>
+    </p:tnLst>
+  </p:timing>
+</p:sld>
+</file>
+
+<file path=ppt/slides/slide21.xml><?xml version="1.0" encoding="utf-8"?>
 <p:sld xmlns:a="http://schemas.openxmlformats.org/drawingml/2006/main" xmlns:r="http://schemas.openxmlformats.org/officeDocument/2006/relationships" xmlns:p="http://schemas.openxmlformats.org/presentationml/2006/main">
   <p:cSld>
     <p:spTree>
